--- a/images/images.pptx
+++ b/images/images.pptx
@@ -9,6 +9,7 @@
     <p:sldId id="261" r:id="rId3"/>
     <p:sldId id="262" r:id="rId4"/>
     <p:sldId id="263" r:id="rId5"/>
+    <p:sldId id="264" r:id="rId6"/>
   </p:sldIdLst>
   <p:sldSz cx="12192000" cy="6858000"/>
   <p:notesSz cx="6858000" cy="9144000"/>
@@ -4907,19 +4908,6 @@
             </a:pPr>
             <a:r>
               <a:rPr lang="en-US" sz="2800" dirty="0"/>
-              <a:t>Too many scripts and data files!</a:t>
-            </a:r>
-          </a:p>
-          <a:p>
-            <a:endParaRPr lang="en-US" sz="2800" dirty="0"/>
-          </a:p>
-          <a:p>
-            <a:pPr marL="285750" indent="-285750">
-              <a:buFont typeface="Arial" panose="020B0604020202020204" pitchFamily="34" charset="0"/>
-              <a:buChar char="•"/>
-            </a:pPr>
-            <a:r>
-              <a:rPr lang="en-US" sz="2800" dirty="0"/>
               <a:t>Can't understand the workflow!</a:t>
             </a:r>
           </a:p>
@@ -4937,7 +4925,7 @@
             </a:pPr>
             <a:r>
               <a:rPr lang="en-US" sz="2800" dirty="0"/>
-              <a:t>Takes too long to rerun everything!</a:t>
+              <a:t>Too many scripts and data files!</a:t>
             </a:r>
           </a:p>
           <a:p>
@@ -4954,7 +4942,24 @@
             </a:pPr>
             <a:r>
               <a:rPr lang="en-US" sz="2800" dirty="0"/>
-              <a:t>Do I need to rerun this??!!</a:t>
+              <a:t>Takes too long to run everything!</a:t>
+            </a:r>
+          </a:p>
+          <a:p>
+            <a:pPr marL="285750" indent="-285750">
+              <a:buFont typeface="Arial" panose="020B0604020202020204" pitchFamily="34" charset="0"/>
+              <a:buChar char="•"/>
+            </a:pPr>
+            <a:endParaRPr lang="en-US" sz="2800" dirty="0"/>
+          </a:p>
+          <a:p>
+            <a:pPr marL="285750" indent="-285750">
+              <a:buFont typeface="Arial" panose="020B0604020202020204" pitchFamily="34" charset="0"/>
+              <a:buChar char="•"/>
+            </a:pPr>
+            <a:r>
+              <a:rPr lang="en-US" sz="2800" dirty="0"/>
+              <a:t>Do I even need to rerun this??!!</a:t>
             </a:r>
           </a:p>
           <a:p>
@@ -5007,6 +5012,131 @@
     <p:extLst>
       <p:ext uri="{BB962C8B-B14F-4D97-AF65-F5344CB8AC3E}">
         <p14:creationId xmlns:p14="http://schemas.microsoft.com/office/powerpoint/2010/main" val="699148179"/>
+      </p:ext>
+    </p:extLst>
+  </p:cSld>
+  <p:clrMapOvr>
+    <a:masterClrMapping/>
+  </p:clrMapOvr>
+</p:sld>
+</file>
+
+<file path=ppt/slides/slide5.xml><?xml version="1.0" encoding="utf-8"?>
+<p:sld xmlns:a="http://schemas.openxmlformats.org/drawingml/2006/main" xmlns:r="http://schemas.openxmlformats.org/officeDocument/2006/relationships" xmlns:p="http://schemas.openxmlformats.org/presentationml/2006/main">
+  <p:cSld>
+    <p:spTree>
+      <p:nvGrpSpPr>
+        <p:cNvPr id="1" name=""/>
+        <p:cNvGrpSpPr/>
+        <p:nvPr/>
+      </p:nvGrpSpPr>
+      <p:grpSpPr>
+        <a:xfrm>
+          <a:off x="0" y="0"/>
+          <a:ext cx="0" cy="0"/>
+          <a:chOff x="0" y="0"/>
+          <a:chExt cx="0" cy="0"/>
+        </a:xfrm>
+      </p:grpSpPr>
+      <p:pic>
+        <p:nvPicPr>
+          <p:cNvPr id="4" name="Picture 3" descr="A yellow cone shaped graph&#10;&#10;Description automatically generated with medium confidence">
+            <a:extLst>
+              <a:ext uri="{FF2B5EF4-FFF2-40B4-BE49-F238E27FC236}">
+                <a16:creationId xmlns:a16="http://schemas.microsoft.com/office/drawing/2014/main" id="{34326D39-8AD4-55D3-4C0F-8A3D882FC291}"/>
+              </a:ext>
+            </a:extLst>
+          </p:cNvPr>
+          <p:cNvPicPr>
+            <a:picLocks noChangeAspect="1"/>
+          </p:cNvPicPr>
+          <p:nvPr/>
+        </p:nvPicPr>
+        <p:blipFill>
+          <a:blip r:embed="rId2"/>
+          <a:stretch>
+            <a:fillRect/>
+          </a:stretch>
+        </p:blipFill>
+        <p:spPr>
+          <a:xfrm>
+            <a:off x="99604" y="1111613"/>
+            <a:ext cx="4650377" cy="3235455"/>
+          </a:xfrm>
+          <a:prstGeom prst="rect">
+            <a:avLst/>
+          </a:prstGeom>
+        </p:spPr>
+      </p:pic>
+      <p:pic>
+        <p:nvPicPr>
+          <p:cNvPr id="7" name="Picture 6" descr="A diagram of a graph and a diagram of a graph&#10;&#10;Description automatically generated">
+            <a:extLst>
+              <a:ext uri="{FF2B5EF4-FFF2-40B4-BE49-F238E27FC236}">
+                <a16:creationId xmlns:a16="http://schemas.microsoft.com/office/drawing/2014/main" id="{CAF3460D-54F2-AE9C-DEA0-A74F1428D163}"/>
+              </a:ext>
+            </a:extLst>
+          </p:cNvPr>
+          <p:cNvPicPr>
+            <a:picLocks noChangeAspect="1"/>
+          </p:cNvPicPr>
+          <p:nvPr/>
+        </p:nvPicPr>
+        <p:blipFill>
+          <a:blip r:embed="rId3"/>
+          <a:stretch>
+            <a:fillRect/>
+          </a:stretch>
+        </p:blipFill>
+        <p:spPr>
+          <a:xfrm>
+            <a:off x="4749981" y="1018903"/>
+            <a:ext cx="7293973" cy="3556740"/>
+          </a:xfrm>
+          <a:prstGeom prst="rect">
+            <a:avLst/>
+          </a:prstGeom>
+        </p:spPr>
+      </p:pic>
+      <p:sp>
+        <p:nvSpPr>
+          <p:cNvPr id="8" name="TextBox 7">
+            <a:extLst>
+              <a:ext uri="{FF2B5EF4-FFF2-40B4-BE49-F238E27FC236}">
+                <a16:creationId xmlns:a16="http://schemas.microsoft.com/office/drawing/2014/main" id="{61F57906-87C3-E0CD-BC5E-D122EBE94F4C}"/>
+              </a:ext>
+            </a:extLst>
+          </p:cNvPr>
+          <p:cNvSpPr txBox="1"/>
+          <p:nvPr/>
+        </p:nvSpPr>
+        <p:spPr>
+          <a:xfrm>
+            <a:off x="7762396" y="4575643"/>
+            <a:ext cx="4357988" cy="369332"/>
+          </a:xfrm>
+          <a:prstGeom prst="rect">
+            <a:avLst/>
+          </a:prstGeom>
+          <a:noFill/>
+        </p:spPr>
+        <p:txBody>
+          <a:bodyPr wrap="square" rtlCol="0">
+            <a:spAutoFit/>
+          </a:bodyPr>
+          <a:lstStyle/>
+          <a:p>
+            <a:r>
+              <a:rPr lang="en-US" dirty="0"/>
+              <a:t>Credit: Prof. David Kahle, Baylor University</a:t>
+            </a:r>
+          </a:p>
+        </p:txBody>
+      </p:sp>
+    </p:spTree>
+    <p:extLst>
+      <p:ext uri="{BB962C8B-B14F-4D97-AF65-F5344CB8AC3E}">
+        <p14:creationId xmlns:p14="http://schemas.microsoft.com/office/powerpoint/2010/main" val="2560415659"/>
       </p:ext>
     </p:extLst>
   </p:cSld>

--- a/images/images.pptx
+++ b/images/images.pptx
@@ -7,9 +7,16 @@
   <p:sldIdLst>
     <p:sldId id="256" r:id="rId2"/>
     <p:sldId id="261" r:id="rId3"/>
-    <p:sldId id="262" r:id="rId4"/>
-    <p:sldId id="263" r:id="rId5"/>
-    <p:sldId id="264" r:id="rId6"/>
+    <p:sldId id="286" r:id="rId4"/>
+    <p:sldId id="262" r:id="rId5"/>
+    <p:sldId id="263" r:id="rId6"/>
+    <p:sldId id="288" r:id="rId7"/>
+    <p:sldId id="287" r:id="rId8"/>
+    <p:sldId id="264" r:id="rId9"/>
+    <p:sldId id="281" r:id="rId10"/>
+    <p:sldId id="282" r:id="rId11"/>
+    <p:sldId id="283" r:id="rId12"/>
+    <p:sldId id="285" r:id="rId13"/>
   </p:sldIdLst>
   <p:sldSz cx="12192000" cy="6858000"/>
   <p:notesSz cx="6858000" cy="9144000"/>
@@ -108,6 +115,11 @@
       </a:defRPr>
     </a:lvl9pPr>
   </p:defaultTextStyle>
+  <p:extLst>
+    <p:ext uri="{EFAFB233-063F-42B5-8137-9DF3F51BA10A}">
+      <p15:sldGuideLst xmlns:p15="http://schemas.microsoft.com/office/powerpoint/2012/main"/>
+    </p:ext>
+  </p:extLst>
 </p:presentation>
 </file>
 
@@ -258,7 +270,7 @@
           <a:p>
             <a:fld id="{08868964-742F-B249-AAE0-88828388AD3A}" type="datetimeFigureOut">
               <a:rPr lang="en-US" smtClean="0"/>
-              <a:t>8/6/24</a:t>
+              <a:t>8/7/24</a:t>
             </a:fld>
             <a:endParaRPr lang="en-US" dirty="0"/>
           </a:p>
@@ -456,7 +468,7 @@
           <a:p>
             <a:fld id="{08868964-742F-B249-AAE0-88828388AD3A}" type="datetimeFigureOut">
               <a:rPr lang="en-US" smtClean="0"/>
-              <a:t>8/6/24</a:t>
+              <a:t>8/7/24</a:t>
             </a:fld>
             <a:endParaRPr lang="en-US" dirty="0"/>
           </a:p>
@@ -664,7 +676,7 @@
           <a:p>
             <a:fld id="{08868964-742F-B249-AAE0-88828388AD3A}" type="datetimeFigureOut">
               <a:rPr lang="en-US" smtClean="0"/>
-              <a:t>8/6/24</a:t>
+              <a:t>8/7/24</a:t>
             </a:fld>
             <a:endParaRPr lang="en-US" dirty="0"/>
           </a:p>
@@ -862,7 +874,7 @@
           <a:p>
             <a:fld id="{08868964-742F-B249-AAE0-88828388AD3A}" type="datetimeFigureOut">
               <a:rPr lang="en-US" smtClean="0"/>
-              <a:t>8/6/24</a:t>
+              <a:t>8/7/24</a:t>
             </a:fld>
             <a:endParaRPr lang="en-US" dirty="0"/>
           </a:p>
@@ -1137,7 +1149,7 @@
           <a:p>
             <a:fld id="{08868964-742F-B249-AAE0-88828388AD3A}" type="datetimeFigureOut">
               <a:rPr lang="en-US" smtClean="0"/>
-              <a:t>8/6/24</a:t>
+              <a:t>8/7/24</a:t>
             </a:fld>
             <a:endParaRPr lang="en-US" dirty="0"/>
           </a:p>
@@ -1402,7 +1414,7 @@
           <a:p>
             <a:fld id="{08868964-742F-B249-AAE0-88828388AD3A}" type="datetimeFigureOut">
               <a:rPr lang="en-US" smtClean="0"/>
-              <a:t>8/6/24</a:t>
+              <a:t>8/7/24</a:t>
             </a:fld>
             <a:endParaRPr lang="en-US" dirty="0"/>
           </a:p>
@@ -1814,7 +1826,7 @@
           <a:p>
             <a:fld id="{08868964-742F-B249-AAE0-88828388AD3A}" type="datetimeFigureOut">
               <a:rPr lang="en-US" smtClean="0"/>
-              <a:t>8/6/24</a:t>
+              <a:t>8/7/24</a:t>
             </a:fld>
             <a:endParaRPr lang="en-US" dirty="0"/>
           </a:p>
@@ -1955,7 +1967,7 @@
           <a:p>
             <a:fld id="{08868964-742F-B249-AAE0-88828388AD3A}" type="datetimeFigureOut">
               <a:rPr lang="en-US" smtClean="0"/>
-              <a:t>8/6/24</a:t>
+              <a:t>8/7/24</a:t>
             </a:fld>
             <a:endParaRPr lang="en-US" dirty="0"/>
           </a:p>
@@ -2068,7 +2080,7 @@
           <a:p>
             <a:fld id="{08868964-742F-B249-AAE0-88828388AD3A}" type="datetimeFigureOut">
               <a:rPr lang="en-US" smtClean="0"/>
-              <a:t>8/6/24</a:t>
+              <a:t>8/7/24</a:t>
             </a:fld>
             <a:endParaRPr lang="en-US" dirty="0"/>
           </a:p>
@@ -2379,7 +2391,7 @@
           <a:p>
             <a:fld id="{08868964-742F-B249-AAE0-88828388AD3A}" type="datetimeFigureOut">
               <a:rPr lang="en-US" smtClean="0"/>
-              <a:t>8/6/24</a:t>
+              <a:t>8/7/24</a:t>
             </a:fld>
             <a:endParaRPr lang="en-US" dirty="0"/>
           </a:p>
@@ -2667,7 +2679,7 @@
           <a:p>
             <a:fld id="{08868964-742F-B249-AAE0-88828388AD3A}" type="datetimeFigureOut">
               <a:rPr lang="en-US" smtClean="0"/>
-              <a:t>8/6/24</a:t>
+              <a:t>8/7/24</a:t>
             </a:fld>
             <a:endParaRPr lang="en-US" dirty="0"/>
           </a:p>
@@ -2908,7 +2920,7 @@
           <a:p>
             <a:fld id="{08868964-742F-B249-AAE0-88828388AD3A}" type="datetimeFigureOut">
               <a:rPr lang="en-US" smtClean="0"/>
-              <a:t>8/6/24</a:t>
+              <a:t>8/7/24</a:t>
             </a:fld>
             <a:endParaRPr lang="en-US" dirty="0"/>
           </a:p>
@@ -4363,6 +4375,2904 @@
 </p:sld>
 </file>
 
+<file path=ppt/slides/slide10.xml><?xml version="1.0" encoding="utf-8"?>
+<p:sld xmlns:a="http://schemas.openxmlformats.org/drawingml/2006/main" xmlns:r="http://schemas.openxmlformats.org/officeDocument/2006/relationships" xmlns:p="http://schemas.openxmlformats.org/presentationml/2006/main">
+  <p:cSld>
+    <p:spTree>
+      <p:nvGrpSpPr>
+        <p:cNvPr id="1" name=""/>
+        <p:cNvGrpSpPr/>
+        <p:nvPr/>
+      </p:nvGrpSpPr>
+      <p:grpSpPr>
+        <a:xfrm>
+          <a:off x="0" y="0"/>
+          <a:ext cx="0" cy="0"/>
+          <a:chOff x="0" y="0"/>
+          <a:chExt cx="0" cy="0"/>
+        </a:xfrm>
+      </p:grpSpPr>
+      <p:sp>
+        <p:nvSpPr>
+          <p:cNvPr id="2" name="Rounded Rectangle 1">
+            <a:extLst>
+              <a:ext uri="{FF2B5EF4-FFF2-40B4-BE49-F238E27FC236}">
+                <a16:creationId xmlns:a16="http://schemas.microsoft.com/office/drawing/2014/main" id="{7F8D9EAD-DF56-C2B4-55E0-90F88A1F06C7}"/>
+              </a:ext>
+            </a:extLst>
+          </p:cNvPr>
+          <p:cNvSpPr/>
+          <p:nvPr/>
+        </p:nvSpPr>
+        <p:spPr>
+          <a:xfrm>
+            <a:off x="4606834" y="1867990"/>
+            <a:ext cx="2769326" cy="470263"/>
+          </a:xfrm>
+          <a:prstGeom prst="roundRect">
+            <a:avLst/>
+          </a:prstGeom>
+          <a:solidFill>
+            <a:srgbClr val="FFC000"/>
+          </a:solidFill>
+          <a:ln>
+            <a:noFill/>
+          </a:ln>
+        </p:spPr>
+        <p:style>
+          <a:lnRef idx="2">
+            <a:schemeClr val="accent1">
+              <a:shade val="15000"/>
+            </a:schemeClr>
+          </a:lnRef>
+          <a:fillRef idx="1">
+            <a:schemeClr val="accent1"/>
+          </a:fillRef>
+          <a:effectRef idx="0">
+            <a:schemeClr val="accent1"/>
+          </a:effectRef>
+          <a:fontRef idx="minor">
+            <a:schemeClr val="lt1"/>
+          </a:fontRef>
+        </p:style>
+        <p:txBody>
+          <a:bodyPr rtlCol="0" anchor="ctr"/>
+          <a:lstStyle/>
+          <a:p>
+            <a:pPr algn="ctr"/>
+            <a:r>
+              <a:rPr lang="en-US" dirty="0">
+                <a:solidFill>
+                  <a:schemeClr val="tx1"/>
+                </a:solidFill>
+              </a:rPr>
+              <a:t>ranks_subgroup_1</a:t>
+            </a:r>
+          </a:p>
+        </p:txBody>
+      </p:sp>
+      <p:sp>
+        <p:nvSpPr>
+          <p:cNvPr id="3" name="Rounded Rectangle 2">
+            <a:extLst>
+              <a:ext uri="{FF2B5EF4-FFF2-40B4-BE49-F238E27FC236}">
+                <a16:creationId xmlns:a16="http://schemas.microsoft.com/office/drawing/2014/main" id="{B04FFD33-323A-0519-E182-920B16E2704E}"/>
+              </a:ext>
+            </a:extLst>
+          </p:cNvPr>
+          <p:cNvSpPr/>
+          <p:nvPr/>
+        </p:nvSpPr>
+        <p:spPr>
+          <a:xfrm>
+            <a:off x="4606834" y="3061064"/>
+            <a:ext cx="2769326" cy="470263"/>
+          </a:xfrm>
+          <a:prstGeom prst="roundRect">
+            <a:avLst/>
+          </a:prstGeom>
+          <a:solidFill>
+            <a:srgbClr val="FFC000"/>
+          </a:solidFill>
+          <a:ln>
+            <a:noFill/>
+          </a:ln>
+        </p:spPr>
+        <p:style>
+          <a:lnRef idx="2">
+            <a:schemeClr val="accent1">
+              <a:shade val="15000"/>
+            </a:schemeClr>
+          </a:lnRef>
+          <a:fillRef idx="1">
+            <a:schemeClr val="accent1"/>
+          </a:fillRef>
+          <a:effectRef idx="0">
+            <a:schemeClr val="accent1"/>
+          </a:effectRef>
+          <a:fontRef idx="minor">
+            <a:schemeClr val="lt1"/>
+          </a:fontRef>
+        </p:style>
+        <p:txBody>
+          <a:bodyPr rtlCol="0" anchor="ctr"/>
+          <a:lstStyle/>
+          <a:p>
+            <a:pPr algn="ctr"/>
+            <a:r>
+              <a:rPr lang="en-US" dirty="0">
+                <a:solidFill>
+                  <a:schemeClr val="tx1"/>
+                </a:solidFill>
+              </a:rPr>
+              <a:t>ranks_subgroup_2</a:t>
+            </a:r>
+          </a:p>
+        </p:txBody>
+      </p:sp>
+      <p:sp>
+        <p:nvSpPr>
+          <p:cNvPr id="4" name="Rounded Rectangle 3">
+            <a:extLst>
+              <a:ext uri="{FF2B5EF4-FFF2-40B4-BE49-F238E27FC236}">
+                <a16:creationId xmlns:a16="http://schemas.microsoft.com/office/drawing/2014/main" id="{85802116-6BF7-C3AB-308F-257EE776C521}"/>
+              </a:ext>
+            </a:extLst>
+          </p:cNvPr>
+          <p:cNvSpPr/>
+          <p:nvPr/>
+        </p:nvSpPr>
+        <p:spPr>
+          <a:xfrm>
+            <a:off x="4606834" y="4254138"/>
+            <a:ext cx="2769326" cy="470263"/>
+          </a:xfrm>
+          <a:prstGeom prst="roundRect">
+            <a:avLst/>
+          </a:prstGeom>
+          <a:solidFill>
+            <a:schemeClr val="bg2">
+              <a:lumMod val="50000"/>
+            </a:schemeClr>
+          </a:solidFill>
+          <a:ln>
+            <a:noFill/>
+          </a:ln>
+        </p:spPr>
+        <p:style>
+          <a:lnRef idx="2">
+            <a:schemeClr val="accent1">
+              <a:shade val="15000"/>
+            </a:schemeClr>
+          </a:lnRef>
+          <a:fillRef idx="1">
+            <a:schemeClr val="accent1"/>
+          </a:fillRef>
+          <a:effectRef idx="0">
+            <a:schemeClr val="accent1"/>
+          </a:effectRef>
+          <a:fontRef idx="minor">
+            <a:schemeClr val="lt1"/>
+          </a:fontRef>
+        </p:style>
+        <p:txBody>
+          <a:bodyPr rtlCol="0" anchor="ctr"/>
+          <a:lstStyle/>
+          <a:p>
+            <a:pPr algn="ctr"/>
+            <a:r>
+              <a:rPr lang="en-US" dirty="0"/>
+              <a:t>ranks_unstructured_1</a:t>
+            </a:r>
+          </a:p>
+        </p:txBody>
+      </p:sp>
+      <p:sp>
+        <p:nvSpPr>
+          <p:cNvPr id="5" name="Rounded Rectangle 4">
+            <a:extLst>
+              <a:ext uri="{FF2B5EF4-FFF2-40B4-BE49-F238E27FC236}">
+                <a16:creationId xmlns:a16="http://schemas.microsoft.com/office/drawing/2014/main" id="{32E8BF9A-84D2-EE8F-1677-5F326EBEC764}"/>
+              </a:ext>
+            </a:extLst>
+          </p:cNvPr>
+          <p:cNvSpPr/>
+          <p:nvPr/>
+        </p:nvSpPr>
+        <p:spPr>
+          <a:xfrm>
+            <a:off x="4606834" y="5447212"/>
+            <a:ext cx="2769326" cy="470263"/>
+          </a:xfrm>
+          <a:prstGeom prst="roundRect">
+            <a:avLst/>
+          </a:prstGeom>
+          <a:solidFill>
+            <a:schemeClr val="bg2">
+              <a:lumMod val="50000"/>
+            </a:schemeClr>
+          </a:solidFill>
+          <a:ln>
+            <a:noFill/>
+          </a:ln>
+        </p:spPr>
+        <p:style>
+          <a:lnRef idx="2">
+            <a:schemeClr val="accent1">
+              <a:shade val="15000"/>
+            </a:schemeClr>
+          </a:lnRef>
+          <a:fillRef idx="1">
+            <a:schemeClr val="accent1"/>
+          </a:fillRef>
+          <a:effectRef idx="0">
+            <a:schemeClr val="accent1"/>
+          </a:effectRef>
+          <a:fontRef idx="minor">
+            <a:schemeClr val="lt1"/>
+          </a:fontRef>
+        </p:style>
+        <p:txBody>
+          <a:bodyPr rtlCol="0" anchor="ctr"/>
+          <a:lstStyle/>
+          <a:p>
+            <a:pPr algn="ctr"/>
+            <a:r>
+              <a:rPr lang="en-US" dirty="0"/>
+              <a:t>ranks_unstructured_1</a:t>
+            </a:r>
+          </a:p>
+        </p:txBody>
+      </p:sp>
+      <p:sp>
+        <p:nvSpPr>
+          <p:cNvPr id="6" name="Rounded Rectangle 5">
+            <a:extLst>
+              <a:ext uri="{FF2B5EF4-FFF2-40B4-BE49-F238E27FC236}">
+                <a16:creationId xmlns:a16="http://schemas.microsoft.com/office/drawing/2014/main" id="{6260099C-74A3-45E6-11CF-4EA0B1B002EB}"/>
+              </a:ext>
+            </a:extLst>
+          </p:cNvPr>
+          <p:cNvSpPr/>
+          <p:nvPr/>
+        </p:nvSpPr>
+        <p:spPr>
+          <a:xfrm>
+            <a:off x="836020" y="4850677"/>
+            <a:ext cx="2769326" cy="470263"/>
+          </a:xfrm>
+          <a:prstGeom prst="roundRect">
+            <a:avLst/>
+          </a:prstGeom>
+          <a:solidFill>
+            <a:srgbClr val="FFC000"/>
+          </a:solidFill>
+          <a:ln>
+            <a:noFill/>
+          </a:ln>
+        </p:spPr>
+        <p:style>
+          <a:lnRef idx="2">
+            <a:schemeClr val="accent1">
+              <a:shade val="15000"/>
+            </a:schemeClr>
+          </a:lnRef>
+          <a:fillRef idx="1">
+            <a:schemeClr val="accent1"/>
+          </a:fillRef>
+          <a:effectRef idx="0">
+            <a:schemeClr val="accent1"/>
+          </a:effectRef>
+          <a:fontRef idx="minor">
+            <a:schemeClr val="lt1"/>
+          </a:fontRef>
+        </p:style>
+        <p:txBody>
+          <a:bodyPr rtlCol="0" anchor="ctr"/>
+          <a:lstStyle/>
+          <a:p>
+            <a:pPr algn="ctr"/>
+            <a:r>
+              <a:rPr lang="en-US" dirty="0">
+                <a:solidFill>
+                  <a:schemeClr val="tx1"/>
+                </a:solidFill>
+              </a:rPr>
+              <a:t>prior_unstructured</a:t>
+            </a:r>
+          </a:p>
+        </p:txBody>
+      </p:sp>
+      <p:sp>
+        <p:nvSpPr>
+          <p:cNvPr id="7" name="Rounded Rectangle 6">
+            <a:extLst>
+              <a:ext uri="{FF2B5EF4-FFF2-40B4-BE49-F238E27FC236}">
+                <a16:creationId xmlns:a16="http://schemas.microsoft.com/office/drawing/2014/main" id="{04F1DC95-5D3B-DF68-15E1-DE67F1E9F992}"/>
+              </a:ext>
+            </a:extLst>
+          </p:cNvPr>
+          <p:cNvSpPr/>
+          <p:nvPr/>
+        </p:nvSpPr>
+        <p:spPr>
+          <a:xfrm>
+            <a:off x="836020" y="2464530"/>
+            <a:ext cx="2769326" cy="470263"/>
+          </a:xfrm>
+          <a:prstGeom prst="roundRect">
+            <a:avLst/>
+          </a:prstGeom>
+          <a:solidFill>
+            <a:schemeClr val="accent3"/>
+          </a:solidFill>
+          <a:ln>
+            <a:noFill/>
+          </a:ln>
+        </p:spPr>
+        <p:style>
+          <a:lnRef idx="2">
+            <a:schemeClr val="accent1">
+              <a:shade val="15000"/>
+            </a:schemeClr>
+          </a:lnRef>
+          <a:fillRef idx="1">
+            <a:schemeClr val="accent1"/>
+          </a:fillRef>
+          <a:effectRef idx="0">
+            <a:schemeClr val="accent1"/>
+          </a:effectRef>
+          <a:fontRef idx="minor">
+            <a:schemeClr val="lt1"/>
+          </a:fontRef>
+        </p:style>
+        <p:txBody>
+          <a:bodyPr rtlCol="0" anchor="ctr"/>
+          <a:lstStyle/>
+          <a:p>
+            <a:pPr algn="ctr"/>
+            <a:r>
+              <a:rPr lang="en-US" dirty="0"/>
+              <a:t>prior_subgroup</a:t>
+            </a:r>
+          </a:p>
+        </p:txBody>
+      </p:sp>
+      <p:sp>
+        <p:nvSpPr>
+          <p:cNvPr id="8" name="Rounded Rectangle 7">
+            <a:extLst>
+              <a:ext uri="{FF2B5EF4-FFF2-40B4-BE49-F238E27FC236}">
+                <a16:creationId xmlns:a16="http://schemas.microsoft.com/office/drawing/2014/main" id="{F71AFDAA-A7CA-A607-1A78-0601CE848F46}"/>
+              </a:ext>
+            </a:extLst>
+          </p:cNvPr>
+          <p:cNvSpPr/>
+          <p:nvPr/>
+        </p:nvSpPr>
+        <p:spPr>
+          <a:xfrm>
+            <a:off x="8586654" y="2473237"/>
+            <a:ext cx="2769326" cy="470263"/>
+          </a:xfrm>
+          <a:prstGeom prst="roundRect">
+            <a:avLst/>
+          </a:prstGeom>
+          <a:solidFill>
+            <a:schemeClr val="bg2">
+              <a:lumMod val="50000"/>
+            </a:schemeClr>
+          </a:solidFill>
+          <a:ln>
+            <a:noFill/>
+          </a:ln>
+        </p:spPr>
+        <p:style>
+          <a:lnRef idx="2">
+            <a:schemeClr val="accent1">
+              <a:shade val="15000"/>
+            </a:schemeClr>
+          </a:lnRef>
+          <a:fillRef idx="1">
+            <a:schemeClr val="accent1"/>
+          </a:fillRef>
+          <a:effectRef idx="0">
+            <a:schemeClr val="accent1"/>
+          </a:effectRef>
+          <a:fontRef idx="minor">
+            <a:schemeClr val="lt1"/>
+          </a:fontRef>
+        </p:style>
+        <p:txBody>
+          <a:bodyPr rtlCol="0" anchor="ctr"/>
+          <a:lstStyle/>
+          <a:p>
+            <a:pPr algn="ctr"/>
+            <a:r>
+              <a:rPr lang="en-US" dirty="0"/>
+              <a:t>results_subgroup</a:t>
+            </a:r>
+          </a:p>
+        </p:txBody>
+      </p:sp>
+      <p:sp>
+        <p:nvSpPr>
+          <p:cNvPr id="9" name="Rounded Rectangle 8">
+            <a:extLst>
+              <a:ext uri="{FF2B5EF4-FFF2-40B4-BE49-F238E27FC236}">
+                <a16:creationId xmlns:a16="http://schemas.microsoft.com/office/drawing/2014/main" id="{177824EC-766B-AE7C-2461-107B05E0BC54}"/>
+              </a:ext>
+            </a:extLst>
+          </p:cNvPr>
+          <p:cNvSpPr/>
+          <p:nvPr/>
+        </p:nvSpPr>
+        <p:spPr>
+          <a:xfrm>
+            <a:off x="8586654" y="4850677"/>
+            <a:ext cx="2769326" cy="470263"/>
+          </a:xfrm>
+          <a:prstGeom prst="roundRect">
+            <a:avLst/>
+          </a:prstGeom>
+          <a:solidFill>
+            <a:schemeClr val="bg2">
+              <a:lumMod val="50000"/>
+            </a:schemeClr>
+          </a:solidFill>
+          <a:ln>
+            <a:noFill/>
+          </a:ln>
+        </p:spPr>
+        <p:style>
+          <a:lnRef idx="2">
+            <a:schemeClr val="accent1">
+              <a:shade val="15000"/>
+            </a:schemeClr>
+          </a:lnRef>
+          <a:fillRef idx="1">
+            <a:schemeClr val="accent1"/>
+          </a:fillRef>
+          <a:effectRef idx="0">
+            <a:schemeClr val="accent1"/>
+          </a:effectRef>
+          <a:fontRef idx="minor">
+            <a:schemeClr val="lt1"/>
+          </a:fontRef>
+        </p:style>
+        <p:txBody>
+          <a:bodyPr rtlCol="0" anchor="ctr"/>
+          <a:lstStyle/>
+          <a:p>
+            <a:pPr algn="ctr"/>
+            <a:r>
+              <a:rPr lang="en-US" dirty="0"/>
+              <a:t>results_subgroup</a:t>
+            </a:r>
+          </a:p>
+        </p:txBody>
+      </p:sp>
+      <p:pic>
+        <p:nvPicPr>
+          <p:cNvPr id="10" name="Picture 9" descr="A cartoon of a person wearing a hard hat&#10;&#10;Description automatically generated">
+            <a:extLst>
+              <a:ext uri="{FF2B5EF4-FFF2-40B4-BE49-F238E27FC236}">
+                <a16:creationId xmlns:a16="http://schemas.microsoft.com/office/drawing/2014/main" id="{596FEDB4-36FC-9003-E7D9-CCAAA9843A29}"/>
+              </a:ext>
+            </a:extLst>
+          </p:cNvPr>
+          <p:cNvPicPr>
+            <a:picLocks noChangeAspect="1"/>
+          </p:cNvPicPr>
+          <p:nvPr/>
+        </p:nvPicPr>
+        <p:blipFill>
+          <a:blip r:embed="rId2"/>
+          <a:stretch>
+            <a:fillRect/>
+          </a:stretch>
+        </p:blipFill>
+        <p:spPr>
+          <a:xfrm>
+            <a:off x="4781905" y="575046"/>
+            <a:ext cx="967927" cy="1288871"/>
+          </a:xfrm>
+          <a:prstGeom prst="rect">
+            <a:avLst/>
+          </a:prstGeom>
+        </p:spPr>
+      </p:pic>
+      <p:pic>
+        <p:nvPicPr>
+          <p:cNvPr id="11" name="Picture 10" descr="A cartoon character wearing a yellow hard hat&#10;&#10;Description automatically generated">
+            <a:extLst>
+              <a:ext uri="{FF2B5EF4-FFF2-40B4-BE49-F238E27FC236}">
+                <a16:creationId xmlns:a16="http://schemas.microsoft.com/office/drawing/2014/main" id="{0E330F18-2CE9-8ADE-3BED-F3FBE87C7DC9}"/>
+              </a:ext>
+            </a:extLst>
+          </p:cNvPr>
+          <p:cNvPicPr>
+            <a:picLocks noChangeAspect="1"/>
+          </p:cNvPicPr>
+          <p:nvPr/>
+        </p:nvPicPr>
+        <p:blipFill>
+          <a:blip r:embed="rId3"/>
+          <a:stretch>
+            <a:fillRect/>
+          </a:stretch>
+        </p:blipFill>
+        <p:spPr>
+          <a:xfrm>
+            <a:off x="656573" y="3531326"/>
+            <a:ext cx="914712" cy="1298789"/>
+          </a:xfrm>
+          <a:prstGeom prst="rect">
+            <a:avLst/>
+          </a:prstGeom>
+        </p:spPr>
+      </p:pic>
+      <p:cxnSp>
+        <p:nvCxnSpPr>
+          <p:cNvPr id="17" name="Curved Connector 16">
+            <a:extLst>
+              <a:ext uri="{FF2B5EF4-FFF2-40B4-BE49-F238E27FC236}">
+                <a16:creationId xmlns:a16="http://schemas.microsoft.com/office/drawing/2014/main" id="{27FEDFD1-90F7-6C69-4049-54CB2138AF58}"/>
+              </a:ext>
+            </a:extLst>
+          </p:cNvPr>
+          <p:cNvCxnSpPr>
+            <a:stCxn id="6" idx="3"/>
+            <a:endCxn id="5" idx="1"/>
+          </p:cNvCxnSpPr>
+          <p:nvPr/>
+        </p:nvCxnSpPr>
+        <p:spPr>
+          <a:xfrm>
+            <a:off x="3605346" y="5085809"/>
+            <a:ext cx="1001488" cy="596535"/>
+          </a:xfrm>
+          <a:prstGeom prst="curvedConnector3">
+            <a:avLst/>
+          </a:prstGeom>
+          <a:ln w="38100">
+            <a:tailEnd type="triangle"/>
+          </a:ln>
+        </p:spPr>
+        <p:style>
+          <a:lnRef idx="2">
+            <a:schemeClr val="dk1"/>
+          </a:lnRef>
+          <a:fillRef idx="0">
+            <a:schemeClr val="dk1"/>
+          </a:fillRef>
+          <a:effectRef idx="1">
+            <a:schemeClr val="dk1"/>
+          </a:effectRef>
+          <a:fontRef idx="minor">
+            <a:schemeClr val="tx1"/>
+          </a:fontRef>
+        </p:style>
+      </p:cxnSp>
+      <p:cxnSp>
+        <p:nvCxnSpPr>
+          <p:cNvPr id="18" name="Curved Connector 17">
+            <a:extLst>
+              <a:ext uri="{FF2B5EF4-FFF2-40B4-BE49-F238E27FC236}">
+                <a16:creationId xmlns:a16="http://schemas.microsoft.com/office/drawing/2014/main" id="{4D644018-B9DA-2FE8-15D5-4A79DB97C392}"/>
+              </a:ext>
+            </a:extLst>
+          </p:cNvPr>
+          <p:cNvCxnSpPr>
+            <a:cxnSpLocks/>
+            <a:stCxn id="6" idx="3"/>
+            <a:endCxn id="4" idx="1"/>
+          </p:cNvCxnSpPr>
+          <p:nvPr/>
+        </p:nvCxnSpPr>
+        <p:spPr>
+          <a:xfrm flipV="1">
+            <a:off x="3605346" y="4489270"/>
+            <a:ext cx="1001488" cy="596539"/>
+          </a:xfrm>
+          <a:prstGeom prst="curvedConnector3">
+            <a:avLst/>
+          </a:prstGeom>
+          <a:ln w="38100">
+            <a:tailEnd type="triangle"/>
+          </a:ln>
+        </p:spPr>
+        <p:style>
+          <a:lnRef idx="2">
+            <a:schemeClr val="dk1"/>
+          </a:lnRef>
+          <a:fillRef idx="0">
+            <a:schemeClr val="dk1"/>
+          </a:fillRef>
+          <a:effectRef idx="1">
+            <a:schemeClr val="dk1"/>
+          </a:effectRef>
+          <a:fontRef idx="minor">
+            <a:schemeClr val="tx1"/>
+          </a:fontRef>
+        </p:style>
+      </p:cxnSp>
+      <p:cxnSp>
+        <p:nvCxnSpPr>
+          <p:cNvPr id="21" name="Curved Connector 20">
+            <a:extLst>
+              <a:ext uri="{FF2B5EF4-FFF2-40B4-BE49-F238E27FC236}">
+                <a16:creationId xmlns:a16="http://schemas.microsoft.com/office/drawing/2014/main" id="{F145A298-898A-B0C7-F09B-62FB62D0B7C3}"/>
+              </a:ext>
+            </a:extLst>
+          </p:cNvPr>
+          <p:cNvCxnSpPr>
+            <a:cxnSpLocks/>
+            <a:stCxn id="7" idx="3"/>
+            <a:endCxn id="2" idx="1"/>
+          </p:cNvCxnSpPr>
+          <p:nvPr/>
+        </p:nvCxnSpPr>
+        <p:spPr>
+          <a:xfrm flipV="1">
+            <a:off x="3605346" y="2103122"/>
+            <a:ext cx="1001488" cy="596540"/>
+          </a:xfrm>
+          <a:prstGeom prst="curvedConnector3">
+            <a:avLst/>
+          </a:prstGeom>
+          <a:ln w="38100">
+            <a:tailEnd type="triangle"/>
+          </a:ln>
+        </p:spPr>
+        <p:style>
+          <a:lnRef idx="2">
+            <a:schemeClr val="dk1"/>
+          </a:lnRef>
+          <a:fillRef idx="0">
+            <a:schemeClr val="dk1"/>
+          </a:fillRef>
+          <a:effectRef idx="1">
+            <a:schemeClr val="dk1"/>
+          </a:effectRef>
+          <a:fontRef idx="minor">
+            <a:schemeClr val="tx1"/>
+          </a:fontRef>
+        </p:style>
+      </p:cxnSp>
+      <p:cxnSp>
+        <p:nvCxnSpPr>
+          <p:cNvPr id="25" name="Curved Connector 24">
+            <a:extLst>
+              <a:ext uri="{FF2B5EF4-FFF2-40B4-BE49-F238E27FC236}">
+                <a16:creationId xmlns:a16="http://schemas.microsoft.com/office/drawing/2014/main" id="{CA240115-5955-D63B-261E-463813E6C6DC}"/>
+              </a:ext>
+            </a:extLst>
+          </p:cNvPr>
+          <p:cNvCxnSpPr>
+            <a:cxnSpLocks/>
+            <a:stCxn id="7" idx="3"/>
+            <a:endCxn id="3" idx="1"/>
+          </p:cNvCxnSpPr>
+          <p:nvPr/>
+        </p:nvCxnSpPr>
+        <p:spPr>
+          <a:xfrm>
+            <a:off x="3605346" y="2699662"/>
+            <a:ext cx="1001488" cy="596534"/>
+          </a:xfrm>
+          <a:prstGeom prst="curvedConnector3">
+            <a:avLst/>
+          </a:prstGeom>
+          <a:ln w="38100">
+            <a:tailEnd type="triangle"/>
+          </a:ln>
+        </p:spPr>
+        <p:style>
+          <a:lnRef idx="2">
+            <a:schemeClr val="dk1"/>
+          </a:lnRef>
+          <a:fillRef idx="0">
+            <a:schemeClr val="dk1"/>
+          </a:fillRef>
+          <a:effectRef idx="1">
+            <a:schemeClr val="dk1"/>
+          </a:effectRef>
+          <a:fontRef idx="minor">
+            <a:schemeClr val="tx1"/>
+          </a:fontRef>
+        </p:style>
+      </p:cxnSp>
+      <p:cxnSp>
+        <p:nvCxnSpPr>
+          <p:cNvPr id="28" name="Curved Connector 27">
+            <a:extLst>
+              <a:ext uri="{FF2B5EF4-FFF2-40B4-BE49-F238E27FC236}">
+                <a16:creationId xmlns:a16="http://schemas.microsoft.com/office/drawing/2014/main" id="{AEFCDE9D-1F50-9A85-F5D1-B83E91C8DFA3}"/>
+              </a:ext>
+            </a:extLst>
+          </p:cNvPr>
+          <p:cNvCxnSpPr>
+            <a:cxnSpLocks/>
+            <a:stCxn id="2" idx="3"/>
+            <a:endCxn id="8" idx="1"/>
+          </p:cNvCxnSpPr>
+          <p:nvPr/>
+        </p:nvCxnSpPr>
+        <p:spPr>
+          <a:xfrm>
+            <a:off x="7376160" y="2103122"/>
+            <a:ext cx="1210494" cy="605247"/>
+          </a:xfrm>
+          <a:prstGeom prst="curvedConnector3">
+            <a:avLst/>
+          </a:prstGeom>
+          <a:ln w="38100">
+            <a:tailEnd type="triangle"/>
+          </a:ln>
+        </p:spPr>
+        <p:style>
+          <a:lnRef idx="2">
+            <a:schemeClr val="dk1"/>
+          </a:lnRef>
+          <a:fillRef idx="0">
+            <a:schemeClr val="dk1"/>
+          </a:fillRef>
+          <a:effectRef idx="1">
+            <a:schemeClr val="dk1"/>
+          </a:effectRef>
+          <a:fontRef idx="minor">
+            <a:schemeClr val="tx1"/>
+          </a:fontRef>
+        </p:style>
+      </p:cxnSp>
+      <p:cxnSp>
+        <p:nvCxnSpPr>
+          <p:cNvPr id="31" name="Curved Connector 30">
+            <a:extLst>
+              <a:ext uri="{FF2B5EF4-FFF2-40B4-BE49-F238E27FC236}">
+                <a16:creationId xmlns:a16="http://schemas.microsoft.com/office/drawing/2014/main" id="{7EEB7CA1-1354-A15B-5108-6B9D2EA98EF1}"/>
+              </a:ext>
+            </a:extLst>
+          </p:cNvPr>
+          <p:cNvCxnSpPr>
+            <a:cxnSpLocks/>
+            <a:stCxn id="3" idx="3"/>
+            <a:endCxn id="8" idx="1"/>
+          </p:cNvCxnSpPr>
+          <p:nvPr/>
+        </p:nvCxnSpPr>
+        <p:spPr>
+          <a:xfrm flipV="1">
+            <a:off x="7376160" y="2708369"/>
+            <a:ext cx="1210494" cy="587827"/>
+          </a:xfrm>
+          <a:prstGeom prst="curvedConnector3">
+            <a:avLst/>
+          </a:prstGeom>
+          <a:ln w="38100">
+            <a:tailEnd type="triangle"/>
+          </a:ln>
+        </p:spPr>
+        <p:style>
+          <a:lnRef idx="2">
+            <a:schemeClr val="dk1"/>
+          </a:lnRef>
+          <a:fillRef idx="0">
+            <a:schemeClr val="dk1"/>
+          </a:fillRef>
+          <a:effectRef idx="1">
+            <a:schemeClr val="dk1"/>
+          </a:effectRef>
+          <a:fontRef idx="minor">
+            <a:schemeClr val="tx1"/>
+          </a:fontRef>
+        </p:style>
+      </p:cxnSp>
+      <p:cxnSp>
+        <p:nvCxnSpPr>
+          <p:cNvPr id="34" name="Curved Connector 33">
+            <a:extLst>
+              <a:ext uri="{FF2B5EF4-FFF2-40B4-BE49-F238E27FC236}">
+                <a16:creationId xmlns:a16="http://schemas.microsoft.com/office/drawing/2014/main" id="{478EBA93-AE9B-92B8-FF73-5E1B539D1080}"/>
+              </a:ext>
+            </a:extLst>
+          </p:cNvPr>
+          <p:cNvCxnSpPr>
+            <a:cxnSpLocks/>
+            <a:stCxn id="4" idx="3"/>
+            <a:endCxn id="9" idx="1"/>
+          </p:cNvCxnSpPr>
+          <p:nvPr/>
+        </p:nvCxnSpPr>
+        <p:spPr>
+          <a:xfrm>
+            <a:off x="7376160" y="4489270"/>
+            <a:ext cx="1210494" cy="596539"/>
+          </a:xfrm>
+          <a:prstGeom prst="curvedConnector3">
+            <a:avLst>
+              <a:gd name="adj1" fmla="val 50000"/>
+            </a:avLst>
+          </a:prstGeom>
+          <a:ln w="38100">
+            <a:tailEnd type="triangle"/>
+          </a:ln>
+        </p:spPr>
+        <p:style>
+          <a:lnRef idx="2">
+            <a:schemeClr val="dk1"/>
+          </a:lnRef>
+          <a:fillRef idx="0">
+            <a:schemeClr val="dk1"/>
+          </a:fillRef>
+          <a:effectRef idx="1">
+            <a:schemeClr val="dk1"/>
+          </a:effectRef>
+          <a:fontRef idx="minor">
+            <a:schemeClr val="tx1"/>
+          </a:fontRef>
+        </p:style>
+      </p:cxnSp>
+      <p:cxnSp>
+        <p:nvCxnSpPr>
+          <p:cNvPr id="37" name="Curved Connector 36">
+            <a:extLst>
+              <a:ext uri="{FF2B5EF4-FFF2-40B4-BE49-F238E27FC236}">
+                <a16:creationId xmlns:a16="http://schemas.microsoft.com/office/drawing/2014/main" id="{A9E1F7AD-CEDF-6F39-0220-9638CE18CBE9}"/>
+              </a:ext>
+            </a:extLst>
+          </p:cNvPr>
+          <p:cNvCxnSpPr>
+            <a:cxnSpLocks/>
+            <a:stCxn id="5" idx="3"/>
+            <a:endCxn id="9" idx="1"/>
+          </p:cNvCxnSpPr>
+          <p:nvPr/>
+        </p:nvCxnSpPr>
+        <p:spPr>
+          <a:xfrm flipV="1">
+            <a:off x="7376160" y="5085809"/>
+            <a:ext cx="1210494" cy="596535"/>
+          </a:xfrm>
+          <a:prstGeom prst="curvedConnector3">
+            <a:avLst>
+              <a:gd name="adj1" fmla="val 50000"/>
+            </a:avLst>
+          </a:prstGeom>
+          <a:ln w="38100">
+            <a:tailEnd type="triangle"/>
+          </a:ln>
+        </p:spPr>
+        <p:style>
+          <a:lnRef idx="2">
+            <a:schemeClr val="dk1"/>
+          </a:lnRef>
+          <a:fillRef idx="0">
+            <a:schemeClr val="dk1"/>
+          </a:fillRef>
+          <a:effectRef idx="1">
+            <a:schemeClr val="dk1"/>
+          </a:effectRef>
+          <a:fontRef idx="minor">
+            <a:schemeClr val="tx1"/>
+          </a:fontRef>
+        </p:style>
+      </p:cxnSp>
+      <p:pic>
+        <p:nvPicPr>
+          <p:cNvPr id="14" name="Picture 13" descr="A cartoon character wearing a yellow hard hat&#10;&#10;Description automatically generated">
+            <a:extLst>
+              <a:ext uri="{FF2B5EF4-FFF2-40B4-BE49-F238E27FC236}">
+                <a16:creationId xmlns:a16="http://schemas.microsoft.com/office/drawing/2014/main" id="{16EF1B3D-0FB8-07E3-B4B4-441238106700}"/>
+              </a:ext>
+            </a:extLst>
+          </p:cNvPr>
+          <p:cNvPicPr>
+            <a:picLocks noChangeAspect="1"/>
+          </p:cNvPicPr>
+          <p:nvPr/>
+        </p:nvPicPr>
+        <p:blipFill>
+          <a:blip r:embed="rId3"/>
+          <a:stretch>
+            <a:fillRect/>
+          </a:stretch>
+        </p:blipFill>
+        <p:spPr>
+          <a:xfrm>
+            <a:off x="3901128" y="2769003"/>
+            <a:ext cx="914712" cy="1298789"/>
+          </a:xfrm>
+          <a:prstGeom prst="rect">
+            <a:avLst/>
+          </a:prstGeom>
+        </p:spPr>
+      </p:pic>
+      <p:sp>
+        <p:nvSpPr>
+          <p:cNvPr id="15" name="TextBox 14">
+            <a:extLst>
+              <a:ext uri="{FF2B5EF4-FFF2-40B4-BE49-F238E27FC236}">
+                <a16:creationId xmlns:a16="http://schemas.microsoft.com/office/drawing/2014/main" id="{4D92AE42-5CDC-0B91-25ED-494FEDD9FAB6}"/>
+              </a:ext>
+            </a:extLst>
+          </p:cNvPr>
+          <p:cNvSpPr txBox="1"/>
+          <p:nvPr/>
+        </p:nvSpPr>
+        <p:spPr>
+          <a:xfrm>
+            <a:off x="3347141" y="3526650"/>
+            <a:ext cx="836020" cy="646331"/>
+          </a:xfrm>
+          <a:prstGeom prst="rect">
+            <a:avLst/>
+          </a:prstGeom>
+          <a:noFill/>
+        </p:spPr>
+        <p:txBody>
+          <a:bodyPr wrap="square" rtlCol="0">
+            <a:spAutoFit/>
+          </a:bodyPr>
+          <a:lstStyle/>
+          <a:p>
+            <a:r>
+              <a:rPr lang="en-US" sz="3600" dirty="0"/>
+              <a:t>👋🏽</a:t>
+            </a:r>
+          </a:p>
+        </p:txBody>
+      </p:sp>
+    </p:spTree>
+    <p:extLst>
+      <p:ext uri="{BB962C8B-B14F-4D97-AF65-F5344CB8AC3E}">
+        <p14:creationId xmlns:p14="http://schemas.microsoft.com/office/powerpoint/2010/main" val="2907367464"/>
+      </p:ext>
+    </p:extLst>
+  </p:cSld>
+  <p:clrMapOvr>
+    <a:masterClrMapping/>
+  </p:clrMapOvr>
+</p:sld>
+</file>
+
+<file path=ppt/slides/slide11.xml><?xml version="1.0" encoding="utf-8"?>
+<p:sld xmlns:a="http://schemas.openxmlformats.org/drawingml/2006/main" xmlns:r="http://schemas.openxmlformats.org/officeDocument/2006/relationships" xmlns:p="http://schemas.openxmlformats.org/presentationml/2006/main">
+  <p:cSld>
+    <p:spTree>
+      <p:nvGrpSpPr>
+        <p:cNvPr id="1" name=""/>
+        <p:cNvGrpSpPr/>
+        <p:nvPr/>
+      </p:nvGrpSpPr>
+      <p:grpSpPr>
+        <a:xfrm>
+          <a:off x="0" y="0"/>
+          <a:ext cx="0" cy="0"/>
+          <a:chOff x="0" y="0"/>
+          <a:chExt cx="0" cy="0"/>
+        </a:xfrm>
+      </p:grpSpPr>
+      <p:sp>
+        <p:nvSpPr>
+          <p:cNvPr id="2" name="Rounded Rectangle 1">
+            <a:extLst>
+              <a:ext uri="{FF2B5EF4-FFF2-40B4-BE49-F238E27FC236}">
+                <a16:creationId xmlns:a16="http://schemas.microsoft.com/office/drawing/2014/main" id="{7F8D9EAD-DF56-C2B4-55E0-90F88A1F06C7}"/>
+              </a:ext>
+            </a:extLst>
+          </p:cNvPr>
+          <p:cNvSpPr/>
+          <p:nvPr/>
+        </p:nvSpPr>
+        <p:spPr>
+          <a:xfrm>
+            <a:off x="4606834" y="1867990"/>
+            <a:ext cx="2769326" cy="470263"/>
+          </a:xfrm>
+          <a:prstGeom prst="roundRect">
+            <a:avLst/>
+          </a:prstGeom>
+          <a:solidFill>
+            <a:schemeClr val="accent3"/>
+          </a:solidFill>
+          <a:ln>
+            <a:noFill/>
+          </a:ln>
+        </p:spPr>
+        <p:style>
+          <a:lnRef idx="2">
+            <a:schemeClr val="accent1">
+              <a:shade val="15000"/>
+            </a:schemeClr>
+          </a:lnRef>
+          <a:fillRef idx="1">
+            <a:schemeClr val="accent1"/>
+          </a:fillRef>
+          <a:effectRef idx="0">
+            <a:schemeClr val="accent1"/>
+          </a:effectRef>
+          <a:fontRef idx="minor">
+            <a:schemeClr val="lt1"/>
+          </a:fontRef>
+        </p:style>
+        <p:txBody>
+          <a:bodyPr rtlCol="0" anchor="ctr"/>
+          <a:lstStyle/>
+          <a:p>
+            <a:pPr algn="ctr"/>
+            <a:r>
+              <a:rPr lang="en-US" dirty="0"/>
+              <a:t>ranks_subgroup_1</a:t>
+            </a:r>
+          </a:p>
+        </p:txBody>
+      </p:sp>
+      <p:sp>
+        <p:nvSpPr>
+          <p:cNvPr id="3" name="Rounded Rectangle 2">
+            <a:extLst>
+              <a:ext uri="{FF2B5EF4-FFF2-40B4-BE49-F238E27FC236}">
+                <a16:creationId xmlns:a16="http://schemas.microsoft.com/office/drawing/2014/main" id="{B04FFD33-323A-0519-E182-920B16E2704E}"/>
+              </a:ext>
+            </a:extLst>
+          </p:cNvPr>
+          <p:cNvSpPr/>
+          <p:nvPr/>
+        </p:nvSpPr>
+        <p:spPr>
+          <a:xfrm>
+            <a:off x="4606834" y="3061064"/>
+            <a:ext cx="2769326" cy="470263"/>
+          </a:xfrm>
+          <a:prstGeom prst="roundRect">
+            <a:avLst/>
+          </a:prstGeom>
+          <a:solidFill>
+            <a:schemeClr val="accent3"/>
+          </a:solidFill>
+          <a:ln>
+            <a:noFill/>
+          </a:ln>
+        </p:spPr>
+        <p:style>
+          <a:lnRef idx="2">
+            <a:schemeClr val="accent1">
+              <a:shade val="15000"/>
+            </a:schemeClr>
+          </a:lnRef>
+          <a:fillRef idx="1">
+            <a:schemeClr val="accent1"/>
+          </a:fillRef>
+          <a:effectRef idx="0">
+            <a:schemeClr val="accent1"/>
+          </a:effectRef>
+          <a:fontRef idx="minor">
+            <a:schemeClr val="lt1"/>
+          </a:fontRef>
+        </p:style>
+        <p:txBody>
+          <a:bodyPr rtlCol="0" anchor="ctr"/>
+          <a:lstStyle/>
+          <a:p>
+            <a:pPr algn="ctr"/>
+            <a:r>
+              <a:rPr lang="en-US" dirty="0"/>
+              <a:t>ranks_subgroup_2</a:t>
+            </a:r>
+          </a:p>
+        </p:txBody>
+      </p:sp>
+      <p:sp>
+        <p:nvSpPr>
+          <p:cNvPr id="4" name="Rounded Rectangle 3">
+            <a:extLst>
+              <a:ext uri="{FF2B5EF4-FFF2-40B4-BE49-F238E27FC236}">
+                <a16:creationId xmlns:a16="http://schemas.microsoft.com/office/drawing/2014/main" id="{85802116-6BF7-C3AB-308F-257EE776C521}"/>
+              </a:ext>
+            </a:extLst>
+          </p:cNvPr>
+          <p:cNvSpPr/>
+          <p:nvPr/>
+        </p:nvSpPr>
+        <p:spPr>
+          <a:xfrm>
+            <a:off x="4606834" y="4254138"/>
+            <a:ext cx="2769326" cy="470263"/>
+          </a:xfrm>
+          <a:prstGeom prst="roundRect">
+            <a:avLst/>
+          </a:prstGeom>
+          <a:solidFill>
+            <a:schemeClr val="accent3"/>
+          </a:solidFill>
+          <a:ln>
+            <a:noFill/>
+          </a:ln>
+        </p:spPr>
+        <p:style>
+          <a:lnRef idx="2">
+            <a:schemeClr val="accent1">
+              <a:shade val="15000"/>
+            </a:schemeClr>
+          </a:lnRef>
+          <a:fillRef idx="1">
+            <a:schemeClr val="accent1"/>
+          </a:fillRef>
+          <a:effectRef idx="0">
+            <a:schemeClr val="accent1"/>
+          </a:effectRef>
+          <a:fontRef idx="minor">
+            <a:schemeClr val="lt1"/>
+          </a:fontRef>
+        </p:style>
+        <p:txBody>
+          <a:bodyPr rtlCol="0" anchor="ctr"/>
+          <a:lstStyle/>
+          <a:p>
+            <a:pPr algn="ctr"/>
+            <a:r>
+              <a:rPr lang="en-US" dirty="0"/>
+              <a:t>ranks_unstructured_1</a:t>
+            </a:r>
+          </a:p>
+        </p:txBody>
+      </p:sp>
+      <p:sp>
+        <p:nvSpPr>
+          <p:cNvPr id="5" name="Rounded Rectangle 4">
+            <a:extLst>
+              <a:ext uri="{FF2B5EF4-FFF2-40B4-BE49-F238E27FC236}">
+                <a16:creationId xmlns:a16="http://schemas.microsoft.com/office/drawing/2014/main" id="{32E8BF9A-84D2-EE8F-1677-5F326EBEC764}"/>
+              </a:ext>
+            </a:extLst>
+          </p:cNvPr>
+          <p:cNvSpPr/>
+          <p:nvPr/>
+        </p:nvSpPr>
+        <p:spPr>
+          <a:xfrm>
+            <a:off x="4606834" y="5447212"/>
+            <a:ext cx="2769326" cy="470263"/>
+          </a:xfrm>
+          <a:prstGeom prst="roundRect">
+            <a:avLst/>
+          </a:prstGeom>
+          <a:solidFill>
+            <a:schemeClr val="accent3"/>
+          </a:solidFill>
+          <a:ln>
+            <a:noFill/>
+          </a:ln>
+        </p:spPr>
+        <p:style>
+          <a:lnRef idx="2">
+            <a:schemeClr val="accent1">
+              <a:shade val="15000"/>
+            </a:schemeClr>
+          </a:lnRef>
+          <a:fillRef idx="1">
+            <a:schemeClr val="accent1"/>
+          </a:fillRef>
+          <a:effectRef idx="0">
+            <a:schemeClr val="accent1"/>
+          </a:effectRef>
+          <a:fontRef idx="minor">
+            <a:schemeClr val="lt1"/>
+          </a:fontRef>
+        </p:style>
+        <p:txBody>
+          <a:bodyPr rtlCol="0" anchor="ctr"/>
+          <a:lstStyle/>
+          <a:p>
+            <a:pPr algn="ctr"/>
+            <a:r>
+              <a:rPr lang="en-US" dirty="0"/>
+              <a:t>ranks_unstructured_1</a:t>
+            </a:r>
+          </a:p>
+        </p:txBody>
+      </p:sp>
+      <p:sp>
+        <p:nvSpPr>
+          <p:cNvPr id="6" name="Rounded Rectangle 5">
+            <a:extLst>
+              <a:ext uri="{FF2B5EF4-FFF2-40B4-BE49-F238E27FC236}">
+                <a16:creationId xmlns:a16="http://schemas.microsoft.com/office/drawing/2014/main" id="{6260099C-74A3-45E6-11CF-4EA0B1B002EB}"/>
+              </a:ext>
+            </a:extLst>
+          </p:cNvPr>
+          <p:cNvSpPr/>
+          <p:nvPr/>
+        </p:nvSpPr>
+        <p:spPr>
+          <a:xfrm>
+            <a:off x="836020" y="4850677"/>
+            <a:ext cx="2769326" cy="470263"/>
+          </a:xfrm>
+          <a:prstGeom prst="roundRect">
+            <a:avLst/>
+          </a:prstGeom>
+          <a:solidFill>
+            <a:schemeClr val="accent3"/>
+          </a:solidFill>
+          <a:ln>
+            <a:noFill/>
+          </a:ln>
+        </p:spPr>
+        <p:style>
+          <a:lnRef idx="2">
+            <a:schemeClr val="accent1">
+              <a:shade val="15000"/>
+            </a:schemeClr>
+          </a:lnRef>
+          <a:fillRef idx="1">
+            <a:schemeClr val="accent1"/>
+          </a:fillRef>
+          <a:effectRef idx="0">
+            <a:schemeClr val="accent1"/>
+          </a:effectRef>
+          <a:fontRef idx="minor">
+            <a:schemeClr val="lt1"/>
+          </a:fontRef>
+        </p:style>
+        <p:txBody>
+          <a:bodyPr rtlCol="0" anchor="ctr"/>
+          <a:lstStyle/>
+          <a:p>
+            <a:pPr algn="ctr"/>
+            <a:r>
+              <a:rPr lang="en-US" dirty="0"/>
+              <a:t>prior_unstructured</a:t>
+            </a:r>
+          </a:p>
+        </p:txBody>
+      </p:sp>
+      <p:sp>
+        <p:nvSpPr>
+          <p:cNvPr id="7" name="Rounded Rectangle 6">
+            <a:extLst>
+              <a:ext uri="{FF2B5EF4-FFF2-40B4-BE49-F238E27FC236}">
+                <a16:creationId xmlns:a16="http://schemas.microsoft.com/office/drawing/2014/main" id="{04F1DC95-5D3B-DF68-15E1-DE67F1E9F992}"/>
+              </a:ext>
+            </a:extLst>
+          </p:cNvPr>
+          <p:cNvSpPr/>
+          <p:nvPr/>
+        </p:nvSpPr>
+        <p:spPr>
+          <a:xfrm>
+            <a:off x="836020" y="2464530"/>
+            <a:ext cx="2769326" cy="470263"/>
+          </a:xfrm>
+          <a:prstGeom prst="roundRect">
+            <a:avLst/>
+          </a:prstGeom>
+          <a:solidFill>
+            <a:schemeClr val="accent3"/>
+          </a:solidFill>
+          <a:ln>
+            <a:noFill/>
+          </a:ln>
+        </p:spPr>
+        <p:style>
+          <a:lnRef idx="2">
+            <a:schemeClr val="accent1">
+              <a:shade val="15000"/>
+            </a:schemeClr>
+          </a:lnRef>
+          <a:fillRef idx="1">
+            <a:schemeClr val="accent1"/>
+          </a:fillRef>
+          <a:effectRef idx="0">
+            <a:schemeClr val="accent1"/>
+          </a:effectRef>
+          <a:fontRef idx="minor">
+            <a:schemeClr val="lt1"/>
+          </a:fontRef>
+        </p:style>
+        <p:txBody>
+          <a:bodyPr rtlCol="0" anchor="ctr"/>
+          <a:lstStyle/>
+          <a:p>
+            <a:pPr algn="ctr"/>
+            <a:r>
+              <a:rPr lang="en-US" dirty="0"/>
+              <a:t>prior_subgroup</a:t>
+            </a:r>
+          </a:p>
+        </p:txBody>
+      </p:sp>
+      <p:sp>
+        <p:nvSpPr>
+          <p:cNvPr id="8" name="Rounded Rectangle 7">
+            <a:extLst>
+              <a:ext uri="{FF2B5EF4-FFF2-40B4-BE49-F238E27FC236}">
+                <a16:creationId xmlns:a16="http://schemas.microsoft.com/office/drawing/2014/main" id="{F71AFDAA-A7CA-A607-1A78-0601CE848F46}"/>
+              </a:ext>
+            </a:extLst>
+          </p:cNvPr>
+          <p:cNvSpPr/>
+          <p:nvPr/>
+        </p:nvSpPr>
+        <p:spPr>
+          <a:xfrm>
+            <a:off x="8586654" y="2473237"/>
+            <a:ext cx="2769326" cy="470263"/>
+          </a:xfrm>
+          <a:prstGeom prst="roundRect">
+            <a:avLst/>
+          </a:prstGeom>
+          <a:solidFill>
+            <a:srgbClr val="FFC000"/>
+          </a:solidFill>
+          <a:ln>
+            <a:noFill/>
+          </a:ln>
+        </p:spPr>
+        <p:style>
+          <a:lnRef idx="2">
+            <a:schemeClr val="accent1">
+              <a:shade val="15000"/>
+            </a:schemeClr>
+          </a:lnRef>
+          <a:fillRef idx="1">
+            <a:schemeClr val="accent1"/>
+          </a:fillRef>
+          <a:effectRef idx="0">
+            <a:schemeClr val="accent1"/>
+          </a:effectRef>
+          <a:fontRef idx="minor">
+            <a:schemeClr val="lt1"/>
+          </a:fontRef>
+        </p:style>
+        <p:txBody>
+          <a:bodyPr rtlCol="0" anchor="ctr"/>
+          <a:lstStyle/>
+          <a:p>
+            <a:pPr algn="ctr"/>
+            <a:r>
+              <a:rPr lang="en-US" dirty="0">
+                <a:solidFill>
+                  <a:schemeClr val="tx1"/>
+                </a:solidFill>
+              </a:rPr>
+              <a:t>results_subgroup</a:t>
+            </a:r>
+          </a:p>
+        </p:txBody>
+      </p:sp>
+      <p:sp>
+        <p:nvSpPr>
+          <p:cNvPr id="9" name="Rounded Rectangle 8">
+            <a:extLst>
+              <a:ext uri="{FF2B5EF4-FFF2-40B4-BE49-F238E27FC236}">
+                <a16:creationId xmlns:a16="http://schemas.microsoft.com/office/drawing/2014/main" id="{177824EC-766B-AE7C-2461-107B05E0BC54}"/>
+              </a:ext>
+            </a:extLst>
+          </p:cNvPr>
+          <p:cNvSpPr/>
+          <p:nvPr/>
+        </p:nvSpPr>
+        <p:spPr>
+          <a:xfrm>
+            <a:off x="8586654" y="4850677"/>
+            <a:ext cx="2769326" cy="470263"/>
+          </a:xfrm>
+          <a:prstGeom prst="roundRect">
+            <a:avLst/>
+          </a:prstGeom>
+          <a:solidFill>
+            <a:srgbClr val="FFC000"/>
+          </a:solidFill>
+          <a:ln>
+            <a:noFill/>
+          </a:ln>
+        </p:spPr>
+        <p:style>
+          <a:lnRef idx="2">
+            <a:schemeClr val="accent1">
+              <a:shade val="15000"/>
+            </a:schemeClr>
+          </a:lnRef>
+          <a:fillRef idx="1">
+            <a:schemeClr val="accent1"/>
+          </a:fillRef>
+          <a:effectRef idx="0">
+            <a:schemeClr val="accent1"/>
+          </a:effectRef>
+          <a:fontRef idx="minor">
+            <a:schemeClr val="lt1"/>
+          </a:fontRef>
+        </p:style>
+        <p:txBody>
+          <a:bodyPr rtlCol="0" anchor="ctr"/>
+          <a:lstStyle/>
+          <a:p>
+            <a:pPr algn="ctr"/>
+            <a:r>
+              <a:rPr lang="en-US" dirty="0">
+                <a:solidFill>
+                  <a:schemeClr val="tx1"/>
+                </a:solidFill>
+              </a:rPr>
+              <a:t>results_subgroup</a:t>
+            </a:r>
+          </a:p>
+        </p:txBody>
+      </p:sp>
+      <p:pic>
+        <p:nvPicPr>
+          <p:cNvPr id="10" name="Picture 9" descr="A cartoon of a person wearing a hard hat&#10;&#10;Description automatically generated">
+            <a:extLst>
+              <a:ext uri="{FF2B5EF4-FFF2-40B4-BE49-F238E27FC236}">
+                <a16:creationId xmlns:a16="http://schemas.microsoft.com/office/drawing/2014/main" id="{596FEDB4-36FC-9003-E7D9-CCAAA9843A29}"/>
+              </a:ext>
+            </a:extLst>
+          </p:cNvPr>
+          <p:cNvPicPr>
+            <a:picLocks noChangeAspect="1"/>
+          </p:cNvPicPr>
+          <p:nvPr/>
+        </p:nvPicPr>
+        <p:blipFill>
+          <a:blip r:embed="rId2"/>
+          <a:stretch>
+            <a:fillRect/>
+          </a:stretch>
+        </p:blipFill>
+        <p:spPr>
+          <a:xfrm>
+            <a:off x="8519426" y="1165737"/>
+            <a:ext cx="967927" cy="1288871"/>
+          </a:xfrm>
+          <a:prstGeom prst="rect">
+            <a:avLst/>
+          </a:prstGeom>
+        </p:spPr>
+      </p:pic>
+      <p:pic>
+        <p:nvPicPr>
+          <p:cNvPr id="11" name="Picture 10" descr="A cartoon character wearing a yellow hard hat&#10;&#10;Description automatically generated">
+            <a:extLst>
+              <a:ext uri="{FF2B5EF4-FFF2-40B4-BE49-F238E27FC236}">
+                <a16:creationId xmlns:a16="http://schemas.microsoft.com/office/drawing/2014/main" id="{0E330F18-2CE9-8ADE-3BED-F3FBE87C7DC9}"/>
+              </a:ext>
+            </a:extLst>
+          </p:cNvPr>
+          <p:cNvPicPr>
+            <a:picLocks noChangeAspect="1"/>
+          </p:cNvPicPr>
+          <p:nvPr/>
+        </p:nvPicPr>
+        <p:blipFill>
+          <a:blip r:embed="rId3"/>
+          <a:stretch>
+            <a:fillRect/>
+          </a:stretch>
+        </p:blipFill>
+        <p:spPr>
+          <a:xfrm>
+            <a:off x="8492532" y="3540039"/>
+            <a:ext cx="914712" cy="1298789"/>
+          </a:xfrm>
+          <a:prstGeom prst="rect">
+            <a:avLst/>
+          </a:prstGeom>
+        </p:spPr>
+      </p:pic>
+      <p:cxnSp>
+        <p:nvCxnSpPr>
+          <p:cNvPr id="17" name="Curved Connector 16">
+            <a:extLst>
+              <a:ext uri="{FF2B5EF4-FFF2-40B4-BE49-F238E27FC236}">
+                <a16:creationId xmlns:a16="http://schemas.microsoft.com/office/drawing/2014/main" id="{27FEDFD1-90F7-6C69-4049-54CB2138AF58}"/>
+              </a:ext>
+            </a:extLst>
+          </p:cNvPr>
+          <p:cNvCxnSpPr>
+            <a:stCxn id="6" idx="3"/>
+            <a:endCxn id="5" idx="1"/>
+          </p:cNvCxnSpPr>
+          <p:nvPr/>
+        </p:nvCxnSpPr>
+        <p:spPr>
+          <a:xfrm>
+            <a:off x="3605346" y="5085809"/>
+            <a:ext cx="1001488" cy="596535"/>
+          </a:xfrm>
+          <a:prstGeom prst="curvedConnector3">
+            <a:avLst/>
+          </a:prstGeom>
+          <a:ln w="38100">
+            <a:tailEnd type="triangle"/>
+          </a:ln>
+        </p:spPr>
+        <p:style>
+          <a:lnRef idx="2">
+            <a:schemeClr val="dk1"/>
+          </a:lnRef>
+          <a:fillRef idx="0">
+            <a:schemeClr val="dk1"/>
+          </a:fillRef>
+          <a:effectRef idx="1">
+            <a:schemeClr val="dk1"/>
+          </a:effectRef>
+          <a:fontRef idx="minor">
+            <a:schemeClr val="tx1"/>
+          </a:fontRef>
+        </p:style>
+      </p:cxnSp>
+      <p:cxnSp>
+        <p:nvCxnSpPr>
+          <p:cNvPr id="18" name="Curved Connector 17">
+            <a:extLst>
+              <a:ext uri="{FF2B5EF4-FFF2-40B4-BE49-F238E27FC236}">
+                <a16:creationId xmlns:a16="http://schemas.microsoft.com/office/drawing/2014/main" id="{4D644018-B9DA-2FE8-15D5-4A79DB97C392}"/>
+              </a:ext>
+            </a:extLst>
+          </p:cNvPr>
+          <p:cNvCxnSpPr>
+            <a:cxnSpLocks/>
+            <a:stCxn id="6" idx="3"/>
+            <a:endCxn id="4" idx="1"/>
+          </p:cNvCxnSpPr>
+          <p:nvPr/>
+        </p:nvCxnSpPr>
+        <p:spPr>
+          <a:xfrm flipV="1">
+            <a:off x="3605346" y="4489270"/>
+            <a:ext cx="1001488" cy="596539"/>
+          </a:xfrm>
+          <a:prstGeom prst="curvedConnector3">
+            <a:avLst/>
+          </a:prstGeom>
+          <a:ln w="38100">
+            <a:tailEnd type="triangle"/>
+          </a:ln>
+        </p:spPr>
+        <p:style>
+          <a:lnRef idx="2">
+            <a:schemeClr val="dk1"/>
+          </a:lnRef>
+          <a:fillRef idx="0">
+            <a:schemeClr val="dk1"/>
+          </a:fillRef>
+          <a:effectRef idx="1">
+            <a:schemeClr val="dk1"/>
+          </a:effectRef>
+          <a:fontRef idx="minor">
+            <a:schemeClr val="tx1"/>
+          </a:fontRef>
+        </p:style>
+      </p:cxnSp>
+      <p:cxnSp>
+        <p:nvCxnSpPr>
+          <p:cNvPr id="21" name="Curved Connector 20">
+            <a:extLst>
+              <a:ext uri="{FF2B5EF4-FFF2-40B4-BE49-F238E27FC236}">
+                <a16:creationId xmlns:a16="http://schemas.microsoft.com/office/drawing/2014/main" id="{F145A298-898A-B0C7-F09B-62FB62D0B7C3}"/>
+              </a:ext>
+            </a:extLst>
+          </p:cNvPr>
+          <p:cNvCxnSpPr>
+            <a:cxnSpLocks/>
+            <a:stCxn id="7" idx="3"/>
+            <a:endCxn id="2" idx="1"/>
+          </p:cNvCxnSpPr>
+          <p:nvPr/>
+        </p:nvCxnSpPr>
+        <p:spPr>
+          <a:xfrm flipV="1">
+            <a:off x="3605346" y="2103122"/>
+            <a:ext cx="1001488" cy="596540"/>
+          </a:xfrm>
+          <a:prstGeom prst="curvedConnector3">
+            <a:avLst/>
+          </a:prstGeom>
+          <a:ln w="38100">
+            <a:tailEnd type="triangle"/>
+          </a:ln>
+        </p:spPr>
+        <p:style>
+          <a:lnRef idx="2">
+            <a:schemeClr val="dk1"/>
+          </a:lnRef>
+          <a:fillRef idx="0">
+            <a:schemeClr val="dk1"/>
+          </a:fillRef>
+          <a:effectRef idx="1">
+            <a:schemeClr val="dk1"/>
+          </a:effectRef>
+          <a:fontRef idx="minor">
+            <a:schemeClr val="tx1"/>
+          </a:fontRef>
+        </p:style>
+      </p:cxnSp>
+      <p:cxnSp>
+        <p:nvCxnSpPr>
+          <p:cNvPr id="25" name="Curved Connector 24">
+            <a:extLst>
+              <a:ext uri="{FF2B5EF4-FFF2-40B4-BE49-F238E27FC236}">
+                <a16:creationId xmlns:a16="http://schemas.microsoft.com/office/drawing/2014/main" id="{CA240115-5955-D63B-261E-463813E6C6DC}"/>
+              </a:ext>
+            </a:extLst>
+          </p:cNvPr>
+          <p:cNvCxnSpPr>
+            <a:cxnSpLocks/>
+            <a:stCxn id="7" idx="3"/>
+            <a:endCxn id="3" idx="1"/>
+          </p:cNvCxnSpPr>
+          <p:nvPr/>
+        </p:nvCxnSpPr>
+        <p:spPr>
+          <a:xfrm>
+            <a:off x="3605346" y="2699662"/>
+            <a:ext cx="1001488" cy="596534"/>
+          </a:xfrm>
+          <a:prstGeom prst="curvedConnector3">
+            <a:avLst/>
+          </a:prstGeom>
+          <a:ln w="38100">
+            <a:tailEnd type="triangle"/>
+          </a:ln>
+        </p:spPr>
+        <p:style>
+          <a:lnRef idx="2">
+            <a:schemeClr val="dk1"/>
+          </a:lnRef>
+          <a:fillRef idx="0">
+            <a:schemeClr val="dk1"/>
+          </a:fillRef>
+          <a:effectRef idx="1">
+            <a:schemeClr val="dk1"/>
+          </a:effectRef>
+          <a:fontRef idx="minor">
+            <a:schemeClr val="tx1"/>
+          </a:fontRef>
+        </p:style>
+      </p:cxnSp>
+      <p:cxnSp>
+        <p:nvCxnSpPr>
+          <p:cNvPr id="28" name="Curved Connector 27">
+            <a:extLst>
+              <a:ext uri="{FF2B5EF4-FFF2-40B4-BE49-F238E27FC236}">
+                <a16:creationId xmlns:a16="http://schemas.microsoft.com/office/drawing/2014/main" id="{AEFCDE9D-1F50-9A85-F5D1-B83E91C8DFA3}"/>
+              </a:ext>
+            </a:extLst>
+          </p:cNvPr>
+          <p:cNvCxnSpPr>
+            <a:cxnSpLocks/>
+            <a:stCxn id="2" idx="3"/>
+            <a:endCxn id="8" idx="1"/>
+          </p:cNvCxnSpPr>
+          <p:nvPr/>
+        </p:nvCxnSpPr>
+        <p:spPr>
+          <a:xfrm>
+            <a:off x="7376160" y="2103122"/>
+            <a:ext cx="1210494" cy="605247"/>
+          </a:xfrm>
+          <a:prstGeom prst="curvedConnector3">
+            <a:avLst/>
+          </a:prstGeom>
+          <a:ln w="38100">
+            <a:tailEnd type="triangle"/>
+          </a:ln>
+        </p:spPr>
+        <p:style>
+          <a:lnRef idx="2">
+            <a:schemeClr val="dk1"/>
+          </a:lnRef>
+          <a:fillRef idx="0">
+            <a:schemeClr val="dk1"/>
+          </a:fillRef>
+          <a:effectRef idx="1">
+            <a:schemeClr val="dk1"/>
+          </a:effectRef>
+          <a:fontRef idx="minor">
+            <a:schemeClr val="tx1"/>
+          </a:fontRef>
+        </p:style>
+      </p:cxnSp>
+      <p:cxnSp>
+        <p:nvCxnSpPr>
+          <p:cNvPr id="31" name="Curved Connector 30">
+            <a:extLst>
+              <a:ext uri="{FF2B5EF4-FFF2-40B4-BE49-F238E27FC236}">
+                <a16:creationId xmlns:a16="http://schemas.microsoft.com/office/drawing/2014/main" id="{7EEB7CA1-1354-A15B-5108-6B9D2EA98EF1}"/>
+              </a:ext>
+            </a:extLst>
+          </p:cNvPr>
+          <p:cNvCxnSpPr>
+            <a:cxnSpLocks/>
+            <a:stCxn id="3" idx="3"/>
+            <a:endCxn id="8" idx="1"/>
+          </p:cNvCxnSpPr>
+          <p:nvPr/>
+        </p:nvCxnSpPr>
+        <p:spPr>
+          <a:xfrm flipV="1">
+            <a:off x="7376160" y="2708369"/>
+            <a:ext cx="1210494" cy="587827"/>
+          </a:xfrm>
+          <a:prstGeom prst="curvedConnector3">
+            <a:avLst/>
+          </a:prstGeom>
+          <a:ln w="38100">
+            <a:tailEnd type="triangle"/>
+          </a:ln>
+        </p:spPr>
+        <p:style>
+          <a:lnRef idx="2">
+            <a:schemeClr val="dk1"/>
+          </a:lnRef>
+          <a:fillRef idx="0">
+            <a:schemeClr val="dk1"/>
+          </a:fillRef>
+          <a:effectRef idx="1">
+            <a:schemeClr val="dk1"/>
+          </a:effectRef>
+          <a:fontRef idx="minor">
+            <a:schemeClr val="tx1"/>
+          </a:fontRef>
+        </p:style>
+      </p:cxnSp>
+      <p:cxnSp>
+        <p:nvCxnSpPr>
+          <p:cNvPr id="34" name="Curved Connector 33">
+            <a:extLst>
+              <a:ext uri="{FF2B5EF4-FFF2-40B4-BE49-F238E27FC236}">
+                <a16:creationId xmlns:a16="http://schemas.microsoft.com/office/drawing/2014/main" id="{478EBA93-AE9B-92B8-FF73-5E1B539D1080}"/>
+              </a:ext>
+            </a:extLst>
+          </p:cNvPr>
+          <p:cNvCxnSpPr>
+            <a:cxnSpLocks/>
+            <a:stCxn id="4" idx="3"/>
+            <a:endCxn id="9" idx="1"/>
+          </p:cNvCxnSpPr>
+          <p:nvPr/>
+        </p:nvCxnSpPr>
+        <p:spPr>
+          <a:xfrm>
+            <a:off x="7376160" y="4489270"/>
+            <a:ext cx="1210494" cy="596539"/>
+          </a:xfrm>
+          <a:prstGeom prst="curvedConnector3">
+            <a:avLst>
+              <a:gd name="adj1" fmla="val 50000"/>
+            </a:avLst>
+          </a:prstGeom>
+          <a:ln w="38100">
+            <a:tailEnd type="triangle"/>
+          </a:ln>
+        </p:spPr>
+        <p:style>
+          <a:lnRef idx="2">
+            <a:schemeClr val="dk1"/>
+          </a:lnRef>
+          <a:fillRef idx="0">
+            <a:schemeClr val="dk1"/>
+          </a:fillRef>
+          <a:effectRef idx="1">
+            <a:schemeClr val="dk1"/>
+          </a:effectRef>
+          <a:fontRef idx="minor">
+            <a:schemeClr val="tx1"/>
+          </a:fontRef>
+        </p:style>
+      </p:cxnSp>
+      <p:cxnSp>
+        <p:nvCxnSpPr>
+          <p:cNvPr id="37" name="Curved Connector 36">
+            <a:extLst>
+              <a:ext uri="{FF2B5EF4-FFF2-40B4-BE49-F238E27FC236}">
+                <a16:creationId xmlns:a16="http://schemas.microsoft.com/office/drawing/2014/main" id="{A9E1F7AD-CEDF-6F39-0220-9638CE18CBE9}"/>
+              </a:ext>
+            </a:extLst>
+          </p:cNvPr>
+          <p:cNvCxnSpPr>
+            <a:cxnSpLocks/>
+            <a:stCxn id="5" idx="3"/>
+            <a:endCxn id="9" idx="1"/>
+          </p:cNvCxnSpPr>
+          <p:nvPr/>
+        </p:nvCxnSpPr>
+        <p:spPr>
+          <a:xfrm flipV="1">
+            <a:off x="7376160" y="5085809"/>
+            <a:ext cx="1210494" cy="596535"/>
+          </a:xfrm>
+          <a:prstGeom prst="curvedConnector3">
+            <a:avLst>
+              <a:gd name="adj1" fmla="val 50000"/>
+            </a:avLst>
+          </a:prstGeom>
+          <a:ln w="38100">
+            <a:tailEnd type="triangle"/>
+          </a:ln>
+        </p:spPr>
+        <p:style>
+          <a:lnRef idx="2">
+            <a:schemeClr val="dk1"/>
+          </a:lnRef>
+          <a:fillRef idx="0">
+            <a:schemeClr val="dk1"/>
+          </a:fillRef>
+          <a:effectRef idx="1">
+            <a:schemeClr val="dk1"/>
+          </a:effectRef>
+          <a:fontRef idx="minor">
+            <a:schemeClr val="tx1"/>
+          </a:fontRef>
+        </p:style>
+      </p:cxnSp>
+      <p:pic>
+        <p:nvPicPr>
+          <p:cNvPr id="14" name="Picture 13" descr="A cartoon character wearing a yellow hard hat&#10;&#10;Description automatically generated">
+            <a:extLst>
+              <a:ext uri="{FF2B5EF4-FFF2-40B4-BE49-F238E27FC236}">
+                <a16:creationId xmlns:a16="http://schemas.microsoft.com/office/drawing/2014/main" id="{16EF1B3D-0FB8-07E3-B4B4-441238106700}"/>
+              </a:ext>
+            </a:extLst>
+          </p:cNvPr>
+          <p:cNvPicPr>
+            <a:picLocks noChangeAspect="1"/>
+          </p:cNvPicPr>
+          <p:nvPr/>
+        </p:nvPicPr>
+        <p:blipFill>
+          <a:blip r:embed="rId3"/>
+          <a:stretch>
+            <a:fillRect/>
+          </a:stretch>
+        </p:blipFill>
+        <p:spPr>
+          <a:xfrm>
+            <a:off x="11203424" y="39189"/>
+            <a:ext cx="914712" cy="1298789"/>
+          </a:xfrm>
+          <a:prstGeom prst="rect">
+            <a:avLst/>
+          </a:prstGeom>
+        </p:spPr>
+      </p:pic>
+      <p:sp>
+        <p:nvSpPr>
+          <p:cNvPr id="12" name="TextBox 11">
+            <a:extLst>
+              <a:ext uri="{FF2B5EF4-FFF2-40B4-BE49-F238E27FC236}">
+                <a16:creationId xmlns:a16="http://schemas.microsoft.com/office/drawing/2014/main" id="{7D4D04EF-CB97-AF10-FDFC-709703D9FBAC}"/>
+              </a:ext>
+            </a:extLst>
+          </p:cNvPr>
+          <p:cNvSpPr txBox="1"/>
+          <p:nvPr/>
+        </p:nvSpPr>
+        <p:spPr>
+          <a:xfrm>
+            <a:off x="11038577" y="39189"/>
+            <a:ext cx="1015570" cy="1323439"/>
+          </a:xfrm>
+          <a:prstGeom prst="rect">
+            <a:avLst/>
+          </a:prstGeom>
+          <a:noFill/>
+        </p:spPr>
+        <p:txBody>
+          <a:bodyPr wrap="square">
+            <a:spAutoFit/>
+          </a:bodyPr>
+          <a:lstStyle/>
+          <a:p>
+            <a:r>
+              <a:rPr lang="en-US" sz="8000" dirty="0"/>
+              <a:t>😴</a:t>
+            </a:r>
+          </a:p>
+        </p:txBody>
+      </p:sp>
+    </p:spTree>
+    <p:extLst>
+      <p:ext uri="{BB962C8B-B14F-4D97-AF65-F5344CB8AC3E}">
+        <p14:creationId xmlns:p14="http://schemas.microsoft.com/office/powerpoint/2010/main" val="3988287800"/>
+      </p:ext>
+    </p:extLst>
+  </p:cSld>
+  <p:clrMapOvr>
+    <a:masterClrMapping/>
+  </p:clrMapOvr>
+</p:sld>
+</file>
+
+<file path=ppt/slides/slide12.xml><?xml version="1.0" encoding="utf-8"?>
+<p:sld xmlns:a="http://schemas.openxmlformats.org/drawingml/2006/main" xmlns:r="http://schemas.openxmlformats.org/officeDocument/2006/relationships" xmlns:p="http://schemas.openxmlformats.org/presentationml/2006/main">
+  <p:cSld>
+    <p:spTree>
+      <p:nvGrpSpPr>
+        <p:cNvPr id="1" name=""/>
+        <p:cNvGrpSpPr/>
+        <p:nvPr/>
+      </p:nvGrpSpPr>
+      <p:grpSpPr>
+        <a:xfrm>
+          <a:off x="0" y="0"/>
+          <a:ext cx="0" cy="0"/>
+          <a:chOff x="0" y="0"/>
+          <a:chExt cx="0" cy="0"/>
+        </a:xfrm>
+      </p:grpSpPr>
+      <p:sp>
+        <p:nvSpPr>
+          <p:cNvPr id="2" name="Rounded Rectangle 1">
+            <a:extLst>
+              <a:ext uri="{FF2B5EF4-FFF2-40B4-BE49-F238E27FC236}">
+                <a16:creationId xmlns:a16="http://schemas.microsoft.com/office/drawing/2014/main" id="{7F8D9EAD-DF56-C2B4-55E0-90F88A1F06C7}"/>
+              </a:ext>
+            </a:extLst>
+          </p:cNvPr>
+          <p:cNvSpPr/>
+          <p:nvPr/>
+        </p:nvSpPr>
+        <p:spPr>
+          <a:xfrm>
+            <a:off x="4606834" y="1867990"/>
+            <a:ext cx="2769326" cy="470263"/>
+          </a:xfrm>
+          <a:prstGeom prst="roundRect">
+            <a:avLst/>
+          </a:prstGeom>
+          <a:solidFill>
+            <a:schemeClr val="accent3"/>
+          </a:solidFill>
+          <a:ln>
+            <a:noFill/>
+          </a:ln>
+        </p:spPr>
+        <p:style>
+          <a:lnRef idx="2">
+            <a:schemeClr val="accent1">
+              <a:shade val="15000"/>
+            </a:schemeClr>
+          </a:lnRef>
+          <a:fillRef idx="1">
+            <a:schemeClr val="accent1"/>
+          </a:fillRef>
+          <a:effectRef idx="0">
+            <a:schemeClr val="accent1"/>
+          </a:effectRef>
+          <a:fontRef idx="minor">
+            <a:schemeClr val="lt1"/>
+          </a:fontRef>
+        </p:style>
+        <p:txBody>
+          <a:bodyPr rtlCol="0" anchor="ctr"/>
+          <a:lstStyle/>
+          <a:p>
+            <a:pPr algn="ctr"/>
+            <a:r>
+              <a:rPr lang="en-US" dirty="0"/>
+              <a:t>ranks_subgroup_1</a:t>
+            </a:r>
+          </a:p>
+        </p:txBody>
+      </p:sp>
+      <p:sp>
+        <p:nvSpPr>
+          <p:cNvPr id="3" name="Rounded Rectangle 2">
+            <a:extLst>
+              <a:ext uri="{FF2B5EF4-FFF2-40B4-BE49-F238E27FC236}">
+                <a16:creationId xmlns:a16="http://schemas.microsoft.com/office/drawing/2014/main" id="{B04FFD33-323A-0519-E182-920B16E2704E}"/>
+              </a:ext>
+            </a:extLst>
+          </p:cNvPr>
+          <p:cNvSpPr/>
+          <p:nvPr/>
+        </p:nvSpPr>
+        <p:spPr>
+          <a:xfrm>
+            <a:off x="4606834" y="3061064"/>
+            <a:ext cx="2769326" cy="470263"/>
+          </a:xfrm>
+          <a:prstGeom prst="roundRect">
+            <a:avLst/>
+          </a:prstGeom>
+          <a:solidFill>
+            <a:schemeClr val="accent3"/>
+          </a:solidFill>
+          <a:ln>
+            <a:noFill/>
+          </a:ln>
+        </p:spPr>
+        <p:style>
+          <a:lnRef idx="2">
+            <a:schemeClr val="accent1">
+              <a:shade val="15000"/>
+            </a:schemeClr>
+          </a:lnRef>
+          <a:fillRef idx="1">
+            <a:schemeClr val="accent1"/>
+          </a:fillRef>
+          <a:effectRef idx="0">
+            <a:schemeClr val="accent1"/>
+          </a:effectRef>
+          <a:fontRef idx="minor">
+            <a:schemeClr val="lt1"/>
+          </a:fontRef>
+        </p:style>
+        <p:txBody>
+          <a:bodyPr rtlCol="0" anchor="ctr"/>
+          <a:lstStyle/>
+          <a:p>
+            <a:pPr algn="ctr"/>
+            <a:r>
+              <a:rPr lang="en-US" dirty="0"/>
+              <a:t>ranks_subgroup_2</a:t>
+            </a:r>
+          </a:p>
+        </p:txBody>
+      </p:sp>
+      <p:sp>
+        <p:nvSpPr>
+          <p:cNvPr id="4" name="Rounded Rectangle 3">
+            <a:extLst>
+              <a:ext uri="{FF2B5EF4-FFF2-40B4-BE49-F238E27FC236}">
+                <a16:creationId xmlns:a16="http://schemas.microsoft.com/office/drawing/2014/main" id="{85802116-6BF7-C3AB-308F-257EE776C521}"/>
+              </a:ext>
+            </a:extLst>
+          </p:cNvPr>
+          <p:cNvSpPr/>
+          <p:nvPr/>
+        </p:nvSpPr>
+        <p:spPr>
+          <a:xfrm>
+            <a:off x="4606834" y="4254138"/>
+            <a:ext cx="2769326" cy="470263"/>
+          </a:xfrm>
+          <a:prstGeom prst="roundRect">
+            <a:avLst/>
+          </a:prstGeom>
+          <a:solidFill>
+            <a:schemeClr val="accent3"/>
+          </a:solidFill>
+          <a:ln>
+            <a:noFill/>
+          </a:ln>
+        </p:spPr>
+        <p:style>
+          <a:lnRef idx="2">
+            <a:schemeClr val="accent1">
+              <a:shade val="15000"/>
+            </a:schemeClr>
+          </a:lnRef>
+          <a:fillRef idx="1">
+            <a:schemeClr val="accent1"/>
+          </a:fillRef>
+          <a:effectRef idx="0">
+            <a:schemeClr val="accent1"/>
+          </a:effectRef>
+          <a:fontRef idx="minor">
+            <a:schemeClr val="lt1"/>
+          </a:fontRef>
+        </p:style>
+        <p:txBody>
+          <a:bodyPr rtlCol="0" anchor="ctr"/>
+          <a:lstStyle/>
+          <a:p>
+            <a:pPr algn="ctr"/>
+            <a:r>
+              <a:rPr lang="en-US" dirty="0"/>
+              <a:t>ranks_unstructured_1</a:t>
+            </a:r>
+          </a:p>
+        </p:txBody>
+      </p:sp>
+      <p:sp>
+        <p:nvSpPr>
+          <p:cNvPr id="5" name="Rounded Rectangle 4">
+            <a:extLst>
+              <a:ext uri="{FF2B5EF4-FFF2-40B4-BE49-F238E27FC236}">
+                <a16:creationId xmlns:a16="http://schemas.microsoft.com/office/drawing/2014/main" id="{32E8BF9A-84D2-EE8F-1677-5F326EBEC764}"/>
+              </a:ext>
+            </a:extLst>
+          </p:cNvPr>
+          <p:cNvSpPr/>
+          <p:nvPr/>
+        </p:nvSpPr>
+        <p:spPr>
+          <a:xfrm>
+            <a:off x="4606834" y="5447212"/>
+            <a:ext cx="2769326" cy="470263"/>
+          </a:xfrm>
+          <a:prstGeom prst="roundRect">
+            <a:avLst/>
+          </a:prstGeom>
+          <a:solidFill>
+            <a:schemeClr val="accent3"/>
+          </a:solidFill>
+          <a:ln>
+            <a:noFill/>
+          </a:ln>
+        </p:spPr>
+        <p:style>
+          <a:lnRef idx="2">
+            <a:schemeClr val="accent1">
+              <a:shade val="15000"/>
+            </a:schemeClr>
+          </a:lnRef>
+          <a:fillRef idx="1">
+            <a:schemeClr val="accent1"/>
+          </a:fillRef>
+          <a:effectRef idx="0">
+            <a:schemeClr val="accent1"/>
+          </a:effectRef>
+          <a:fontRef idx="minor">
+            <a:schemeClr val="lt1"/>
+          </a:fontRef>
+        </p:style>
+        <p:txBody>
+          <a:bodyPr rtlCol="0" anchor="ctr"/>
+          <a:lstStyle/>
+          <a:p>
+            <a:pPr algn="ctr"/>
+            <a:r>
+              <a:rPr lang="en-US" dirty="0"/>
+              <a:t>ranks_unstructured_1</a:t>
+            </a:r>
+          </a:p>
+        </p:txBody>
+      </p:sp>
+      <p:sp>
+        <p:nvSpPr>
+          <p:cNvPr id="6" name="Rounded Rectangle 5">
+            <a:extLst>
+              <a:ext uri="{FF2B5EF4-FFF2-40B4-BE49-F238E27FC236}">
+                <a16:creationId xmlns:a16="http://schemas.microsoft.com/office/drawing/2014/main" id="{6260099C-74A3-45E6-11CF-4EA0B1B002EB}"/>
+              </a:ext>
+            </a:extLst>
+          </p:cNvPr>
+          <p:cNvSpPr/>
+          <p:nvPr/>
+        </p:nvSpPr>
+        <p:spPr>
+          <a:xfrm>
+            <a:off x="836020" y="4850677"/>
+            <a:ext cx="2769326" cy="470263"/>
+          </a:xfrm>
+          <a:prstGeom prst="roundRect">
+            <a:avLst/>
+          </a:prstGeom>
+          <a:solidFill>
+            <a:schemeClr val="accent3"/>
+          </a:solidFill>
+          <a:ln>
+            <a:noFill/>
+          </a:ln>
+        </p:spPr>
+        <p:style>
+          <a:lnRef idx="2">
+            <a:schemeClr val="accent1">
+              <a:shade val="15000"/>
+            </a:schemeClr>
+          </a:lnRef>
+          <a:fillRef idx="1">
+            <a:schemeClr val="accent1"/>
+          </a:fillRef>
+          <a:effectRef idx="0">
+            <a:schemeClr val="accent1"/>
+          </a:effectRef>
+          <a:fontRef idx="minor">
+            <a:schemeClr val="lt1"/>
+          </a:fontRef>
+        </p:style>
+        <p:txBody>
+          <a:bodyPr rtlCol="0" anchor="ctr"/>
+          <a:lstStyle/>
+          <a:p>
+            <a:pPr algn="ctr"/>
+            <a:r>
+              <a:rPr lang="en-US" dirty="0"/>
+              <a:t>prior_unstructured</a:t>
+            </a:r>
+          </a:p>
+        </p:txBody>
+      </p:sp>
+      <p:sp>
+        <p:nvSpPr>
+          <p:cNvPr id="7" name="Rounded Rectangle 6">
+            <a:extLst>
+              <a:ext uri="{FF2B5EF4-FFF2-40B4-BE49-F238E27FC236}">
+                <a16:creationId xmlns:a16="http://schemas.microsoft.com/office/drawing/2014/main" id="{04F1DC95-5D3B-DF68-15E1-DE67F1E9F992}"/>
+              </a:ext>
+            </a:extLst>
+          </p:cNvPr>
+          <p:cNvSpPr/>
+          <p:nvPr/>
+        </p:nvSpPr>
+        <p:spPr>
+          <a:xfrm>
+            <a:off x="836020" y="2464530"/>
+            <a:ext cx="2769326" cy="470263"/>
+          </a:xfrm>
+          <a:prstGeom prst="roundRect">
+            <a:avLst/>
+          </a:prstGeom>
+          <a:solidFill>
+            <a:schemeClr val="accent3"/>
+          </a:solidFill>
+          <a:ln>
+            <a:noFill/>
+          </a:ln>
+        </p:spPr>
+        <p:style>
+          <a:lnRef idx="2">
+            <a:schemeClr val="accent1">
+              <a:shade val="15000"/>
+            </a:schemeClr>
+          </a:lnRef>
+          <a:fillRef idx="1">
+            <a:schemeClr val="accent1"/>
+          </a:fillRef>
+          <a:effectRef idx="0">
+            <a:schemeClr val="accent1"/>
+          </a:effectRef>
+          <a:fontRef idx="minor">
+            <a:schemeClr val="lt1"/>
+          </a:fontRef>
+        </p:style>
+        <p:txBody>
+          <a:bodyPr rtlCol="0" anchor="ctr"/>
+          <a:lstStyle/>
+          <a:p>
+            <a:pPr algn="ctr"/>
+            <a:r>
+              <a:rPr lang="en-US" dirty="0"/>
+              <a:t>prior_subgroup</a:t>
+            </a:r>
+          </a:p>
+        </p:txBody>
+      </p:sp>
+      <p:sp>
+        <p:nvSpPr>
+          <p:cNvPr id="8" name="Rounded Rectangle 7">
+            <a:extLst>
+              <a:ext uri="{FF2B5EF4-FFF2-40B4-BE49-F238E27FC236}">
+                <a16:creationId xmlns:a16="http://schemas.microsoft.com/office/drawing/2014/main" id="{F71AFDAA-A7CA-A607-1A78-0601CE848F46}"/>
+              </a:ext>
+            </a:extLst>
+          </p:cNvPr>
+          <p:cNvSpPr/>
+          <p:nvPr/>
+        </p:nvSpPr>
+        <p:spPr>
+          <a:xfrm>
+            <a:off x="8586654" y="2473237"/>
+            <a:ext cx="2769326" cy="470263"/>
+          </a:xfrm>
+          <a:prstGeom prst="roundRect">
+            <a:avLst/>
+          </a:prstGeom>
+          <a:solidFill>
+            <a:srgbClr val="FFC000"/>
+          </a:solidFill>
+          <a:ln>
+            <a:noFill/>
+          </a:ln>
+        </p:spPr>
+        <p:style>
+          <a:lnRef idx="2">
+            <a:schemeClr val="accent1">
+              <a:shade val="15000"/>
+            </a:schemeClr>
+          </a:lnRef>
+          <a:fillRef idx="1">
+            <a:schemeClr val="accent1"/>
+          </a:fillRef>
+          <a:effectRef idx="0">
+            <a:schemeClr val="accent1"/>
+          </a:effectRef>
+          <a:fontRef idx="minor">
+            <a:schemeClr val="lt1"/>
+          </a:fontRef>
+        </p:style>
+        <p:txBody>
+          <a:bodyPr rtlCol="0" anchor="ctr"/>
+          <a:lstStyle/>
+          <a:p>
+            <a:pPr algn="ctr"/>
+            <a:r>
+              <a:rPr lang="en-US" dirty="0">
+                <a:solidFill>
+                  <a:schemeClr val="tx1"/>
+                </a:solidFill>
+              </a:rPr>
+              <a:t>results_subgroup</a:t>
+            </a:r>
+          </a:p>
+        </p:txBody>
+      </p:sp>
+      <p:sp>
+        <p:nvSpPr>
+          <p:cNvPr id="9" name="Rounded Rectangle 8">
+            <a:extLst>
+              <a:ext uri="{FF2B5EF4-FFF2-40B4-BE49-F238E27FC236}">
+                <a16:creationId xmlns:a16="http://schemas.microsoft.com/office/drawing/2014/main" id="{177824EC-766B-AE7C-2461-107B05E0BC54}"/>
+              </a:ext>
+            </a:extLst>
+          </p:cNvPr>
+          <p:cNvSpPr/>
+          <p:nvPr/>
+        </p:nvSpPr>
+        <p:spPr>
+          <a:xfrm>
+            <a:off x="8586654" y="4850677"/>
+            <a:ext cx="2769326" cy="470263"/>
+          </a:xfrm>
+          <a:prstGeom prst="roundRect">
+            <a:avLst/>
+          </a:prstGeom>
+          <a:solidFill>
+            <a:srgbClr val="FFC000"/>
+          </a:solidFill>
+          <a:ln>
+            <a:noFill/>
+          </a:ln>
+        </p:spPr>
+        <p:style>
+          <a:lnRef idx="2">
+            <a:schemeClr val="accent1">
+              <a:shade val="15000"/>
+            </a:schemeClr>
+          </a:lnRef>
+          <a:fillRef idx="1">
+            <a:schemeClr val="accent1"/>
+          </a:fillRef>
+          <a:effectRef idx="0">
+            <a:schemeClr val="accent1"/>
+          </a:effectRef>
+          <a:fontRef idx="minor">
+            <a:schemeClr val="lt1"/>
+          </a:fontRef>
+        </p:style>
+        <p:txBody>
+          <a:bodyPr rtlCol="0" anchor="ctr"/>
+          <a:lstStyle/>
+          <a:p>
+            <a:pPr algn="ctr"/>
+            <a:r>
+              <a:rPr lang="en-US" dirty="0">
+                <a:solidFill>
+                  <a:schemeClr val="tx1"/>
+                </a:solidFill>
+              </a:rPr>
+              <a:t>results_subgroup</a:t>
+            </a:r>
+          </a:p>
+        </p:txBody>
+      </p:sp>
+      <p:pic>
+        <p:nvPicPr>
+          <p:cNvPr id="10" name="Picture 9" descr="A cartoon of a person wearing a hard hat&#10;&#10;Description automatically generated">
+            <a:extLst>
+              <a:ext uri="{FF2B5EF4-FFF2-40B4-BE49-F238E27FC236}">
+                <a16:creationId xmlns:a16="http://schemas.microsoft.com/office/drawing/2014/main" id="{596FEDB4-36FC-9003-E7D9-CCAAA9843A29}"/>
+              </a:ext>
+            </a:extLst>
+          </p:cNvPr>
+          <p:cNvPicPr>
+            <a:picLocks noChangeAspect="1"/>
+          </p:cNvPicPr>
+          <p:nvPr/>
+        </p:nvPicPr>
+        <p:blipFill>
+          <a:blip r:embed="rId2"/>
+          <a:stretch>
+            <a:fillRect/>
+          </a:stretch>
+        </p:blipFill>
+        <p:spPr>
+          <a:xfrm>
+            <a:off x="8519426" y="1165737"/>
+            <a:ext cx="967927" cy="1288871"/>
+          </a:xfrm>
+          <a:prstGeom prst="rect">
+            <a:avLst/>
+          </a:prstGeom>
+        </p:spPr>
+      </p:pic>
+      <p:pic>
+        <p:nvPicPr>
+          <p:cNvPr id="11" name="Picture 10" descr="A cartoon character wearing a yellow hard hat&#10;&#10;Description automatically generated">
+            <a:extLst>
+              <a:ext uri="{FF2B5EF4-FFF2-40B4-BE49-F238E27FC236}">
+                <a16:creationId xmlns:a16="http://schemas.microsoft.com/office/drawing/2014/main" id="{0E330F18-2CE9-8ADE-3BED-F3FBE87C7DC9}"/>
+              </a:ext>
+            </a:extLst>
+          </p:cNvPr>
+          <p:cNvPicPr>
+            <a:picLocks noChangeAspect="1"/>
+          </p:cNvPicPr>
+          <p:nvPr/>
+        </p:nvPicPr>
+        <p:blipFill>
+          <a:blip r:embed="rId3"/>
+          <a:stretch>
+            <a:fillRect/>
+          </a:stretch>
+        </p:blipFill>
+        <p:spPr>
+          <a:xfrm>
+            <a:off x="8492532" y="3540039"/>
+            <a:ext cx="914712" cy="1298789"/>
+          </a:xfrm>
+          <a:prstGeom prst="rect">
+            <a:avLst/>
+          </a:prstGeom>
+        </p:spPr>
+      </p:pic>
+      <p:cxnSp>
+        <p:nvCxnSpPr>
+          <p:cNvPr id="17" name="Curved Connector 16">
+            <a:extLst>
+              <a:ext uri="{FF2B5EF4-FFF2-40B4-BE49-F238E27FC236}">
+                <a16:creationId xmlns:a16="http://schemas.microsoft.com/office/drawing/2014/main" id="{27FEDFD1-90F7-6C69-4049-54CB2138AF58}"/>
+              </a:ext>
+            </a:extLst>
+          </p:cNvPr>
+          <p:cNvCxnSpPr>
+            <a:stCxn id="6" idx="3"/>
+            <a:endCxn id="5" idx="1"/>
+          </p:cNvCxnSpPr>
+          <p:nvPr/>
+        </p:nvCxnSpPr>
+        <p:spPr>
+          <a:xfrm>
+            <a:off x="3605346" y="5085809"/>
+            <a:ext cx="1001488" cy="596535"/>
+          </a:xfrm>
+          <a:prstGeom prst="curvedConnector3">
+            <a:avLst/>
+          </a:prstGeom>
+          <a:ln w="38100">
+            <a:tailEnd type="triangle"/>
+          </a:ln>
+        </p:spPr>
+        <p:style>
+          <a:lnRef idx="2">
+            <a:schemeClr val="dk1"/>
+          </a:lnRef>
+          <a:fillRef idx="0">
+            <a:schemeClr val="dk1"/>
+          </a:fillRef>
+          <a:effectRef idx="1">
+            <a:schemeClr val="dk1"/>
+          </a:effectRef>
+          <a:fontRef idx="minor">
+            <a:schemeClr val="tx1"/>
+          </a:fontRef>
+        </p:style>
+      </p:cxnSp>
+      <p:cxnSp>
+        <p:nvCxnSpPr>
+          <p:cNvPr id="18" name="Curved Connector 17">
+            <a:extLst>
+              <a:ext uri="{FF2B5EF4-FFF2-40B4-BE49-F238E27FC236}">
+                <a16:creationId xmlns:a16="http://schemas.microsoft.com/office/drawing/2014/main" id="{4D644018-B9DA-2FE8-15D5-4A79DB97C392}"/>
+              </a:ext>
+            </a:extLst>
+          </p:cNvPr>
+          <p:cNvCxnSpPr>
+            <a:cxnSpLocks/>
+            <a:stCxn id="6" idx="3"/>
+            <a:endCxn id="4" idx="1"/>
+          </p:cNvCxnSpPr>
+          <p:nvPr/>
+        </p:nvCxnSpPr>
+        <p:spPr>
+          <a:xfrm flipV="1">
+            <a:off x="3605346" y="4489270"/>
+            <a:ext cx="1001488" cy="596539"/>
+          </a:xfrm>
+          <a:prstGeom prst="curvedConnector3">
+            <a:avLst/>
+          </a:prstGeom>
+          <a:ln w="38100">
+            <a:tailEnd type="triangle"/>
+          </a:ln>
+        </p:spPr>
+        <p:style>
+          <a:lnRef idx="2">
+            <a:schemeClr val="dk1"/>
+          </a:lnRef>
+          <a:fillRef idx="0">
+            <a:schemeClr val="dk1"/>
+          </a:fillRef>
+          <a:effectRef idx="1">
+            <a:schemeClr val="dk1"/>
+          </a:effectRef>
+          <a:fontRef idx="minor">
+            <a:schemeClr val="tx1"/>
+          </a:fontRef>
+        </p:style>
+      </p:cxnSp>
+      <p:cxnSp>
+        <p:nvCxnSpPr>
+          <p:cNvPr id="21" name="Curved Connector 20">
+            <a:extLst>
+              <a:ext uri="{FF2B5EF4-FFF2-40B4-BE49-F238E27FC236}">
+                <a16:creationId xmlns:a16="http://schemas.microsoft.com/office/drawing/2014/main" id="{F145A298-898A-B0C7-F09B-62FB62D0B7C3}"/>
+              </a:ext>
+            </a:extLst>
+          </p:cNvPr>
+          <p:cNvCxnSpPr>
+            <a:cxnSpLocks/>
+            <a:stCxn id="7" idx="3"/>
+            <a:endCxn id="2" idx="1"/>
+          </p:cNvCxnSpPr>
+          <p:nvPr/>
+        </p:nvCxnSpPr>
+        <p:spPr>
+          <a:xfrm flipV="1">
+            <a:off x="3605346" y="2103122"/>
+            <a:ext cx="1001488" cy="596540"/>
+          </a:xfrm>
+          <a:prstGeom prst="curvedConnector3">
+            <a:avLst/>
+          </a:prstGeom>
+          <a:ln w="38100">
+            <a:tailEnd type="triangle"/>
+          </a:ln>
+        </p:spPr>
+        <p:style>
+          <a:lnRef idx="2">
+            <a:schemeClr val="dk1"/>
+          </a:lnRef>
+          <a:fillRef idx="0">
+            <a:schemeClr val="dk1"/>
+          </a:fillRef>
+          <a:effectRef idx="1">
+            <a:schemeClr val="dk1"/>
+          </a:effectRef>
+          <a:fontRef idx="minor">
+            <a:schemeClr val="tx1"/>
+          </a:fontRef>
+        </p:style>
+      </p:cxnSp>
+      <p:cxnSp>
+        <p:nvCxnSpPr>
+          <p:cNvPr id="25" name="Curved Connector 24">
+            <a:extLst>
+              <a:ext uri="{FF2B5EF4-FFF2-40B4-BE49-F238E27FC236}">
+                <a16:creationId xmlns:a16="http://schemas.microsoft.com/office/drawing/2014/main" id="{CA240115-5955-D63B-261E-463813E6C6DC}"/>
+              </a:ext>
+            </a:extLst>
+          </p:cNvPr>
+          <p:cNvCxnSpPr>
+            <a:cxnSpLocks/>
+            <a:stCxn id="7" idx="3"/>
+            <a:endCxn id="3" idx="1"/>
+          </p:cNvCxnSpPr>
+          <p:nvPr/>
+        </p:nvCxnSpPr>
+        <p:spPr>
+          <a:xfrm>
+            <a:off x="3605346" y="2699662"/>
+            <a:ext cx="1001488" cy="596534"/>
+          </a:xfrm>
+          <a:prstGeom prst="curvedConnector3">
+            <a:avLst/>
+          </a:prstGeom>
+          <a:ln w="38100">
+            <a:tailEnd type="triangle"/>
+          </a:ln>
+        </p:spPr>
+        <p:style>
+          <a:lnRef idx="2">
+            <a:schemeClr val="dk1"/>
+          </a:lnRef>
+          <a:fillRef idx="0">
+            <a:schemeClr val="dk1"/>
+          </a:fillRef>
+          <a:effectRef idx="1">
+            <a:schemeClr val="dk1"/>
+          </a:effectRef>
+          <a:fontRef idx="minor">
+            <a:schemeClr val="tx1"/>
+          </a:fontRef>
+        </p:style>
+      </p:cxnSp>
+      <p:cxnSp>
+        <p:nvCxnSpPr>
+          <p:cNvPr id="28" name="Curved Connector 27">
+            <a:extLst>
+              <a:ext uri="{FF2B5EF4-FFF2-40B4-BE49-F238E27FC236}">
+                <a16:creationId xmlns:a16="http://schemas.microsoft.com/office/drawing/2014/main" id="{AEFCDE9D-1F50-9A85-F5D1-B83E91C8DFA3}"/>
+              </a:ext>
+            </a:extLst>
+          </p:cNvPr>
+          <p:cNvCxnSpPr>
+            <a:cxnSpLocks/>
+            <a:stCxn id="2" idx="3"/>
+            <a:endCxn id="8" idx="1"/>
+          </p:cNvCxnSpPr>
+          <p:nvPr/>
+        </p:nvCxnSpPr>
+        <p:spPr>
+          <a:xfrm>
+            <a:off x="7376160" y="2103122"/>
+            <a:ext cx="1210494" cy="605247"/>
+          </a:xfrm>
+          <a:prstGeom prst="curvedConnector3">
+            <a:avLst/>
+          </a:prstGeom>
+          <a:ln w="38100">
+            <a:tailEnd type="triangle"/>
+          </a:ln>
+        </p:spPr>
+        <p:style>
+          <a:lnRef idx="2">
+            <a:schemeClr val="dk1"/>
+          </a:lnRef>
+          <a:fillRef idx="0">
+            <a:schemeClr val="dk1"/>
+          </a:fillRef>
+          <a:effectRef idx="1">
+            <a:schemeClr val="dk1"/>
+          </a:effectRef>
+          <a:fontRef idx="minor">
+            <a:schemeClr val="tx1"/>
+          </a:fontRef>
+        </p:style>
+      </p:cxnSp>
+      <p:cxnSp>
+        <p:nvCxnSpPr>
+          <p:cNvPr id="31" name="Curved Connector 30">
+            <a:extLst>
+              <a:ext uri="{FF2B5EF4-FFF2-40B4-BE49-F238E27FC236}">
+                <a16:creationId xmlns:a16="http://schemas.microsoft.com/office/drawing/2014/main" id="{7EEB7CA1-1354-A15B-5108-6B9D2EA98EF1}"/>
+              </a:ext>
+            </a:extLst>
+          </p:cNvPr>
+          <p:cNvCxnSpPr>
+            <a:cxnSpLocks/>
+            <a:stCxn id="3" idx="3"/>
+            <a:endCxn id="8" idx="1"/>
+          </p:cNvCxnSpPr>
+          <p:nvPr/>
+        </p:nvCxnSpPr>
+        <p:spPr>
+          <a:xfrm flipV="1">
+            <a:off x="7376160" y="2708369"/>
+            <a:ext cx="1210494" cy="587827"/>
+          </a:xfrm>
+          <a:prstGeom prst="curvedConnector3">
+            <a:avLst/>
+          </a:prstGeom>
+          <a:ln w="38100">
+            <a:tailEnd type="triangle"/>
+          </a:ln>
+        </p:spPr>
+        <p:style>
+          <a:lnRef idx="2">
+            <a:schemeClr val="dk1"/>
+          </a:lnRef>
+          <a:fillRef idx="0">
+            <a:schemeClr val="dk1"/>
+          </a:fillRef>
+          <a:effectRef idx="1">
+            <a:schemeClr val="dk1"/>
+          </a:effectRef>
+          <a:fontRef idx="minor">
+            <a:schemeClr val="tx1"/>
+          </a:fontRef>
+        </p:style>
+      </p:cxnSp>
+      <p:cxnSp>
+        <p:nvCxnSpPr>
+          <p:cNvPr id="34" name="Curved Connector 33">
+            <a:extLst>
+              <a:ext uri="{FF2B5EF4-FFF2-40B4-BE49-F238E27FC236}">
+                <a16:creationId xmlns:a16="http://schemas.microsoft.com/office/drawing/2014/main" id="{478EBA93-AE9B-92B8-FF73-5E1B539D1080}"/>
+              </a:ext>
+            </a:extLst>
+          </p:cNvPr>
+          <p:cNvCxnSpPr>
+            <a:cxnSpLocks/>
+            <a:stCxn id="4" idx="3"/>
+            <a:endCxn id="9" idx="1"/>
+          </p:cNvCxnSpPr>
+          <p:nvPr/>
+        </p:nvCxnSpPr>
+        <p:spPr>
+          <a:xfrm>
+            <a:off x="7376160" y="4489270"/>
+            <a:ext cx="1210494" cy="596539"/>
+          </a:xfrm>
+          <a:prstGeom prst="curvedConnector3">
+            <a:avLst>
+              <a:gd name="adj1" fmla="val 50000"/>
+            </a:avLst>
+          </a:prstGeom>
+          <a:ln w="38100">
+            <a:tailEnd type="triangle"/>
+          </a:ln>
+        </p:spPr>
+        <p:style>
+          <a:lnRef idx="2">
+            <a:schemeClr val="dk1"/>
+          </a:lnRef>
+          <a:fillRef idx="0">
+            <a:schemeClr val="dk1"/>
+          </a:fillRef>
+          <a:effectRef idx="1">
+            <a:schemeClr val="dk1"/>
+          </a:effectRef>
+          <a:fontRef idx="minor">
+            <a:schemeClr val="tx1"/>
+          </a:fontRef>
+        </p:style>
+      </p:cxnSp>
+      <p:cxnSp>
+        <p:nvCxnSpPr>
+          <p:cNvPr id="37" name="Curved Connector 36">
+            <a:extLst>
+              <a:ext uri="{FF2B5EF4-FFF2-40B4-BE49-F238E27FC236}">
+                <a16:creationId xmlns:a16="http://schemas.microsoft.com/office/drawing/2014/main" id="{A9E1F7AD-CEDF-6F39-0220-9638CE18CBE9}"/>
+              </a:ext>
+            </a:extLst>
+          </p:cNvPr>
+          <p:cNvCxnSpPr>
+            <a:cxnSpLocks/>
+            <a:stCxn id="5" idx="3"/>
+            <a:endCxn id="9" idx="1"/>
+          </p:cNvCxnSpPr>
+          <p:nvPr/>
+        </p:nvCxnSpPr>
+        <p:spPr>
+          <a:xfrm flipV="1">
+            <a:off x="7376160" y="5085809"/>
+            <a:ext cx="1210494" cy="596535"/>
+          </a:xfrm>
+          <a:prstGeom prst="curvedConnector3">
+            <a:avLst>
+              <a:gd name="adj1" fmla="val 50000"/>
+            </a:avLst>
+          </a:prstGeom>
+          <a:ln w="38100">
+            <a:tailEnd type="triangle"/>
+          </a:ln>
+        </p:spPr>
+        <p:style>
+          <a:lnRef idx="2">
+            <a:schemeClr val="dk1"/>
+          </a:lnRef>
+          <a:fillRef idx="0">
+            <a:schemeClr val="dk1"/>
+          </a:fillRef>
+          <a:effectRef idx="1">
+            <a:schemeClr val="dk1"/>
+          </a:effectRef>
+          <a:fontRef idx="minor">
+            <a:schemeClr val="tx1"/>
+          </a:fontRef>
+        </p:style>
+      </p:cxnSp>
+      <p:pic>
+        <p:nvPicPr>
+          <p:cNvPr id="14" name="Picture 13" descr="A cartoon character wearing a yellow hard hat&#10;&#10;Description automatically generated">
+            <a:extLst>
+              <a:ext uri="{FF2B5EF4-FFF2-40B4-BE49-F238E27FC236}">
+                <a16:creationId xmlns:a16="http://schemas.microsoft.com/office/drawing/2014/main" id="{16EF1B3D-0FB8-07E3-B4B4-441238106700}"/>
+              </a:ext>
+            </a:extLst>
+          </p:cNvPr>
+          <p:cNvPicPr>
+            <a:picLocks noChangeAspect="1"/>
+          </p:cNvPicPr>
+          <p:nvPr/>
+        </p:nvPicPr>
+        <p:blipFill>
+          <a:blip r:embed="rId3"/>
+          <a:stretch>
+            <a:fillRect/>
+          </a:stretch>
+        </p:blipFill>
+        <p:spPr>
+          <a:xfrm>
+            <a:off x="11203424" y="39189"/>
+            <a:ext cx="914712" cy="1298789"/>
+          </a:xfrm>
+          <a:prstGeom prst="rect">
+            <a:avLst/>
+          </a:prstGeom>
+        </p:spPr>
+      </p:pic>
+      <p:sp>
+        <p:nvSpPr>
+          <p:cNvPr id="12" name="TextBox 11">
+            <a:extLst>
+              <a:ext uri="{FF2B5EF4-FFF2-40B4-BE49-F238E27FC236}">
+                <a16:creationId xmlns:a16="http://schemas.microsoft.com/office/drawing/2014/main" id="{7D4D04EF-CB97-AF10-FDFC-709703D9FBAC}"/>
+              </a:ext>
+            </a:extLst>
+          </p:cNvPr>
+          <p:cNvSpPr txBox="1"/>
+          <p:nvPr/>
+        </p:nvSpPr>
+        <p:spPr>
+          <a:xfrm>
+            <a:off x="11038577" y="39189"/>
+            <a:ext cx="1015570" cy="1323439"/>
+          </a:xfrm>
+          <a:prstGeom prst="rect">
+            <a:avLst/>
+          </a:prstGeom>
+          <a:noFill/>
+        </p:spPr>
+        <p:txBody>
+          <a:bodyPr wrap="square">
+            <a:spAutoFit/>
+          </a:bodyPr>
+          <a:lstStyle/>
+          <a:p>
+            <a:r>
+              <a:rPr lang="en-US" sz="8000" dirty="0"/>
+              <a:t>😴</a:t>
+            </a:r>
+          </a:p>
+        </p:txBody>
+      </p:sp>
+      <p:pic>
+        <p:nvPicPr>
+          <p:cNvPr id="13" name="Graphic 12" descr="Close with solid fill">
+            <a:extLst>
+              <a:ext uri="{FF2B5EF4-FFF2-40B4-BE49-F238E27FC236}">
+                <a16:creationId xmlns:a16="http://schemas.microsoft.com/office/drawing/2014/main" id="{7EB902AD-D97D-6762-CD9D-034C3F42128E}"/>
+              </a:ext>
+            </a:extLst>
+          </p:cNvPr>
+          <p:cNvPicPr>
+            <a:picLocks noChangeAspect="1"/>
+          </p:cNvPicPr>
+          <p:nvPr/>
+        </p:nvPicPr>
+        <p:blipFill>
+          <a:blip r:embed="rId4">
+            <a:extLst>
+              <a:ext uri="{96DAC541-7B7A-43D3-8B79-37D633B846F1}">
+                <asvg:svgBlip xmlns:asvg="http://schemas.microsoft.com/office/drawing/2016/SVG/main" r:embed="rId5"/>
+              </a:ext>
+            </a:extLst>
+          </a:blip>
+          <a:stretch>
+            <a:fillRect/>
+          </a:stretch>
+        </p:blipFill>
+        <p:spPr>
+          <a:xfrm>
+            <a:off x="10975109" y="-33364"/>
+            <a:ext cx="1371342" cy="1371342"/>
+          </a:xfrm>
+          <a:prstGeom prst="rect">
+            <a:avLst/>
+          </a:prstGeom>
+        </p:spPr>
+      </p:pic>
+    </p:spTree>
+    <p:extLst>
+      <p:ext uri="{BB962C8B-B14F-4D97-AF65-F5344CB8AC3E}">
+        <p14:creationId xmlns:p14="http://schemas.microsoft.com/office/powerpoint/2010/main" val="2636499405"/>
+      </p:ext>
+    </p:extLst>
+  </p:cSld>
+  <p:clrMapOvr>
+    <a:masterClrMapping/>
+  </p:clrMapOvr>
+</p:sld>
+</file>
+
 <file path=ppt/slides/slide2.xml><?xml version="1.0" encoding="utf-8"?>
 <p:sld xmlns:a="http://schemas.openxmlformats.org/drawingml/2006/main" xmlns:r="http://schemas.openxmlformats.org/officeDocument/2006/relationships" xmlns:p="http://schemas.openxmlformats.org/presentationml/2006/main">
   <p:cSld>
@@ -4641,7 +7551,7 @@
           <a:p>
             <a:r>
               <a:rPr lang="en-US" sz="9600" dirty="0"/>
-              <a:t>😌</a:t>
+              <a:t>🧐</a:t>
             </a:r>
           </a:p>
         </p:txBody>
@@ -4713,10 +7623,10 @@
       </p:sp>
       <p:pic>
         <p:nvPicPr>
-          <p:cNvPr id="12" name="Picture 11" descr="A screenshot of a computer&#10;&#10;Description automatically generated">
-            <a:extLst>
-              <a:ext uri="{FF2B5EF4-FFF2-40B4-BE49-F238E27FC236}">
-                <a16:creationId xmlns:a16="http://schemas.microsoft.com/office/drawing/2014/main" id="{C911EC37-110F-A8FA-B2C8-4781E0CA05ED}"/>
+          <p:cNvPr id="5" name="Picture 4" descr="A book cover with text on it&#10;&#10;Description automatically generated">
+            <a:extLst>
+              <a:ext uri="{FF2B5EF4-FFF2-40B4-BE49-F238E27FC236}">
+                <a16:creationId xmlns:a16="http://schemas.microsoft.com/office/drawing/2014/main" id="{1090E75E-FDCB-293A-05D0-C81B47762E48}"/>
               </a:ext>
             </a:extLst>
           </p:cNvPr>
@@ -4733,38 +7643,8 @@
         </p:blipFill>
         <p:spPr>
           <a:xfrm>
-            <a:off x="5929893" y="2080354"/>
-            <a:ext cx="6162428" cy="4507960"/>
-          </a:xfrm>
-          <a:prstGeom prst="rect">
-            <a:avLst/>
-          </a:prstGeom>
-        </p:spPr>
-      </p:pic>
-      <p:pic>
-        <p:nvPicPr>
-          <p:cNvPr id="7" name="Picture 6" descr="A blue text on a black background&#10;&#10;Description automatically generated">
-            <a:extLst>
-              <a:ext uri="{FF2B5EF4-FFF2-40B4-BE49-F238E27FC236}">
-                <a16:creationId xmlns:a16="http://schemas.microsoft.com/office/drawing/2014/main" id="{1330F842-AFBC-E778-2456-9B0E25E03AAF}"/>
-              </a:ext>
-            </a:extLst>
-          </p:cNvPr>
-          <p:cNvPicPr>
-            <a:picLocks noChangeAspect="1"/>
-          </p:cNvPicPr>
-          <p:nvPr/>
-        </p:nvPicPr>
-        <p:blipFill>
-          <a:blip r:embed="rId4"/>
-          <a:stretch>
-            <a:fillRect/>
-          </a:stretch>
-        </p:blipFill>
-        <p:spPr>
-          <a:xfrm>
-            <a:off x="8899668" y="1460419"/>
-            <a:ext cx="3121679" cy="751154"/>
+            <a:off x="7475104" y="1399130"/>
+            <a:ext cx="3512628" cy="5255327"/>
           </a:xfrm>
           <a:prstGeom prst="rect">
             <a:avLst/>
@@ -4774,7 +7654,7 @@
     </p:spTree>
     <p:extLst>
       <p:ext uri="{BB962C8B-B14F-4D97-AF65-F5344CB8AC3E}">
-        <p14:creationId xmlns:p14="http://schemas.microsoft.com/office/powerpoint/2010/main" val="2603621769"/>
+        <p14:creationId xmlns:p14="http://schemas.microsoft.com/office/powerpoint/2010/main" val="2536817766"/>
       </p:ext>
     </p:extLst>
   </p:cSld>
@@ -4871,119 +7751,12 @@
           </a:p>
         </p:txBody>
       </p:sp>
-      <p:sp>
-        <p:nvSpPr>
-          <p:cNvPr id="2" name="TextBox 1">
-            <a:extLst>
-              <a:ext uri="{FF2B5EF4-FFF2-40B4-BE49-F238E27FC236}">
-                <a16:creationId xmlns:a16="http://schemas.microsoft.com/office/drawing/2014/main" id="{9B45521C-CA5D-FAD3-1128-A8DBD60A6066}"/>
-              </a:ext>
-            </a:extLst>
-          </p:cNvPr>
-          <p:cNvSpPr txBox="1"/>
-          <p:nvPr/>
-        </p:nvSpPr>
-        <p:spPr>
-          <a:xfrm>
-            <a:off x="277627" y="1659285"/>
-            <a:ext cx="5748704" cy="4401205"/>
-          </a:xfrm>
-          <a:prstGeom prst="rect">
-            <a:avLst/>
-          </a:prstGeom>
-          <a:noFill/>
-        </p:spPr>
-        <p:txBody>
-          <a:bodyPr wrap="square" rtlCol="0">
-            <a:spAutoFit/>
-          </a:bodyPr>
-          <a:lstStyle/>
-          <a:p>
-            <a:endParaRPr lang="en-US" sz="2800" dirty="0"/>
-          </a:p>
-          <a:p>
-            <a:pPr marL="285750" indent="-285750">
-              <a:buFont typeface="Arial" panose="020B0604020202020204" pitchFamily="34" charset="0"/>
-              <a:buChar char="•"/>
-            </a:pPr>
-            <a:r>
-              <a:rPr lang="en-US" sz="2800" dirty="0"/>
-              <a:t>Can't understand the workflow!</a:t>
-            </a:r>
-          </a:p>
-          <a:p>
-            <a:pPr marL="285750" indent="-285750">
-              <a:buFont typeface="Arial" panose="020B0604020202020204" pitchFamily="34" charset="0"/>
-              <a:buChar char="•"/>
-            </a:pPr>
-            <a:endParaRPr lang="en-US" sz="2800" dirty="0"/>
-          </a:p>
-          <a:p>
-            <a:pPr marL="285750" indent="-285750">
-              <a:buFont typeface="Arial" panose="020B0604020202020204" pitchFamily="34" charset="0"/>
-              <a:buChar char="•"/>
-            </a:pPr>
-            <a:r>
-              <a:rPr lang="en-US" sz="2800" dirty="0"/>
-              <a:t>Too many scripts and data files!</a:t>
-            </a:r>
-          </a:p>
-          <a:p>
-            <a:pPr marL="285750" indent="-285750">
-              <a:buFont typeface="Arial" panose="020B0604020202020204" pitchFamily="34" charset="0"/>
-              <a:buChar char="•"/>
-            </a:pPr>
-            <a:endParaRPr lang="en-US" sz="2800" dirty="0"/>
-          </a:p>
-          <a:p>
-            <a:pPr marL="285750" indent="-285750">
-              <a:buFont typeface="Arial" panose="020B0604020202020204" pitchFamily="34" charset="0"/>
-              <a:buChar char="•"/>
-            </a:pPr>
-            <a:r>
-              <a:rPr lang="en-US" sz="2800" dirty="0"/>
-              <a:t>Takes too long to run everything!</a:t>
-            </a:r>
-          </a:p>
-          <a:p>
-            <a:pPr marL="285750" indent="-285750">
-              <a:buFont typeface="Arial" panose="020B0604020202020204" pitchFamily="34" charset="0"/>
-              <a:buChar char="•"/>
-            </a:pPr>
-            <a:endParaRPr lang="en-US" sz="2800" dirty="0"/>
-          </a:p>
-          <a:p>
-            <a:pPr marL="285750" indent="-285750">
-              <a:buFont typeface="Arial" panose="020B0604020202020204" pitchFamily="34" charset="0"/>
-              <a:buChar char="•"/>
-            </a:pPr>
-            <a:r>
-              <a:rPr lang="en-US" sz="2800" dirty="0"/>
-              <a:t>Do I even need to rerun this??!!</a:t>
-            </a:r>
-          </a:p>
-          <a:p>
-            <a:pPr marL="285750" indent="-285750">
-              <a:buFont typeface="Arial" panose="020B0604020202020204" pitchFamily="34" charset="0"/>
-              <a:buChar char="•"/>
-            </a:pPr>
-            <a:endParaRPr lang="en-US" sz="2800" dirty="0"/>
-          </a:p>
-          <a:p>
-            <a:pPr marL="285750" indent="-285750">
-              <a:buFont typeface="Arial" panose="020B0604020202020204" pitchFamily="34" charset="0"/>
-              <a:buChar char="•"/>
-            </a:pPr>
-            <a:endParaRPr lang="en-US" sz="2800" dirty="0"/>
-          </a:p>
-        </p:txBody>
-      </p:sp>
       <p:pic>
         <p:nvPicPr>
-          <p:cNvPr id="6" name="Picture 5" descr="A logo of a company&#10;&#10;Description automatically generated">
-            <a:extLst>
-              <a:ext uri="{FF2B5EF4-FFF2-40B4-BE49-F238E27FC236}">
-                <a16:creationId xmlns:a16="http://schemas.microsoft.com/office/drawing/2014/main" id="{55D09A92-9FA6-AD20-85FD-DC4F94CFC75A}"/>
+          <p:cNvPr id="3" name="Picture 2" descr="A computer code with many white text&#10;&#10;Description automatically generated with medium confidence">
+            <a:extLst>
+              <a:ext uri="{FF2B5EF4-FFF2-40B4-BE49-F238E27FC236}">
+                <a16:creationId xmlns:a16="http://schemas.microsoft.com/office/drawing/2014/main" id="{C03439AD-4086-2AA9-DB2A-94E9597943CA}"/>
               </a:ext>
             </a:extLst>
           </p:cNvPr>
@@ -5000,8 +7773,103 @@
         </p:blipFill>
         <p:spPr>
           <a:xfrm>
-            <a:off x="7007882" y="1553107"/>
-            <a:ext cx="4343400" cy="5016500"/>
+            <a:off x="99679" y="2923953"/>
+            <a:ext cx="5781012" cy="2820762"/>
+          </a:xfrm>
+          <a:prstGeom prst="rect">
+            <a:avLst/>
+          </a:prstGeom>
+        </p:spPr>
+      </p:pic>
+      <p:sp>
+        <p:nvSpPr>
+          <p:cNvPr id="4" name="TextBox 3">
+            <a:extLst>
+              <a:ext uri="{FF2B5EF4-FFF2-40B4-BE49-F238E27FC236}">
+                <a16:creationId xmlns:a16="http://schemas.microsoft.com/office/drawing/2014/main" id="{5C01EE67-EE6D-E060-2CCD-FDF5FEFB45C3}"/>
+              </a:ext>
+            </a:extLst>
+          </p:cNvPr>
+          <p:cNvSpPr txBox="1"/>
+          <p:nvPr/>
+        </p:nvSpPr>
+        <p:spPr>
+          <a:xfrm>
+            <a:off x="241052" y="1871525"/>
+            <a:ext cx="3512628" cy="707886"/>
+          </a:xfrm>
+          <a:prstGeom prst="rect">
+            <a:avLst/>
+          </a:prstGeom>
+          <a:noFill/>
+        </p:spPr>
+        <p:txBody>
+          <a:bodyPr wrap="none" rtlCol="0">
+            <a:spAutoFit/>
+          </a:bodyPr>
+          <a:lstStyle/>
+          <a:p>
+            <a:r>
+              <a:rPr lang="en-US" sz="4000" dirty="0"/>
+              <a:t>messy-script.R</a:t>
+            </a:r>
+          </a:p>
+        </p:txBody>
+      </p:sp>
+      <p:pic>
+        <p:nvPicPr>
+          <p:cNvPr id="12" name="Picture 11" descr="A screenshot of a computer&#10;&#10;Description automatically generated">
+            <a:extLst>
+              <a:ext uri="{FF2B5EF4-FFF2-40B4-BE49-F238E27FC236}">
+                <a16:creationId xmlns:a16="http://schemas.microsoft.com/office/drawing/2014/main" id="{C911EC37-110F-A8FA-B2C8-4781E0CA05ED}"/>
+              </a:ext>
+            </a:extLst>
+          </p:cNvPr>
+          <p:cNvPicPr>
+            <a:picLocks noChangeAspect="1"/>
+          </p:cNvPicPr>
+          <p:nvPr/>
+        </p:nvPicPr>
+        <p:blipFill>
+          <a:blip r:embed="rId3"/>
+          <a:stretch>
+            <a:fillRect/>
+          </a:stretch>
+        </p:blipFill>
+        <p:spPr>
+          <a:xfrm>
+            <a:off x="5929893" y="2080354"/>
+            <a:ext cx="6162428" cy="4507960"/>
+          </a:xfrm>
+          <a:prstGeom prst="rect">
+            <a:avLst/>
+          </a:prstGeom>
+        </p:spPr>
+      </p:pic>
+      <p:pic>
+        <p:nvPicPr>
+          <p:cNvPr id="7" name="Picture 6" descr="A blue text on a black background&#10;&#10;Description automatically generated">
+            <a:extLst>
+              <a:ext uri="{FF2B5EF4-FFF2-40B4-BE49-F238E27FC236}">
+                <a16:creationId xmlns:a16="http://schemas.microsoft.com/office/drawing/2014/main" id="{1330F842-AFBC-E778-2456-9B0E25E03AAF}"/>
+              </a:ext>
+            </a:extLst>
+          </p:cNvPr>
+          <p:cNvPicPr>
+            <a:picLocks noChangeAspect="1"/>
+          </p:cNvPicPr>
+          <p:nvPr/>
+        </p:nvPicPr>
+        <p:blipFill>
+          <a:blip r:embed="rId4"/>
+          <a:stretch>
+            <a:fillRect/>
+          </a:stretch>
+        </p:blipFill>
+        <p:spPr>
+          <a:xfrm>
+            <a:off x="8899668" y="1460419"/>
+            <a:ext cx="3121679" cy="751154"/>
           </a:xfrm>
           <a:prstGeom prst="rect">
             <a:avLst/>
@@ -5011,7 +7879,7 @@
     </p:spTree>
     <p:extLst>
       <p:ext uri="{BB962C8B-B14F-4D97-AF65-F5344CB8AC3E}">
-        <p14:creationId xmlns:p14="http://schemas.microsoft.com/office/powerpoint/2010/main" val="699148179"/>
+        <p14:creationId xmlns:p14="http://schemas.microsoft.com/office/powerpoint/2010/main" val="2603621769"/>
       </p:ext>
     </p:extLst>
   </p:cSld>
@@ -5038,12 +7906,300 @@
           <a:chExt cx="0" cy="0"/>
         </a:xfrm>
       </p:grpSpPr>
+      <p:sp>
+        <p:nvSpPr>
+          <p:cNvPr id="5" name="TextBox 4">
+            <a:extLst>
+              <a:ext uri="{FF2B5EF4-FFF2-40B4-BE49-F238E27FC236}">
+                <a16:creationId xmlns:a16="http://schemas.microsoft.com/office/drawing/2014/main" id="{9AE9227D-81CF-C9FF-B218-83006AED4433}"/>
+              </a:ext>
+            </a:extLst>
+          </p:cNvPr>
+          <p:cNvSpPr txBox="1"/>
+          <p:nvPr/>
+        </p:nvSpPr>
+        <p:spPr>
+          <a:xfrm>
+            <a:off x="5939312" y="2136338"/>
+            <a:ext cx="6060121" cy="3970318"/>
+          </a:xfrm>
+          <a:prstGeom prst="rect">
+            <a:avLst/>
+          </a:prstGeom>
+          <a:noFill/>
+          <a:ln w="25400">
+            <a:solidFill>
+              <a:srgbClr val="000000"/>
+            </a:solidFill>
+          </a:ln>
+        </p:spPr>
+        <p:txBody>
+          <a:bodyPr wrap="none" rtlCol="0">
+            <a:spAutoFit/>
+          </a:bodyPr>
+          <a:lstStyle/>
+          <a:p>
+            <a:r>
+              <a:rPr lang="en-US" dirty="0"/>
+              <a:t>R_OPTS=--vanilla</a:t>
+            </a:r>
+          </a:p>
+          <a:p>
+            <a:endParaRPr lang="en-US" dirty="0"/>
+          </a:p>
+          <a:p>
+            <a:r>
+              <a:rPr lang="en-US" dirty="0"/>
+              <a:t>.PHONY: clean</a:t>
+            </a:r>
+          </a:p>
+          <a:p>
+            <a:endParaRPr lang="en-US" dirty="0"/>
+          </a:p>
+          <a:p>
+            <a:r>
+              <a:rPr lang="en-US" dirty="0"/>
+              <a:t>all: mypaper.pdf</a:t>
+            </a:r>
+          </a:p>
+          <a:p>
+            <a:endParaRPr lang="en-US" dirty="0"/>
+          </a:p>
+          <a:p>
+            <a:r>
+              <a:rPr lang="en-US" dirty="0"/>
+              <a:t>report.html: report.bib report.qmd fig/table.png fig/plot.png</a:t>
+            </a:r>
+          </a:p>
+          <a:p>
+            <a:r>
+              <a:rPr lang="en-US" dirty="0"/>
+              <a:t>	quarto render report</a:t>
+            </a:r>
+          </a:p>
+          <a:p>
+            <a:endParaRPr lang="en-US" dirty="0"/>
+          </a:p>
+          <a:p>
+            <a:r>
+              <a:rPr lang="en-US" dirty="0">
+                <a:solidFill>
+                  <a:srgbClr val="FF0000"/>
+                </a:solidFill>
+              </a:rPr>
+              <a:t>figures/%.pdf: R/%.R</a:t>
+            </a:r>
+          </a:p>
+          <a:p>
+            <a:r>
+              <a:rPr lang="en-US" dirty="0">
+                <a:solidFill>
+                  <a:srgbClr val="FF0000"/>
+                </a:solidFill>
+              </a:rPr>
+              <a:t>	cd $(&lt;D);R CMD BATCH ${R_OPTS} $(&lt;F)</a:t>
+            </a:r>
+          </a:p>
+          <a:p>
+            <a:endParaRPr lang="en-US" dirty="0"/>
+          </a:p>
+          <a:p>
+            <a:r>
+              <a:rPr lang="en-US" dirty="0"/>
+              <a:t>clean:</a:t>
+            </a:r>
+          </a:p>
+          <a:p>
+            <a:r>
+              <a:rPr lang="en-US" dirty="0"/>
+              <a:t>	rm -rf figures report.html</a:t>
+            </a:r>
+          </a:p>
+        </p:txBody>
+      </p:sp>
+      <p:sp>
+        <p:nvSpPr>
+          <p:cNvPr id="58" name="TextBox 57">
+            <a:extLst>
+              <a:ext uri="{FF2B5EF4-FFF2-40B4-BE49-F238E27FC236}">
+                <a16:creationId xmlns:a16="http://schemas.microsoft.com/office/drawing/2014/main" id="{73A8FEA9-A3CF-922F-F6AC-7954649CDA93}"/>
+              </a:ext>
+            </a:extLst>
+          </p:cNvPr>
+          <p:cNvSpPr txBox="1"/>
+          <p:nvPr/>
+        </p:nvSpPr>
+        <p:spPr>
+          <a:xfrm>
+            <a:off x="2290680" y="203543"/>
+            <a:ext cx="1399011" cy="1569660"/>
+          </a:xfrm>
+          <a:prstGeom prst="rect">
+            <a:avLst/>
+          </a:prstGeom>
+          <a:noFill/>
+        </p:spPr>
+        <p:txBody>
+          <a:bodyPr wrap="square">
+            <a:spAutoFit/>
+          </a:bodyPr>
+          <a:lstStyle/>
+          <a:p>
+            <a:r>
+              <a:rPr lang="en-US" sz="9600" dirty="0"/>
+              <a:t>😱</a:t>
+            </a:r>
+          </a:p>
+        </p:txBody>
+      </p:sp>
+      <p:sp>
+        <p:nvSpPr>
+          <p:cNvPr id="59" name="TextBox 58">
+            <a:extLst>
+              <a:ext uri="{FF2B5EF4-FFF2-40B4-BE49-F238E27FC236}">
+                <a16:creationId xmlns:a16="http://schemas.microsoft.com/office/drawing/2014/main" id="{F021F3FF-8AD8-A14C-B729-C3A527BEB1FD}"/>
+              </a:ext>
+            </a:extLst>
+          </p:cNvPr>
+          <p:cNvSpPr txBox="1"/>
+          <p:nvPr/>
+        </p:nvSpPr>
+        <p:spPr>
+          <a:xfrm>
+            <a:off x="8261486" y="203543"/>
+            <a:ext cx="1415772" cy="1569660"/>
+          </a:xfrm>
+          <a:prstGeom prst="rect">
+            <a:avLst/>
+          </a:prstGeom>
+          <a:noFill/>
+        </p:spPr>
+        <p:txBody>
+          <a:bodyPr wrap="none" rtlCol="0">
+            <a:spAutoFit/>
+          </a:bodyPr>
+          <a:lstStyle/>
+          <a:p>
+            <a:r>
+              <a:rPr lang="en-US" sz="9600" dirty="0"/>
+              <a:t>😬</a:t>
+            </a:r>
+          </a:p>
+        </p:txBody>
+      </p:sp>
+      <p:sp>
+        <p:nvSpPr>
+          <p:cNvPr id="2" name="TextBox 1">
+            <a:extLst>
+              <a:ext uri="{FF2B5EF4-FFF2-40B4-BE49-F238E27FC236}">
+                <a16:creationId xmlns:a16="http://schemas.microsoft.com/office/drawing/2014/main" id="{9B45521C-CA5D-FAD3-1128-A8DBD60A6066}"/>
+              </a:ext>
+            </a:extLst>
+          </p:cNvPr>
+          <p:cNvSpPr txBox="1"/>
+          <p:nvPr/>
+        </p:nvSpPr>
+        <p:spPr>
+          <a:xfrm>
+            <a:off x="277627" y="1659285"/>
+            <a:ext cx="5748704" cy="4401205"/>
+          </a:xfrm>
+          <a:prstGeom prst="rect">
+            <a:avLst/>
+          </a:prstGeom>
+          <a:noFill/>
+        </p:spPr>
+        <p:txBody>
+          <a:bodyPr wrap="square" rtlCol="0">
+            <a:spAutoFit/>
+          </a:bodyPr>
+          <a:lstStyle/>
+          <a:p>
+            <a:endParaRPr lang="en-US" sz="2800" dirty="0"/>
+          </a:p>
+          <a:p>
+            <a:pPr marL="285750" indent="-285750">
+              <a:buFont typeface="Arial" panose="020B0604020202020204" pitchFamily="34" charset="0"/>
+              <a:buChar char="•"/>
+            </a:pPr>
+            <a:r>
+              <a:rPr lang="en-US" sz="2800" dirty="0"/>
+              <a:t>Can't understand the workflow!</a:t>
+            </a:r>
+          </a:p>
+          <a:p>
+            <a:pPr marL="285750" indent="-285750">
+              <a:buFont typeface="Arial" panose="020B0604020202020204" pitchFamily="34" charset="0"/>
+              <a:buChar char="•"/>
+            </a:pPr>
+            <a:endParaRPr lang="en-US" sz="2800" dirty="0"/>
+          </a:p>
+          <a:p>
+            <a:pPr marL="285750" indent="-285750">
+              <a:buFont typeface="Arial" panose="020B0604020202020204" pitchFamily="34" charset="0"/>
+              <a:buChar char="•"/>
+            </a:pPr>
+            <a:r>
+              <a:rPr lang="en-US" sz="2800" dirty="0"/>
+              <a:t>Too many scripts and data files!</a:t>
+            </a:r>
+          </a:p>
+          <a:p>
+            <a:pPr marL="285750" indent="-285750">
+              <a:buFont typeface="Arial" panose="020B0604020202020204" pitchFamily="34" charset="0"/>
+              <a:buChar char="•"/>
+            </a:pPr>
+            <a:endParaRPr lang="en-US" sz="2800" dirty="0"/>
+          </a:p>
+          <a:p>
+            <a:pPr marL="285750" indent="-285750">
+              <a:buFont typeface="Arial" panose="020B0604020202020204" pitchFamily="34" charset="0"/>
+              <a:buChar char="•"/>
+            </a:pPr>
+            <a:r>
+              <a:rPr lang="en-US" sz="2800" dirty="0"/>
+              <a:t>Takes too long to run everything!</a:t>
+            </a:r>
+          </a:p>
+          <a:p>
+            <a:pPr marL="285750" indent="-285750">
+              <a:buFont typeface="Arial" panose="020B0604020202020204" pitchFamily="34" charset="0"/>
+              <a:buChar char="•"/>
+            </a:pPr>
+            <a:endParaRPr lang="en-US" sz="2800" dirty="0"/>
+          </a:p>
+          <a:p>
+            <a:pPr marL="285750" indent="-285750">
+              <a:buFont typeface="Arial" panose="020B0604020202020204" pitchFamily="34" charset="0"/>
+              <a:buChar char="•"/>
+            </a:pPr>
+            <a:r>
+              <a:rPr lang="en-US" sz="2800" dirty="0"/>
+              <a:t>Do I even need to rerun this??!!</a:t>
+            </a:r>
+          </a:p>
+          <a:p>
+            <a:pPr marL="285750" indent="-285750">
+              <a:buFont typeface="Arial" panose="020B0604020202020204" pitchFamily="34" charset="0"/>
+              <a:buChar char="•"/>
+            </a:pPr>
+            <a:endParaRPr lang="en-US" sz="2800" dirty="0"/>
+          </a:p>
+          <a:p>
+            <a:pPr marL="285750" indent="-285750">
+              <a:buFont typeface="Arial" panose="020B0604020202020204" pitchFamily="34" charset="0"/>
+              <a:buChar char="•"/>
+            </a:pPr>
+            <a:endParaRPr lang="en-US" sz="2800" dirty="0"/>
+          </a:p>
+        </p:txBody>
+      </p:sp>
       <p:pic>
         <p:nvPicPr>
-          <p:cNvPr id="4" name="Picture 3" descr="A yellow cone shaped graph&#10;&#10;Description automatically generated with medium confidence">
-            <a:extLst>
-              <a:ext uri="{FF2B5EF4-FFF2-40B4-BE49-F238E27FC236}">
-                <a16:creationId xmlns:a16="http://schemas.microsoft.com/office/drawing/2014/main" id="{34326D39-8AD4-55D3-4C0F-8A3D882FC291}"/>
+          <p:cNvPr id="3" name="Picture 2" descr="A black and white image of a goat&#10;&#10;Description automatically generated">
+            <a:extLst>
+              <a:ext uri="{FF2B5EF4-FFF2-40B4-BE49-F238E27FC236}">
+                <a16:creationId xmlns:a16="http://schemas.microsoft.com/office/drawing/2014/main" id="{CF7DFFAA-5C7E-5668-FC0F-4B90E3B951DA}"/>
               </a:ext>
             </a:extLst>
           </p:cNvPr>
@@ -5060,6 +8216,889 @@
         </p:blipFill>
         <p:spPr>
           <a:xfrm>
+            <a:off x="8706480" y="1663987"/>
+            <a:ext cx="3378014" cy="1765013"/>
+          </a:xfrm>
+          <a:prstGeom prst="rect">
+            <a:avLst/>
+          </a:prstGeom>
+          <a:ln w="25400">
+            <a:solidFill>
+              <a:srgbClr val="000000"/>
+            </a:solidFill>
+          </a:ln>
+        </p:spPr>
+      </p:pic>
+      <p:sp>
+        <p:nvSpPr>
+          <p:cNvPr id="4" name="TextBox 3">
+            <a:extLst>
+              <a:ext uri="{FF2B5EF4-FFF2-40B4-BE49-F238E27FC236}">
+                <a16:creationId xmlns:a16="http://schemas.microsoft.com/office/drawing/2014/main" id="{F1D39EB9-4CF7-3A2A-5D9C-689AE605052B}"/>
+              </a:ext>
+            </a:extLst>
+          </p:cNvPr>
+          <p:cNvSpPr txBox="1"/>
+          <p:nvPr/>
+        </p:nvSpPr>
+        <p:spPr>
+          <a:xfrm>
+            <a:off x="7654604" y="6469791"/>
+            <a:ext cx="4537396" cy="369332"/>
+          </a:xfrm>
+          <a:prstGeom prst="rect">
+            <a:avLst/>
+          </a:prstGeom>
+          <a:noFill/>
+        </p:spPr>
+        <p:txBody>
+          <a:bodyPr wrap="none" rtlCol="0">
+            <a:spAutoFit/>
+          </a:bodyPr>
+          <a:lstStyle/>
+          <a:p>
+            <a:r>
+              <a:rPr lang="en-US" dirty="0"/>
+              <a:t>Credit: https://kbroman.org/minimal_make/</a:t>
+            </a:r>
+          </a:p>
+        </p:txBody>
+      </p:sp>
+      <p:sp>
+        <p:nvSpPr>
+          <p:cNvPr id="7" name="TextBox 6">
+            <a:extLst>
+              <a:ext uri="{FF2B5EF4-FFF2-40B4-BE49-F238E27FC236}">
+                <a16:creationId xmlns:a16="http://schemas.microsoft.com/office/drawing/2014/main" id="{03E8F24A-B515-B3FE-9F94-4C0D347E2CF0}"/>
+              </a:ext>
+            </a:extLst>
+          </p:cNvPr>
+          <p:cNvSpPr txBox="1"/>
+          <p:nvPr/>
+        </p:nvSpPr>
+        <p:spPr>
+          <a:xfrm>
+            <a:off x="10957051" y="4687785"/>
+            <a:ext cx="723275" cy="523220"/>
+          </a:xfrm>
+          <a:prstGeom prst="rect">
+            <a:avLst/>
+          </a:prstGeom>
+          <a:solidFill>
+            <a:srgbClr val="FFFF00"/>
+          </a:solidFill>
+          <a:ln w="25400">
+            <a:solidFill>
+              <a:srgbClr val="000000"/>
+            </a:solidFill>
+          </a:ln>
+        </p:spPr>
+        <p:txBody>
+          <a:bodyPr wrap="none" rtlCol="0">
+            <a:spAutoFit/>
+          </a:bodyPr>
+          <a:lstStyle/>
+          <a:p>
+            <a:r>
+              <a:rPr lang="en-US" sz="2800" dirty="0"/>
+              <a:t>???</a:t>
+            </a:r>
+          </a:p>
+        </p:txBody>
+      </p:sp>
+    </p:spTree>
+    <p:extLst>
+      <p:ext uri="{BB962C8B-B14F-4D97-AF65-F5344CB8AC3E}">
+        <p14:creationId xmlns:p14="http://schemas.microsoft.com/office/powerpoint/2010/main" val="699148179"/>
+      </p:ext>
+    </p:extLst>
+  </p:cSld>
+  <p:clrMapOvr>
+    <a:masterClrMapping/>
+  </p:clrMapOvr>
+</p:sld>
+</file>
+
+<file path=ppt/slides/slide6.xml><?xml version="1.0" encoding="utf-8"?>
+<p:sld xmlns:a="http://schemas.openxmlformats.org/drawingml/2006/main" xmlns:r="http://schemas.openxmlformats.org/officeDocument/2006/relationships" xmlns:p="http://schemas.openxmlformats.org/presentationml/2006/main">
+  <p:cSld>
+    <p:spTree>
+      <p:nvGrpSpPr>
+        <p:cNvPr id="1" name=""/>
+        <p:cNvGrpSpPr/>
+        <p:nvPr/>
+      </p:nvGrpSpPr>
+      <p:grpSpPr>
+        <a:xfrm>
+          <a:off x="0" y="0"/>
+          <a:ext cx="0" cy="0"/>
+          <a:chOff x="0" y="0"/>
+          <a:chExt cx="0" cy="0"/>
+        </a:xfrm>
+      </p:grpSpPr>
+      <p:sp>
+        <p:nvSpPr>
+          <p:cNvPr id="58" name="TextBox 57">
+            <a:extLst>
+              <a:ext uri="{FF2B5EF4-FFF2-40B4-BE49-F238E27FC236}">
+                <a16:creationId xmlns:a16="http://schemas.microsoft.com/office/drawing/2014/main" id="{73A8FEA9-A3CF-922F-F6AC-7954649CDA93}"/>
+              </a:ext>
+            </a:extLst>
+          </p:cNvPr>
+          <p:cNvSpPr txBox="1"/>
+          <p:nvPr/>
+        </p:nvSpPr>
+        <p:spPr>
+          <a:xfrm>
+            <a:off x="2290680" y="203543"/>
+            <a:ext cx="1399011" cy="1569660"/>
+          </a:xfrm>
+          <a:prstGeom prst="rect">
+            <a:avLst/>
+          </a:prstGeom>
+          <a:noFill/>
+        </p:spPr>
+        <p:txBody>
+          <a:bodyPr wrap="square">
+            <a:spAutoFit/>
+          </a:bodyPr>
+          <a:lstStyle/>
+          <a:p>
+            <a:r>
+              <a:rPr lang="en-US" sz="9600" dirty="0"/>
+              <a:t>😱</a:t>
+            </a:r>
+          </a:p>
+        </p:txBody>
+      </p:sp>
+      <p:sp>
+        <p:nvSpPr>
+          <p:cNvPr id="59" name="TextBox 58">
+            <a:extLst>
+              <a:ext uri="{FF2B5EF4-FFF2-40B4-BE49-F238E27FC236}">
+                <a16:creationId xmlns:a16="http://schemas.microsoft.com/office/drawing/2014/main" id="{F021F3FF-8AD8-A14C-B729-C3A527BEB1FD}"/>
+              </a:ext>
+            </a:extLst>
+          </p:cNvPr>
+          <p:cNvSpPr txBox="1"/>
+          <p:nvPr/>
+        </p:nvSpPr>
+        <p:spPr>
+          <a:xfrm>
+            <a:off x="8471696" y="203543"/>
+            <a:ext cx="1415772" cy="1569660"/>
+          </a:xfrm>
+          <a:prstGeom prst="rect">
+            <a:avLst/>
+          </a:prstGeom>
+          <a:noFill/>
+        </p:spPr>
+        <p:txBody>
+          <a:bodyPr wrap="none" rtlCol="0">
+            <a:spAutoFit/>
+          </a:bodyPr>
+          <a:lstStyle/>
+          <a:p>
+            <a:r>
+              <a:rPr lang="en-US" sz="9600" dirty="0"/>
+              <a:t>😌</a:t>
+            </a:r>
+          </a:p>
+        </p:txBody>
+      </p:sp>
+      <p:sp>
+        <p:nvSpPr>
+          <p:cNvPr id="2" name="TextBox 1">
+            <a:extLst>
+              <a:ext uri="{FF2B5EF4-FFF2-40B4-BE49-F238E27FC236}">
+                <a16:creationId xmlns:a16="http://schemas.microsoft.com/office/drawing/2014/main" id="{9B45521C-CA5D-FAD3-1128-A8DBD60A6066}"/>
+              </a:ext>
+            </a:extLst>
+          </p:cNvPr>
+          <p:cNvSpPr txBox="1"/>
+          <p:nvPr/>
+        </p:nvSpPr>
+        <p:spPr>
+          <a:xfrm>
+            <a:off x="277627" y="1659285"/>
+            <a:ext cx="5748704" cy="4401205"/>
+          </a:xfrm>
+          <a:prstGeom prst="rect">
+            <a:avLst/>
+          </a:prstGeom>
+          <a:noFill/>
+        </p:spPr>
+        <p:txBody>
+          <a:bodyPr wrap="square" rtlCol="0">
+            <a:spAutoFit/>
+          </a:bodyPr>
+          <a:lstStyle/>
+          <a:p>
+            <a:endParaRPr lang="en-US" sz="2800" dirty="0"/>
+          </a:p>
+          <a:p>
+            <a:pPr marL="285750" indent="-285750">
+              <a:buFont typeface="Arial" panose="020B0604020202020204" pitchFamily="34" charset="0"/>
+              <a:buChar char="•"/>
+            </a:pPr>
+            <a:r>
+              <a:rPr lang="en-US" sz="2800" dirty="0"/>
+              <a:t>Can't understand the workflow!</a:t>
+            </a:r>
+          </a:p>
+          <a:p>
+            <a:pPr marL="285750" indent="-285750">
+              <a:buFont typeface="Arial" panose="020B0604020202020204" pitchFamily="34" charset="0"/>
+              <a:buChar char="•"/>
+            </a:pPr>
+            <a:endParaRPr lang="en-US" sz="2800" dirty="0"/>
+          </a:p>
+          <a:p>
+            <a:pPr marL="285750" indent="-285750">
+              <a:buFont typeface="Arial" panose="020B0604020202020204" pitchFamily="34" charset="0"/>
+              <a:buChar char="•"/>
+            </a:pPr>
+            <a:r>
+              <a:rPr lang="en-US" sz="2800" dirty="0"/>
+              <a:t>Too many scripts and data files!</a:t>
+            </a:r>
+          </a:p>
+          <a:p>
+            <a:pPr marL="285750" indent="-285750">
+              <a:buFont typeface="Arial" panose="020B0604020202020204" pitchFamily="34" charset="0"/>
+              <a:buChar char="•"/>
+            </a:pPr>
+            <a:endParaRPr lang="en-US" sz="2800" dirty="0"/>
+          </a:p>
+          <a:p>
+            <a:pPr marL="285750" indent="-285750">
+              <a:buFont typeface="Arial" panose="020B0604020202020204" pitchFamily="34" charset="0"/>
+              <a:buChar char="•"/>
+            </a:pPr>
+            <a:r>
+              <a:rPr lang="en-US" sz="2800" dirty="0"/>
+              <a:t>Takes too long to run everything!</a:t>
+            </a:r>
+          </a:p>
+          <a:p>
+            <a:pPr marL="285750" indent="-285750">
+              <a:buFont typeface="Arial" panose="020B0604020202020204" pitchFamily="34" charset="0"/>
+              <a:buChar char="•"/>
+            </a:pPr>
+            <a:endParaRPr lang="en-US" sz="2800" dirty="0"/>
+          </a:p>
+          <a:p>
+            <a:pPr marL="285750" indent="-285750">
+              <a:buFont typeface="Arial" panose="020B0604020202020204" pitchFamily="34" charset="0"/>
+              <a:buChar char="•"/>
+            </a:pPr>
+            <a:r>
+              <a:rPr lang="en-US" sz="2800" dirty="0"/>
+              <a:t>Do I even need to rerun this??!!</a:t>
+            </a:r>
+          </a:p>
+          <a:p>
+            <a:pPr marL="285750" indent="-285750">
+              <a:buFont typeface="Arial" panose="020B0604020202020204" pitchFamily="34" charset="0"/>
+              <a:buChar char="•"/>
+            </a:pPr>
+            <a:endParaRPr lang="en-US" sz="2800" dirty="0"/>
+          </a:p>
+          <a:p>
+            <a:pPr marL="285750" indent="-285750">
+              <a:buFont typeface="Arial" panose="020B0604020202020204" pitchFamily="34" charset="0"/>
+              <a:buChar char="•"/>
+            </a:pPr>
+            <a:endParaRPr lang="en-US" sz="2800" dirty="0"/>
+          </a:p>
+        </p:txBody>
+      </p:sp>
+      <p:pic>
+        <p:nvPicPr>
+          <p:cNvPr id="6" name="Picture 5" descr="A logo of a company&#10;&#10;Description automatically generated">
+            <a:extLst>
+              <a:ext uri="{FF2B5EF4-FFF2-40B4-BE49-F238E27FC236}">
+                <a16:creationId xmlns:a16="http://schemas.microsoft.com/office/drawing/2014/main" id="{55D09A92-9FA6-AD20-85FD-DC4F94CFC75A}"/>
+              </a:ext>
+            </a:extLst>
+          </p:cNvPr>
+          <p:cNvPicPr>
+            <a:picLocks noChangeAspect="1"/>
+          </p:cNvPicPr>
+          <p:nvPr/>
+        </p:nvPicPr>
+        <p:blipFill>
+          <a:blip r:embed="rId2"/>
+          <a:stretch>
+            <a:fillRect/>
+          </a:stretch>
+        </p:blipFill>
+        <p:spPr>
+          <a:xfrm>
+            <a:off x="7007882" y="1542475"/>
+            <a:ext cx="4343400" cy="5016500"/>
+          </a:xfrm>
+          <a:prstGeom prst="rect">
+            <a:avLst/>
+          </a:prstGeom>
+        </p:spPr>
+      </p:pic>
+    </p:spTree>
+    <p:extLst>
+      <p:ext uri="{BB962C8B-B14F-4D97-AF65-F5344CB8AC3E}">
+        <p14:creationId xmlns:p14="http://schemas.microsoft.com/office/powerpoint/2010/main" val="231674593"/>
+      </p:ext>
+    </p:extLst>
+  </p:cSld>
+  <p:clrMapOvr>
+    <a:masterClrMapping/>
+  </p:clrMapOvr>
+</p:sld>
+</file>
+
+<file path=ppt/slides/slide7.xml><?xml version="1.0" encoding="utf-8"?>
+<p:sld xmlns:a="http://schemas.openxmlformats.org/drawingml/2006/main" xmlns:r="http://schemas.openxmlformats.org/officeDocument/2006/relationships" xmlns:p="http://schemas.openxmlformats.org/presentationml/2006/main">
+  <p:cSld>
+    <p:spTree>
+      <p:nvGrpSpPr>
+        <p:cNvPr id="1" name=""/>
+        <p:cNvGrpSpPr/>
+        <p:nvPr/>
+      </p:nvGrpSpPr>
+      <p:grpSpPr>
+        <a:xfrm>
+          <a:off x="0" y="0"/>
+          <a:ext cx="0" cy="0"/>
+          <a:chOff x="0" y="0"/>
+          <a:chExt cx="0" cy="0"/>
+        </a:xfrm>
+      </p:grpSpPr>
+      <p:sp>
+        <p:nvSpPr>
+          <p:cNvPr id="9" name="Right Arrow 8">
+            <a:extLst>
+              <a:ext uri="{FF2B5EF4-FFF2-40B4-BE49-F238E27FC236}">
+                <a16:creationId xmlns:a16="http://schemas.microsoft.com/office/drawing/2014/main" id="{4260ACDF-6DB6-CAEC-527E-CDC6A5D2005B}"/>
+              </a:ext>
+            </a:extLst>
+          </p:cNvPr>
+          <p:cNvSpPr/>
+          <p:nvPr/>
+        </p:nvSpPr>
+        <p:spPr>
+          <a:xfrm>
+            <a:off x="8846288" y="2424223"/>
+            <a:ext cx="2710708" cy="2009554"/>
+          </a:xfrm>
+          <a:prstGeom prst="rightArrow">
+            <a:avLst/>
+          </a:prstGeom>
+          <a:solidFill>
+            <a:schemeClr val="accent3"/>
+          </a:solidFill>
+          <a:ln>
+            <a:noFill/>
+          </a:ln>
+        </p:spPr>
+        <p:style>
+          <a:lnRef idx="2">
+            <a:schemeClr val="accent1">
+              <a:shade val="15000"/>
+            </a:schemeClr>
+          </a:lnRef>
+          <a:fillRef idx="1">
+            <a:schemeClr val="accent1"/>
+          </a:fillRef>
+          <a:effectRef idx="0">
+            <a:schemeClr val="accent1"/>
+          </a:effectRef>
+          <a:fontRef idx="minor">
+            <a:schemeClr val="lt1"/>
+          </a:fontRef>
+        </p:style>
+        <p:txBody>
+          <a:bodyPr rtlCol="0" anchor="ctr"/>
+          <a:lstStyle/>
+          <a:p>
+            <a:pPr algn="ctr"/>
+            <a:r>
+              <a:rPr lang="en-US" sz="4800" dirty="0"/>
+              <a:t>2020</a:t>
+            </a:r>
+          </a:p>
+        </p:txBody>
+      </p:sp>
+      <p:sp>
+        <p:nvSpPr>
+          <p:cNvPr id="11" name="Right Arrow 10">
+            <a:extLst>
+              <a:ext uri="{FF2B5EF4-FFF2-40B4-BE49-F238E27FC236}">
+                <a16:creationId xmlns:a16="http://schemas.microsoft.com/office/drawing/2014/main" id="{94B502D5-49AA-36B8-F807-A6D5B68E5244}"/>
+              </a:ext>
+            </a:extLst>
+          </p:cNvPr>
+          <p:cNvSpPr/>
+          <p:nvPr/>
+        </p:nvSpPr>
+        <p:spPr>
+          <a:xfrm>
+            <a:off x="6135580" y="2424223"/>
+            <a:ext cx="2710708" cy="2009554"/>
+          </a:xfrm>
+          <a:prstGeom prst="rightArrow">
+            <a:avLst/>
+          </a:prstGeom>
+          <a:solidFill>
+            <a:schemeClr val="accent1"/>
+          </a:solidFill>
+          <a:ln>
+            <a:noFill/>
+          </a:ln>
+        </p:spPr>
+        <p:style>
+          <a:lnRef idx="2">
+            <a:schemeClr val="accent1">
+              <a:shade val="15000"/>
+            </a:schemeClr>
+          </a:lnRef>
+          <a:fillRef idx="1">
+            <a:schemeClr val="accent1"/>
+          </a:fillRef>
+          <a:effectRef idx="0">
+            <a:schemeClr val="accent1"/>
+          </a:effectRef>
+          <a:fontRef idx="minor">
+            <a:schemeClr val="lt1"/>
+          </a:fontRef>
+        </p:style>
+        <p:txBody>
+          <a:bodyPr rtlCol="0" anchor="ctr"/>
+          <a:lstStyle/>
+          <a:p>
+            <a:pPr algn="ctr"/>
+            <a:r>
+              <a:rPr lang="en-US" sz="4800" dirty="0"/>
+              <a:t>2017</a:t>
+            </a:r>
+          </a:p>
+        </p:txBody>
+      </p:sp>
+      <p:sp>
+        <p:nvSpPr>
+          <p:cNvPr id="12" name="Right Arrow 11">
+            <a:extLst>
+              <a:ext uri="{FF2B5EF4-FFF2-40B4-BE49-F238E27FC236}">
+                <a16:creationId xmlns:a16="http://schemas.microsoft.com/office/drawing/2014/main" id="{2EC9742D-9211-A6B2-B860-67BB1DA1F32B}"/>
+              </a:ext>
+            </a:extLst>
+          </p:cNvPr>
+          <p:cNvSpPr/>
+          <p:nvPr/>
+        </p:nvSpPr>
+        <p:spPr>
+          <a:xfrm>
+            <a:off x="3424872" y="2424223"/>
+            <a:ext cx="2710708" cy="2009554"/>
+          </a:xfrm>
+          <a:prstGeom prst="rightArrow">
+            <a:avLst/>
+          </a:prstGeom>
+          <a:solidFill>
+            <a:schemeClr val="accent5"/>
+          </a:solidFill>
+          <a:ln>
+            <a:noFill/>
+          </a:ln>
+        </p:spPr>
+        <p:style>
+          <a:lnRef idx="2">
+            <a:schemeClr val="accent1">
+              <a:shade val="15000"/>
+            </a:schemeClr>
+          </a:lnRef>
+          <a:fillRef idx="1">
+            <a:schemeClr val="accent1"/>
+          </a:fillRef>
+          <a:effectRef idx="0">
+            <a:schemeClr val="accent1"/>
+          </a:effectRef>
+          <a:fontRef idx="minor">
+            <a:schemeClr val="lt1"/>
+          </a:fontRef>
+        </p:style>
+        <p:txBody>
+          <a:bodyPr rtlCol="0" anchor="ctr"/>
+          <a:lstStyle/>
+          <a:p>
+            <a:pPr algn="ctr"/>
+            <a:r>
+              <a:rPr lang="en-US" sz="4800" dirty="0"/>
+              <a:t>2014</a:t>
+            </a:r>
+          </a:p>
+        </p:txBody>
+      </p:sp>
+      <p:pic>
+        <p:nvPicPr>
+          <p:cNvPr id="14" name="Picture 13" descr="A black and white image of a goat&#10;&#10;Description automatically generated">
+            <a:extLst>
+              <a:ext uri="{FF2B5EF4-FFF2-40B4-BE49-F238E27FC236}">
+                <a16:creationId xmlns:a16="http://schemas.microsoft.com/office/drawing/2014/main" id="{282E2259-A2B2-C898-7356-1E183710EFCB}"/>
+              </a:ext>
+            </a:extLst>
+          </p:cNvPr>
+          <p:cNvPicPr>
+            <a:picLocks noChangeAspect="1"/>
+          </p:cNvPicPr>
+          <p:nvPr/>
+        </p:nvPicPr>
+        <p:blipFill>
+          <a:blip r:embed="rId2"/>
+          <a:stretch>
+            <a:fillRect/>
+          </a:stretch>
+        </p:blipFill>
+        <p:spPr>
+          <a:xfrm>
+            <a:off x="-787468" y="4095192"/>
+            <a:ext cx="4476867" cy="2339163"/>
+          </a:xfrm>
+          <a:prstGeom prst="rect">
+            <a:avLst/>
+          </a:prstGeom>
+        </p:spPr>
+      </p:pic>
+      <p:sp>
+        <p:nvSpPr>
+          <p:cNvPr id="17" name="Rectangle 16">
+            <a:extLst>
+              <a:ext uri="{FF2B5EF4-FFF2-40B4-BE49-F238E27FC236}">
+                <a16:creationId xmlns:a16="http://schemas.microsoft.com/office/drawing/2014/main" id="{B7E7E062-F76C-8247-1F90-3756792BDE91}"/>
+              </a:ext>
+            </a:extLst>
+          </p:cNvPr>
+          <p:cNvSpPr/>
+          <p:nvPr/>
+        </p:nvSpPr>
+        <p:spPr>
+          <a:xfrm>
+            <a:off x="70221" y="5897410"/>
+            <a:ext cx="3157869" cy="446568"/>
+          </a:xfrm>
+          <a:prstGeom prst="rect">
+            <a:avLst/>
+          </a:prstGeom>
+          <a:solidFill>
+            <a:schemeClr val="bg1"/>
+          </a:solidFill>
+          <a:ln>
+            <a:noFill/>
+          </a:ln>
+        </p:spPr>
+        <p:style>
+          <a:lnRef idx="2">
+            <a:schemeClr val="accent1">
+              <a:shade val="15000"/>
+            </a:schemeClr>
+          </a:lnRef>
+          <a:fillRef idx="1">
+            <a:schemeClr val="accent1"/>
+          </a:fillRef>
+          <a:effectRef idx="0">
+            <a:schemeClr val="accent1"/>
+          </a:effectRef>
+          <a:fontRef idx="minor">
+            <a:schemeClr val="lt1"/>
+          </a:fontRef>
+        </p:style>
+        <p:txBody>
+          <a:bodyPr rtlCol="0" anchor="ctr"/>
+          <a:lstStyle/>
+          <a:p>
+            <a:pPr algn="ctr"/>
+            <a:endParaRPr lang="en-US" dirty="0"/>
+          </a:p>
+        </p:txBody>
+      </p:sp>
+      <p:sp>
+        <p:nvSpPr>
+          <p:cNvPr id="15" name="TextBox 14">
+            <a:extLst>
+              <a:ext uri="{FF2B5EF4-FFF2-40B4-BE49-F238E27FC236}">
+                <a16:creationId xmlns:a16="http://schemas.microsoft.com/office/drawing/2014/main" id="{9C5CB6C9-C378-B509-3C6A-4C9D78C22747}"/>
+              </a:ext>
+            </a:extLst>
+          </p:cNvPr>
+          <p:cNvSpPr txBox="1"/>
+          <p:nvPr/>
+        </p:nvSpPr>
+        <p:spPr>
+          <a:xfrm>
+            <a:off x="562800" y="5796401"/>
+            <a:ext cx="1606209" cy="830997"/>
+          </a:xfrm>
+          <a:prstGeom prst="rect">
+            <a:avLst/>
+          </a:prstGeom>
+          <a:noFill/>
+        </p:spPr>
+        <p:txBody>
+          <a:bodyPr wrap="none" rtlCol="0">
+            <a:spAutoFit/>
+          </a:bodyPr>
+          <a:lstStyle/>
+          <a:p>
+            <a:r>
+              <a:rPr lang="en-US" sz="4800" dirty="0"/>
+              <a:t>Make</a:t>
+            </a:r>
+          </a:p>
+        </p:txBody>
+      </p:sp>
+      <p:sp>
+        <p:nvSpPr>
+          <p:cNvPr id="18" name="TextBox 17">
+            <a:extLst>
+              <a:ext uri="{FF2B5EF4-FFF2-40B4-BE49-F238E27FC236}">
+                <a16:creationId xmlns:a16="http://schemas.microsoft.com/office/drawing/2014/main" id="{785A9979-7E44-4339-7494-44B444B22E2C}"/>
+              </a:ext>
+            </a:extLst>
+          </p:cNvPr>
+          <p:cNvSpPr txBox="1"/>
+          <p:nvPr/>
+        </p:nvSpPr>
+        <p:spPr>
+          <a:xfrm>
+            <a:off x="3610418" y="1593226"/>
+            <a:ext cx="2343590" cy="830997"/>
+          </a:xfrm>
+          <a:prstGeom prst="rect">
+            <a:avLst/>
+          </a:prstGeom>
+          <a:noFill/>
+        </p:spPr>
+        <p:txBody>
+          <a:bodyPr wrap="none" rtlCol="0">
+            <a:spAutoFit/>
+          </a:bodyPr>
+          <a:lstStyle/>
+          <a:p>
+            <a:r>
+              <a:rPr lang="en-US" sz="4800" dirty="0"/>
+              <a:t>Remake</a:t>
+            </a:r>
+          </a:p>
+        </p:txBody>
+      </p:sp>
+      <p:pic>
+        <p:nvPicPr>
+          <p:cNvPr id="20" name="Graphic 19">
+            <a:extLst>
+              <a:ext uri="{FF2B5EF4-FFF2-40B4-BE49-F238E27FC236}">
+                <a16:creationId xmlns:a16="http://schemas.microsoft.com/office/drawing/2014/main" id="{B24895B2-FF57-37F8-38D7-5EA3A26B8B12}"/>
+              </a:ext>
+            </a:extLst>
+          </p:cNvPr>
+          <p:cNvPicPr>
+            <a:picLocks noChangeAspect="1"/>
+          </p:cNvPicPr>
+          <p:nvPr/>
+        </p:nvPicPr>
+        <p:blipFill>
+          <a:blip r:embed="rId3">
+            <a:extLst>
+              <a:ext uri="{96DAC541-7B7A-43D3-8B79-37D633B846F1}">
+                <asvg:svgBlip xmlns:asvg="http://schemas.microsoft.com/office/drawing/2016/SVG/main" r:embed="rId4"/>
+              </a:ext>
+            </a:extLst>
+          </a:blip>
+          <a:stretch>
+            <a:fillRect/>
+          </a:stretch>
+        </p:blipFill>
+        <p:spPr>
+          <a:xfrm>
+            <a:off x="2986257" y="871749"/>
+            <a:ext cx="1136977" cy="879430"/>
+          </a:xfrm>
+          <a:prstGeom prst="rect">
+            <a:avLst/>
+          </a:prstGeom>
+        </p:spPr>
+      </p:pic>
+      <p:sp>
+        <p:nvSpPr>
+          <p:cNvPr id="13" name="Right Arrow 12">
+            <a:extLst>
+              <a:ext uri="{FF2B5EF4-FFF2-40B4-BE49-F238E27FC236}">
+                <a16:creationId xmlns:a16="http://schemas.microsoft.com/office/drawing/2014/main" id="{F9F71AA2-84FB-9BE8-25C0-CAC532B1C72A}"/>
+              </a:ext>
+            </a:extLst>
+          </p:cNvPr>
+          <p:cNvSpPr/>
+          <p:nvPr/>
+        </p:nvSpPr>
+        <p:spPr>
+          <a:xfrm>
+            <a:off x="714164" y="2424223"/>
+            <a:ext cx="2710708" cy="2009554"/>
+          </a:xfrm>
+          <a:prstGeom prst="rightArrow">
+            <a:avLst/>
+          </a:prstGeom>
+          <a:solidFill>
+            <a:schemeClr val="accent2"/>
+          </a:solidFill>
+          <a:ln>
+            <a:noFill/>
+          </a:ln>
+        </p:spPr>
+        <p:style>
+          <a:lnRef idx="2">
+            <a:schemeClr val="accent1">
+              <a:shade val="15000"/>
+            </a:schemeClr>
+          </a:lnRef>
+          <a:fillRef idx="1">
+            <a:schemeClr val="accent1"/>
+          </a:fillRef>
+          <a:effectRef idx="0">
+            <a:schemeClr val="accent1"/>
+          </a:effectRef>
+          <a:fontRef idx="minor">
+            <a:schemeClr val="lt1"/>
+          </a:fontRef>
+        </p:style>
+        <p:txBody>
+          <a:bodyPr rtlCol="0" anchor="ctr"/>
+          <a:lstStyle/>
+          <a:p>
+            <a:pPr algn="ctr"/>
+            <a:r>
+              <a:rPr lang="en-US" sz="4800" dirty="0"/>
+              <a:t>1976</a:t>
+            </a:r>
+          </a:p>
+        </p:txBody>
+      </p:sp>
+      <p:pic>
+        <p:nvPicPr>
+          <p:cNvPr id="24" name="Graphic 23">
+            <a:extLst>
+              <a:ext uri="{FF2B5EF4-FFF2-40B4-BE49-F238E27FC236}">
+                <a16:creationId xmlns:a16="http://schemas.microsoft.com/office/drawing/2014/main" id="{1659F5AA-A6D1-DC8C-BE9C-5C9AEEDC9318}"/>
+              </a:ext>
+            </a:extLst>
+          </p:cNvPr>
+          <p:cNvPicPr>
+            <a:picLocks noChangeAspect="1"/>
+          </p:cNvPicPr>
+          <p:nvPr/>
+        </p:nvPicPr>
+        <p:blipFill>
+          <a:blip r:embed="rId5">
+            <a:extLst>
+              <a:ext uri="{96DAC541-7B7A-43D3-8B79-37D633B846F1}">
+                <asvg:svgBlip xmlns:asvg="http://schemas.microsoft.com/office/drawing/2016/SVG/main" r:embed="rId6"/>
+              </a:ext>
+            </a:extLst>
+          </a:blip>
+          <a:stretch>
+            <a:fillRect/>
+          </a:stretch>
+        </p:blipFill>
+        <p:spPr>
+          <a:xfrm>
+            <a:off x="6135580" y="4264485"/>
+            <a:ext cx="2020186" cy="2339163"/>
+          </a:xfrm>
+          <a:prstGeom prst="rect">
+            <a:avLst/>
+          </a:prstGeom>
+        </p:spPr>
+      </p:pic>
+      <p:pic>
+        <p:nvPicPr>
+          <p:cNvPr id="26" name="Picture 25" descr="A logo of a company&#10;&#10;Description automatically generated">
+            <a:extLst>
+              <a:ext uri="{FF2B5EF4-FFF2-40B4-BE49-F238E27FC236}">
+                <a16:creationId xmlns:a16="http://schemas.microsoft.com/office/drawing/2014/main" id="{A1D998C7-842C-A329-1DF7-CC1B117A11EF}"/>
+              </a:ext>
+            </a:extLst>
+          </p:cNvPr>
+          <p:cNvPicPr>
+            <a:picLocks noChangeAspect="1"/>
+          </p:cNvPicPr>
+          <p:nvPr/>
+        </p:nvPicPr>
+        <p:blipFill>
+          <a:blip r:embed="rId7"/>
+          <a:stretch>
+            <a:fillRect/>
+          </a:stretch>
+        </p:blipFill>
+        <p:spPr>
+          <a:xfrm>
+            <a:off x="8846288" y="423644"/>
+            <a:ext cx="2025301" cy="2339163"/>
+          </a:xfrm>
+          <a:prstGeom prst="rect">
+            <a:avLst/>
+          </a:prstGeom>
+        </p:spPr>
+      </p:pic>
+    </p:spTree>
+    <p:extLst>
+      <p:ext uri="{BB962C8B-B14F-4D97-AF65-F5344CB8AC3E}">
+        <p14:creationId xmlns:p14="http://schemas.microsoft.com/office/powerpoint/2010/main" val="2967248134"/>
+      </p:ext>
+    </p:extLst>
+  </p:cSld>
+  <p:clrMapOvr>
+    <a:masterClrMapping/>
+  </p:clrMapOvr>
+</p:sld>
+</file>
+
+<file path=ppt/slides/slide8.xml><?xml version="1.0" encoding="utf-8"?>
+<p:sld xmlns:a="http://schemas.openxmlformats.org/drawingml/2006/main" xmlns:r="http://schemas.openxmlformats.org/officeDocument/2006/relationships" xmlns:p="http://schemas.openxmlformats.org/presentationml/2006/main">
+  <p:cSld>
+    <p:spTree>
+      <p:nvGrpSpPr>
+        <p:cNvPr id="1" name=""/>
+        <p:cNvGrpSpPr/>
+        <p:nvPr/>
+      </p:nvGrpSpPr>
+      <p:grpSpPr>
+        <a:xfrm>
+          <a:off x="0" y="0"/>
+          <a:ext cx="0" cy="0"/>
+          <a:chOff x="0" y="0"/>
+          <a:chExt cx="0" cy="0"/>
+        </a:xfrm>
+      </p:grpSpPr>
+      <p:pic>
+        <p:nvPicPr>
+          <p:cNvPr id="4" name="Picture 3" descr="A yellow cone shaped graph&#10;&#10;Description automatically generated with medium confidence">
+            <a:extLst>
+              <a:ext uri="{FF2B5EF4-FFF2-40B4-BE49-F238E27FC236}">
+                <a16:creationId xmlns:a16="http://schemas.microsoft.com/office/drawing/2014/main" id="{34326D39-8AD4-55D3-4C0F-8A3D882FC291}"/>
+              </a:ext>
+            </a:extLst>
+          </p:cNvPr>
+          <p:cNvPicPr>
+            <a:picLocks noChangeAspect="1"/>
+          </p:cNvPicPr>
+          <p:nvPr/>
+        </p:nvPicPr>
+        <p:blipFill>
+          <a:blip r:embed="rId2"/>
+          <a:stretch>
+            <a:fillRect/>
+          </a:stretch>
+        </p:blipFill>
+        <p:spPr>
+          <a:xfrm>
             <a:off x="99604" y="1111613"/>
             <a:ext cx="4650377" cy="3235455"/>
           </a:xfrm>
@@ -5137,6 +9176,973 @@
     <p:extLst>
       <p:ext uri="{BB962C8B-B14F-4D97-AF65-F5344CB8AC3E}">
         <p14:creationId xmlns:p14="http://schemas.microsoft.com/office/powerpoint/2010/main" val="2560415659"/>
+      </p:ext>
+    </p:extLst>
+  </p:cSld>
+  <p:clrMapOvr>
+    <a:masterClrMapping/>
+  </p:clrMapOvr>
+</p:sld>
+</file>
+
+<file path=ppt/slides/slide9.xml><?xml version="1.0" encoding="utf-8"?>
+<p:sld xmlns:a="http://schemas.openxmlformats.org/drawingml/2006/main" xmlns:r="http://schemas.openxmlformats.org/officeDocument/2006/relationships" xmlns:p="http://schemas.openxmlformats.org/presentationml/2006/main">
+  <p:cSld>
+    <p:spTree>
+      <p:nvGrpSpPr>
+        <p:cNvPr id="1" name=""/>
+        <p:cNvGrpSpPr/>
+        <p:nvPr/>
+      </p:nvGrpSpPr>
+      <p:grpSpPr>
+        <a:xfrm>
+          <a:off x="0" y="0"/>
+          <a:ext cx="0" cy="0"/>
+          <a:chOff x="0" y="0"/>
+          <a:chExt cx="0" cy="0"/>
+        </a:xfrm>
+      </p:grpSpPr>
+      <p:sp>
+        <p:nvSpPr>
+          <p:cNvPr id="2" name="Rounded Rectangle 1">
+            <a:extLst>
+              <a:ext uri="{FF2B5EF4-FFF2-40B4-BE49-F238E27FC236}">
+                <a16:creationId xmlns:a16="http://schemas.microsoft.com/office/drawing/2014/main" id="{7F8D9EAD-DF56-C2B4-55E0-90F88A1F06C7}"/>
+              </a:ext>
+            </a:extLst>
+          </p:cNvPr>
+          <p:cNvSpPr/>
+          <p:nvPr/>
+        </p:nvSpPr>
+        <p:spPr>
+          <a:xfrm>
+            <a:off x="4606834" y="1867990"/>
+            <a:ext cx="2769326" cy="470263"/>
+          </a:xfrm>
+          <a:prstGeom prst="roundRect">
+            <a:avLst/>
+          </a:prstGeom>
+          <a:solidFill>
+            <a:schemeClr val="bg2">
+              <a:lumMod val="50000"/>
+            </a:schemeClr>
+          </a:solidFill>
+          <a:ln>
+            <a:noFill/>
+          </a:ln>
+        </p:spPr>
+        <p:style>
+          <a:lnRef idx="2">
+            <a:schemeClr val="accent1">
+              <a:shade val="15000"/>
+            </a:schemeClr>
+          </a:lnRef>
+          <a:fillRef idx="1">
+            <a:schemeClr val="accent1"/>
+          </a:fillRef>
+          <a:effectRef idx="0">
+            <a:schemeClr val="accent1"/>
+          </a:effectRef>
+          <a:fontRef idx="minor">
+            <a:schemeClr val="lt1"/>
+          </a:fontRef>
+        </p:style>
+        <p:txBody>
+          <a:bodyPr rtlCol="0" anchor="ctr"/>
+          <a:lstStyle/>
+          <a:p>
+            <a:pPr algn="ctr"/>
+            <a:r>
+              <a:rPr lang="en-US" dirty="0"/>
+              <a:t>ranks_subgroup_1</a:t>
+            </a:r>
+          </a:p>
+        </p:txBody>
+      </p:sp>
+      <p:sp>
+        <p:nvSpPr>
+          <p:cNvPr id="3" name="Rounded Rectangle 2">
+            <a:extLst>
+              <a:ext uri="{FF2B5EF4-FFF2-40B4-BE49-F238E27FC236}">
+                <a16:creationId xmlns:a16="http://schemas.microsoft.com/office/drawing/2014/main" id="{B04FFD33-323A-0519-E182-920B16E2704E}"/>
+              </a:ext>
+            </a:extLst>
+          </p:cNvPr>
+          <p:cNvSpPr/>
+          <p:nvPr/>
+        </p:nvSpPr>
+        <p:spPr>
+          <a:xfrm>
+            <a:off x="4606834" y="3061064"/>
+            <a:ext cx="2769326" cy="470263"/>
+          </a:xfrm>
+          <a:prstGeom prst="roundRect">
+            <a:avLst/>
+          </a:prstGeom>
+          <a:solidFill>
+            <a:schemeClr val="bg2">
+              <a:lumMod val="50000"/>
+            </a:schemeClr>
+          </a:solidFill>
+          <a:ln>
+            <a:noFill/>
+          </a:ln>
+        </p:spPr>
+        <p:style>
+          <a:lnRef idx="2">
+            <a:schemeClr val="accent1">
+              <a:shade val="15000"/>
+            </a:schemeClr>
+          </a:lnRef>
+          <a:fillRef idx="1">
+            <a:schemeClr val="accent1"/>
+          </a:fillRef>
+          <a:effectRef idx="0">
+            <a:schemeClr val="accent1"/>
+          </a:effectRef>
+          <a:fontRef idx="minor">
+            <a:schemeClr val="lt1"/>
+          </a:fontRef>
+        </p:style>
+        <p:txBody>
+          <a:bodyPr rtlCol="0" anchor="ctr"/>
+          <a:lstStyle/>
+          <a:p>
+            <a:pPr algn="ctr"/>
+            <a:r>
+              <a:rPr lang="en-US" dirty="0"/>
+              <a:t>ranks_subgroup_2</a:t>
+            </a:r>
+          </a:p>
+        </p:txBody>
+      </p:sp>
+      <p:sp>
+        <p:nvSpPr>
+          <p:cNvPr id="4" name="Rounded Rectangle 3">
+            <a:extLst>
+              <a:ext uri="{FF2B5EF4-FFF2-40B4-BE49-F238E27FC236}">
+                <a16:creationId xmlns:a16="http://schemas.microsoft.com/office/drawing/2014/main" id="{85802116-6BF7-C3AB-308F-257EE776C521}"/>
+              </a:ext>
+            </a:extLst>
+          </p:cNvPr>
+          <p:cNvSpPr/>
+          <p:nvPr/>
+        </p:nvSpPr>
+        <p:spPr>
+          <a:xfrm>
+            <a:off x="4606834" y="4254138"/>
+            <a:ext cx="2769326" cy="470263"/>
+          </a:xfrm>
+          <a:prstGeom prst="roundRect">
+            <a:avLst/>
+          </a:prstGeom>
+          <a:solidFill>
+            <a:schemeClr val="bg2">
+              <a:lumMod val="50000"/>
+            </a:schemeClr>
+          </a:solidFill>
+          <a:ln>
+            <a:noFill/>
+          </a:ln>
+        </p:spPr>
+        <p:style>
+          <a:lnRef idx="2">
+            <a:schemeClr val="accent1">
+              <a:shade val="15000"/>
+            </a:schemeClr>
+          </a:lnRef>
+          <a:fillRef idx="1">
+            <a:schemeClr val="accent1"/>
+          </a:fillRef>
+          <a:effectRef idx="0">
+            <a:schemeClr val="accent1"/>
+          </a:effectRef>
+          <a:fontRef idx="minor">
+            <a:schemeClr val="lt1"/>
+          </a:fontRef>
+        </p:style>
+        <p:txBody>
+          <a:bodyPr rtlCol="0" anchor="ctr"/>
+          <a:lstStyle/>
+          <a:p>
+            <a:pPr algn="ctr"/>
+            <a:r>
+              <a:rPr lang="en-US" dirty="0"/>
+              <a:t>ranks_unstructured_1</a:t>
+            </a:r>
+          </a:p>
+        </p:txBody>
+      </p:sp>
+      <p:sp>
+        <p:nvSpPr>
+          <p:cNvPr id="5" name="Rounded Rectangle 4">
+            <a:extLst>
+              <a:ext uri="{FF2B5EF4-FFF2-40B4-BE49-F238E27FC236}">
+                <a16:creationId xmlns:a16="http://schemas.microsoft.com/office/drawing/2014/main" id="{32E8BF9A-84D2-EE8F-1677-5F326EBEC764}"/>
+              </a:ext>
+            </a:extLst>
+          </p:cNvPr>
+          <p:cNvSpPr/>
+          <p:nvPr/>
+        </p:nvSpPr>
+        <p:spPr>
+          <a:xfrm>
+            <a:off x="4606834" y="5447212"/>
+            <a:ext cx="2769326" cy="470263"/>
+          </a:xfrm>
+          <a:prstGeom prst="roundRect">
+            <a:avLst/>
+          </a:prstGeom>
+          <a:solidFill>
+            <a:schemeClr val="bg2">
+              <a:lumMod val="50000"/>
+            </a:schemeClr>
+          </a:solidFill>
+          <a:ln>
+            <a:noFill/>
+          </a:ln>
+        </p:spPr>
+        <p:style>
+          <a:lnRef idx="2">
+            <a:schemeClr val="accent1">
+              <a:shade val="15000"/>
+            </a:schemeClr>
+          </a:lnRef>
+          <a:fillRef idx="1">
+            <a:schemeClr val="accent1"/>
+          </a:fillRef>
+          <a:effectRef idx="0">
+            <a:schemeClr val="accent1"/>
+          </a:effectRef>
+          <a:fontRef idx="minor">
+            <a:schemeClr val="lt1"/>
+          </a:fontRef>
+        </p:style>
+        <p:txBody>
+          <a:bodyPr rtlCol="0" anchor="ctr"/>
+          <a:lstStyle/>
+          <a:p>
+            <a:pPr algn="ctr"/>
+            <a:r>
+              <a:rPr lang="en-US" dirty="0"/>
+              <a:t>ranks_unstructured_1</a:t>
+            </a:r>
+          </a:p>
+        </p:txBody>
+      </p:sp>
+      <p:sp>
+        <p:nvSpPr>
+          <p:cNvPr id="6" name="Rounded Rectangle 5">
+            <a:extLst>
+              <a:ext uri="{FF2B5EF4-FFF2-40B4-BE49-F238E27FC236}">
+                <a16:creationId xmlns:a16="http://schemas.microsoft.com/office/drawing/2014/main" id="{6260099C-74A3-45E6-11CF-4EA0B1B002EB}"/>
+              </a:ext>
+            </a:extLst>
+          </p:cNvPr>
+          <p:cNvSpPr/>
+          <p:nvPr/>
+        </p:nvSpPr>
+        <p:spPr>
+          <a:xfrm>
+            <a:off x="836020" y="4850677"/>
+            <a:ext cx="2769326" cy="470263"/>
+          </a:xfrm>
+          <a:prstGeom prst="roundRect">
+            <a:avLst/>
+          </a:prstGeom>
+          <a:solidFill>
+            <a:srgbClr val="FFC000"/>
+          </a:solidFill>
+          <a:ln>
+            <a:noFill/>
+          </a:ln>
+        </p:spPr>
+        <p:style>
+          <a:lnRef idx="2">
+            <a:schemeClr val="accent1">
+              <a:shade val="15000"/>
+            </a:schemeClr>
+          </a:lnRef>
+          <a:fillRef idx="1">
+            <a:schemeClr val="accent1"/>
+          </a:fillRef>
+          <a:effectRef idx="0">
+            <a:schemeClr val="accent1"/>
+          </a:effectRef>
+          <a:fontRef idx="minor">
+            <a:schemeClr val="lt1"/>
+          </a:fontRef>
+        </p:style>
+        <p:txBody>
+          <a:bodyPr rtlCol="0" anchor="ctr"/>
+          <a:lstStyle/>
+          <a:p>
+            <a:pPr algn="ctr"/>
+            <a:r>
+              <a:rPr lang="en-US" dirty="0">
+                <a:solidFill>
+                  <a:schemeClr val="tx1"/>
+                </a:solidFill>
+              </a:rPr>
+              <a:t>prior_unstructured</a:t>
+            </a:r>
+          </a:p>
+        </p:txBody>
+      </p:sp>
+      <p:sp>
+        <p:nvSpPr>
+          <p:cNvPr id="7" name="Rounded Rectangle 6">
+            <a:extLst>
+              <a:ext uri="{FF2B5EF4-FFF2-40B4-BE49-F238E27FC236}">
+                <a16:creationId xmlns:a16="http://schemas.microsoft.com/office/drawing/2014/main" id="{04F1DC95-5D3B-DF68-15E1-DE67F1E9F992}"/>
+              </a:ext>
+            </a:extLst>
+          </p:cNvPr>
+          <p:cNvSpPr/>
+          <p:nvPr/>
+        </p:nvSpPr>
+        <p:spPr>
+          <a:xfrm>
+            <a:off x="836020" y="2464530"/>
+            <a:ext cx="2769326" cy="470263"/>
+          </a:xfrm>
+          <a:prstGeom prst="roundRect">
+            <a:avLst/>
+          </a:prstGeom>
+          <a:solidFill>
+            <a:srgbClr val="FFC000"/>
+          </a:solidFill>
+          <a:ln>
+            <a:noFill/>
+          </a:ln>
+        </p:spPr>
+        <p:style>
+          <a:lnRef idx="2">
+            <a:schemeClr val="accent1">
+              <a:shade val="15000"/>
+            </a:schemeClr>
+          </a:lnRef>
+          <a:fillRef idx="1">
+            <a:schemeClr val="accent1"/>
+          </a:fillRef>
+          <a:effectRef idx="0">
+            <a:schemeClr val="accent1"/>
+          </a:effectRef>
+          <a:fontRef idx="minor">
+            <a:schemeClr val="lt1"/>
+          </a:fontRef>
+        </p:style>
+        <p:txBody>
+          <a:bodyPr rtlCol="0" anchor="ctr"/>
+          <a:lstStyle/>
+          <a:p>
+            <a:pPr algn="ctr"/>
+            <a:r>
+              <a:rPr lang="en-US" dirty="0">
+                <a:solidFill>
+                  <a:schemeClr val="tx1"/>
+                </a:solidFill>
+              </a:rPr>
+              <a:t>prior_subgroup</a:t>
+            </a:r>
+          </a:p>
+        </p:txBody>
+      </p:sp>
+      <p:sp>
+        <p:nvSpPr>
+          <p:cNvPr id="8" name="Rounded Rectangle 7">
+            <a:extLst>
+              <a:ext uri="{FF2B5EF4-FFF2-40B4-BE49-F238E27FC236}">
+                <a16:creationId xmlns:a16="http://schemas.microsoft.com/office/drawing/2014/main" id="{F71AFDAA-A7CA-A607-1A78-0601CE848F46}"/>
+              </a:ext>
+            </a:extLst>
+          </p:cNvPr>
+          <p:cNvSpPr/>
+          <p:nvPr/>
+        </p:nvSpPr>
+        <p:spPr>
+          <a:xfrm>
+            <a:off x="8586654" y="2473237"/>
+            <a:ext cx="2769326" cy="470263"/>
+          </a:xfrm>
+          <a:prstGeom prst="roundRect">
+            <a:avLst/>
+          </a:prstGeom>
+          <a:solidFill>
+            <a:schemeClr val="bg2">
+              <a:lumMod val="50000"/>
+            </a:schemeClr>
+          </a:solidFill>
+          <a:ln>
+            <a:noFill/>
+          </a:ln>
+        </p:spPr>
+        <p:style>
+          <a:lnRef idx="2">
+            <a:schemeClr val="accent1">
+              <a:shade val="15000"/>
+            </a:schemeClr>
+          </a:lnRef>
+          <a:fillRef idx="1">
+            <a:schemeClr val="accent1"/>
+          </a:fillRef>
+          <a:effectRef idx="0">
+            <a:schemeClr val="accent1"/>
+          </a:effectRef>
+          <a:fontRef idx="minor">
+            <a:schemeClr val="lt1"/>
+          </a:fontRef>
+        </p:style>
+        <p:txBody>
+          <a:bodyPr rtlCol="0" anchor="ctr"/>
+          <a:lstStyle/>
+          <a:p>
+            <a:pPr algn="ctr"/>
+            <a:r>
+              <a:rPr lang="en-US" dirty="0"/>
+              <a:t>results_subgroup</a:t>
+            </a:r>
+          </a:p>
+        </p:txBody>
+      </p:sp>
+      <p:sp>
+        <p:nvSpPr>
+          <p:cNvPr id="9" name="Rounded Rectangle 8">
+            <a:extLst>
+              <a:ext uri="{FF2B5EF4-FFF2-40B4-BE49-F238E27FC236}">
+                <a16:creationId xmlns:a16="http://schemas.microsoft.com/office/drawing/2014/main" id="{177824EC-766B-AE7C-2461-107B05E0BC54}"/>
+              </a:ext>
+            </a:extLst>
+          </p:cNvPr>
+          <p:cNvSpPr/>
+          <p:nvPr/>
+        </p:nvSpPr>
+        <p:spPr>
+          <a:xfrm>
+            <a:off x="8586654" y="4850677"/>
+            <a:ext cx="2769326" cy="470263"/>
+          </a:xfrm>
+          <a:prstGeom prst="roundRect">
+            <a:avLst/>
+          </a:prstGeom>
+          <a:solidFill>
+            <a:schemeClr val="bg2">
+              <a:lumMod val="50000"/>
+            </a:schemeClr>
+          </a:solidFill>
+          <a:ln>
+            <a:noFill/>
+          </a:ln>
+        </p:spPr>
+        <p:style>
+          <a:lnRef idx="2">
+            <a:schemeClr val="accent1">
+              <a:shade val="15000"/>
+            </a:schemeClr>
+          </a:lnRef>
+          <a:fillRef idx="1">
+            <a:schemeClr val="accent1"/>
+          </a:fillRef>
+          <a:effectRef idx="0">
+            <a:schemeClr val="accent1"/>
+          </a:effectRef>
+          <a:fontRef idx="minor">
+            <a:schemeClr val="lt1"/>
+          </a:fontRef>
+        </p:style>
+        <p:txBody>
+          <a:bodyPr rtlCol="0" anchor="ctr"/>
+          <a:lstStyle/>
+          <a:p>
+            <a:pPr algn="ctr"/>
+            <a:r>
+              <a:rPr lang="en-US" dirty="0"/>
+              <a:t>results_subgroup</a:t>
+            </a:r>
+          </a:p>
+        </p:txBody>
+      </p:sp>
+      <p:pic>
+        <p:nvPicPr>
+          <p:cNvPr id="10" name="Picture 9" descr="A cartoon of a person wearing a hard hat&#10;&#10;Description automatically generated">
+            <a:extLst>
+              <a:ext uri="{FF2B5EF4-FFF2-40B4-BE49-F238E27FC236}">
+                <a16:creationId xmlns:a16="http://schemas.microsoft.com/office/drawing/2014/main" id="{596FEDB4-36FC-9003-E7D9-CCAAA9843A29}"/>
+              </a:ext>
+            </a:extLst>
+          </p:cNvPr>
+          <p:cNvPicPr>
+            <a:picLocks noChangeAspect="1"/>
+          </p:cNvPicPr>
+          <p:nvPr/>
+        </p:nvPicPr>
+        <p:blipFill>
+          <a:blip r:embed="rId2"/>
+          <a:stretch>
+            <a:fillRect/>
+          </a:stretch>
+        </p:blipFill>
+        <p:spPr>
+          <a:xfrm>
+            <a:off x="505996" y="1158240"/>
+            <a:ext cx="967927" cy="1288871"/>
+          </a:xfrm>
+          <a:prstGeom prst="rect">
+            <a:avLst/>
+          </a:prstGeom>
+        </p:spPr>
+      </p:pic>
+      <p:pic>
+        <p:nvPicPr>
+          <p:cNvPr id="11" name="Picture 10" descr="A cartoon character wearing a yellow hard hat&#10;&#10;Description automatically generated">
+            <a:extLst>
+              <a:ext uri="{FF2B5EF4-FFF2-40B4-BE49-F238E27FC236}">
+                <a16:creationId xmlns:a16="http://schemas.microsoft.com/office/drawing/2014/main" id="{0E330F18-2CE9-8ADE-3BED-F3FBE87C7DC9}"/>
+              </a:ext>
+            </a:extLst>
+          </p:cNvPr>
+          <p:cNvPicPr>
+            <a:picLocks noChangeAspect="1"/>
+          </p:cNvPicPr>
+          <p:nvPr/>
+        </p:nvPicPr>
+        <p:blipFill>
+          <a:blip r:embed="rId3"/>
+          <a:stretch>
+            <a:fillRect/>
+          </a:stretch>
+        </p:blipFill>
+        <p:spPr>
+          <a:xfrm>
+            <a:off x="656573" y="3531326"/>
+            <a:ext cx="914712" cy="1298789"/>
+          </a:xfrm>
+          <a:prstGeom prst="rect">
+            <a:avLst/>
+          </a:prstGeom>
+        </p:spPr>
+      </p:pic>
+      <p:sp>
+        <p:nvSpPr>
+          <p:cNvPr id="12" name="TextBox 11">
+            <a:extLst>
+              <a:ext uri="{FF2B5EF4-FFF2-40B4-BE49-F238E27FC236}">
+                <a16:creationId xmlns:a16="http://schemas.microsoft.com/office/drawing/2014/main" id="{AD49BC57-8A61-2022-7415-9CEF866DC849}"/>
+              </a:ext>
+            </a:extLst>
+          </p:cNvPr>
+          <p:cNvSpPr txBox="1"/>
+          <p:nvPr/>
+        </p:nvSpPr>
+        <p:spPr>
+          <a:xfrm>
+            <a:off x="102586" y="4288973"/>
+            <a:ext cx="836020" cy="646331"/>
+          </a:xfrm>
+          <a:prstGeom prst="rect">
+            <a:avLst/>
+          </a:prstGeom>
+          <a:noFill/>
+        </p:spPr>
+        <p:txBody>
+          <a:bodyPr wrap="square" rtlCol="0">
+            <a:spAutoFit/>
+          </a:bodyPr>
+          <a:lstStyle/>
+          <a:p>
+            <a:r>
+              <a:rPr lang="en-US" sz="3600" dirty="0"/>
+              <a:t>👋🏽</a:t>
+            </a:r>
+          </a:p>
+        </p:txBody>
+      </p:sp>
+      <p:sp>
+        <p:nvSpPr>
+          <p:cNvPr id="13" name="TextBox 12">
+            <a:extLst>
+              <a:ext uri="{FF2B5EF4-FFF2-40B4-BE49-F238E27FC236}">
+                <a16:creationId xmlns:a16="http://schemas.microsoft.com/office/drawing/2014/main" id="{A8C13FE4-7B7C-28FB-92AB-7B7780FC97E1}"/>
+              </a:ext>
+            </a:extLst>
+          </p:cNvPr>
+          <p:cNvSpPr txBox="1"/>
+          <p:nvPr/>
+        </p:nvSpPr>
+        <p:spPr>
+          <a:xfrm>
+            <a:off x="8706" y="1964064"/>
+            <a:ext cx="836020" cy="646331"/>
+          </a:xfrm>
+          <a:prstGeom prst="rect">
+            <a:avLst/>
+          </a:prstGeom>
+          <a:noFill/>
+        </p:spPr>
+        <p:txBody>
+          <a:bodyPr wrap="square" rtlCol="0">
+            <a:spAutoFit/>
+          </a:bodyPr>
+          <a:lstStyle/>
+          <a:p>
+            <a:r>
+              <a:rPr lang="en-US" sz="3600" dirty="0"/>
+              <a:t>👋🏽</a:t>
+            </a:r>
+          </a:p>
+        </p:txBody>
+      </p:sp>
+      <p:cxnSp>
+        <p:nvCxnSpPr>
+          <p:cNvPr id="17" name="Curved Connector 16">
+            <a:extLst>
+              <a:ext uri="{FF2B5EF4-FFF2-40B4-BE49-F238E27FC236}">
+                <a16:creationId xmlns:a16="http://schemas.microsoft.com/office/drawing/2014/main" id="{27FEDFD1-90F7-6C69-4049-54CB2138AF58}"/>
+              </a:ext>
+            </a:extLst>
+          </p:cNvPr>
+          <p:cNvCxnSpPr>
+            <a:stCxn id="6" idx="3"/>
+            <a:endCxn id="5" idx="1"/>
+          </p:cNvCxnSpPr>
+          <p:nvPr/>
+        </p:nvCxnSpPr>
+        <p:spPr>
+          <a:xfrm>
+            <a:off x="3605346" y="5085809"/>
+            <a:ext cx="1001488" cy="596535"/>
+          </a:xfrm>
+          <a:prstGeom prst="curvedConnector3">
+            <a:avLst/>
+          </a:prstGeom>
+          <a:ln w="38100">
+            <a:tailEnd type="triangle"/>
+          </a:ln>
+        </p:spPr>
+        <p:style>
+          <a:lnRef idx="2">
+            <a:schemeClr val="dk1"/>
+          </a:lnRef>
+          <a:fillRef idx="0">
+            <a:schemeClr val="dk1"/>
+          </a:fillRef>
+          <a:effectRef idx="1">
+            <a:schemeClr val="dk1"/>
+          </a:effectRef>
+          <a:fontRef idx="minor">
+            <a:schemeClr val="tx1"/>
+          </a:fontRef>
+        </p:style>
+      </p:cxnSp>
+      <p:cxnSp>
+        <p:nvCxnSpPr>
+          <p:cNvPr id="18" name="Curved Connector 17">
+            <a:extLst>
+              <a:ext uri="{FF2B5EF4-FFF2-40B4-BE49-F238E27FC236}">
+                <a16:creationId xmlns:a16="http://schemas.microsoft.com/office/drawing/2014/main" id="{4D644018-B9DA-2FE8-15D5-4A79DB97C392}"/>
+              </a:ext>
+            </a:extLst>
+          </p:cNvPr>
+          <p:cNvCxnSpPr>
+            <a:cxnSpLocks/>
+            <a:stCxn id="6" idx="3"/>
+            <a:endCxn id="4" idx="1"/>
+          </p:cNvCxnSpPr>
+          <p:nvPr/>
+        </p:nvCxnSpPr>
+        <p:spPr>
+          <a:xfrm flipV="1">
+            <a:off x="3605346" y="4489270"/>
+            <a:ext cx="1001488" cy="596539"/>
+          </a:xfrm>
+          <a:prstGeom prst="curvedConnector3">
+            <a:avLst/>
+          </a:prstGeom>
+          <a:ln w="38100">
+            <a:tailEnd type="triangle"/>
+          </a:ln>
+        </p:spPr>
+        <p:style>
+          <a:lnRef idx="2">
+            <a:schemeClr val="dk1"/>
+          </a:lnRef>
+          <a:fillRef idx="0">
+            <a:schemeClr val="dk1"/>
+          </a:fillRef>
+          <a:effectRef idx="1">
+            <a:schemeClr val="dk1"/>
+          </a:effectRef>
+          <a:fontRef idx="minor">
+            <a:schemeClr val="tx1"/>
+          </a:fontRef>
+        </p:style>
+      </p:cxnSp>
+      <p:cxnSp>
+        <p:nvCxnSpPr>
+          <p:cNvPr id="21" name="Curved Connector 20">
+            <a:extLst>
+              <a:ext uri="{FF2B5EF4-FFF2-40B4-BE49-F238E27FC236}">
+                <a16:creationId xmlns:a16="http://schemas.microsoft.com/office/drawing/2014/main" id="{F145A298-898A-B0C7-F09B-62FB62D0B7C3}"/>
+              </a:ext>
+            </a:extLst>
+          </p:cNvPr>
+          <p:cNvCxnSpPr>
+            <a:cxnSpLocks/>
+            <a:stCxn id="7" idx="3"/>
+            <a:endCxn id="2" idx="1"/>
+          </p:cNvCxnSpPr>
+          <p:nvPr/>
+        </p:nvCxnSpPr>
+        <p:spPr>
+          <a:xfrm flipV="1">
+            <a:off x="3605346" y="2103122"/>
+            <a:ext cx="1001488" cy="596540"/>
+          </a:xfrm>
+          <a:prstGeom prst="curvedConnector3">
+            <a:avLst/>
+          </a:prstGeom>
+          <a:ln w="38100">
+            <a:tailEnd type="triangle"/>
+          </a:ln>
+        </p:spPr>
+        <p:style>
+          <a:lnRef idx="2">
+            <a:schemeClr val="dk1"/>
+          </a:lnRef>
+          <a:fillRef idx="0">
+            <a:schemeClr val="dk1"/>
+          </a:fillRef>
+          <a:effectRef idx="1">
+            <a:schemeClr val="dk1"/>
+          </a:effectRef>
+          <a:fontRef idx="minor">
+            <a:schemeClr val="tx1"/>
+          </a:fontRef>
+        </p:style>
+      </p:cxnSp>
+      <p:cxnSp>
+        <p:nvCxnSpPr>
+          <p:cNvPr id="25" name="Curved Connector 24">
+            <a:extLst>
+              <a:ext uri="{FF2B5EF4-FFF2-40B4-BE49-F238E27FC236}">
+                <a16:creationId xmlns:a16="http://schemas.microsoft.com/office/drawing/2014/main" id="{CA240115-5955-D63B-261E-463813E6C6DC}"/>
+              </a:ext>
+            </a:extLst>
+          </p:cNvPr>
+          <p:cNvCxnSpPr>
+            <a:cxnSpLocks/>
+            <a:stCxn id="7" idx="3"/>
+            <a:endCxn id="3" idx="1"/>
+          </p:cNvCxnSpPr>
+          <p:nvPr/>
+        </p:nvCxnSpPr>
+        <p:spPr>
+          <a:xfrm>
+            <a:off x="3605346" y="2699662"/>
+            <a:ext cx="1001488" cy="596534"/>
+          </a:xfrm>
+          <a:prstGeom prst="curvedConnector3">
+            <a:avLst/>
+          </a:prstGeom>
+          <a:ln w="38100">
+            <a:tailEnd type="triangle"/>
+          </a:ln>
+        </p:spPr>
+        <p:style>
+          <a:lnRef idx="2">
+            <a:schemeClr val="dk1"/>
+          </a:lnRef>
+          <a:fillRef idx="0">
+            <a:schemeClr val="dk1"/>
+          </a:fillRef>
+          <a:effectRef idx="1">
+            <a:schemeClr val="dk1"/>
+          </a:effectRef>
+          <a:fontRef idx="minor">
+            <a:schemeClr val="tx1"/>
+          </a:fontRef>
+        </p:style>
+      </p:cxnSp>
+      <p:cxnSp>
+        <p:nvCxnSpPr>
+          <p:cNvPr id="28" name="Curved Connector 27">
+            <a:extLst>
+              <a:ext uri="{FF2B5EF4-FFF2-40B4-BE49-F238E27FC236}">
+                <a16:creationId xmlns:a16="http://schemas.microsoft.com/office/drawing/2014/main" id="{AEFCDE9D-1F50-9A85-F5D1-B83E91C8DFA3}"/>
+              </a:ext>
+            </a:extLst>
+          </p:cNvPr>
+          <p:cNvCxnSpPr>
+            <a:cxnSpLocks/>
+            <a:stCxn id="2" idx="3"/>
+            <a:endCxn id="8" idx="1"/>
+          </p:cNvCxnSpPr>
+          <p:nvPr/>
+        </p:nvCxnSpPr>
+        <p:spPr>
+          <a:xfrm>
+            <a:off x="7376160" y="2103122"/>
+            <a:ext cx="1210494" cy="605247"/>
+          </a:xfrm>
+          <a:prstGeom prst="curvedConnector3">
+            <a:avLst/>
+          </a:prstGeom>
+          <a:ln w="38100">
+            <a:tailEnd type="triangle"/>
+          </a:ln>
+        </p:spPr>
+        <p:style>
+          <a:lnRef idx="2">
+            <a:schemeClr val="dk1"/>
+          </a:lnRef>
+          <a:fillRef idx="0">
+            <a:schemeClr val="dk1"/>
+          </a:fillRef>
+          <a:effectRef idx="1">
+            <a:schemeClr val="dk1"/>
+          </a:effectRef>
+          <a:fontRef idx="minor">
+            <a:schemeClr val="tx1"/>
+          </a:fontRef>
+        </p:style>
+      </p:cxnSp>
+      <p:cxnSp>
+        <p:nvCxnSpPr>
+          <p:cNvPr id="31" name="Curved Connector 30">
+            <a:extLst>
+              <a:ext uri="{FF2B5EF4-FFF2-40B4-BE49-F238E27FC236}">
+                <a16:creationId xmlns:a16="http://schemas.microsoft.com/office/drawing/2014/main" id="{7EEB7CA1-1354-A15B-5108-6B9D2EA98EF1}"/>
+              </a:ext>
+            </a:extLst>
+          </p:cNvPr>
+          <p:cNvCxnSpPr>
+            <a:cxnSpLocks/>
+            <a:stCxn id="3" idx="3"/>
+            <a:endCxn id="8" idx="1"/>
+          </p:cNvCxnSpPr>
+          <p:nvPr/>
+        </p:nvCxnSpPr>
+        <p:spPr>
+          <a:xfrm flipV="1">
+            <a:off x="7376160" y="2708369"/>
+            <a:ext cx="1210494" cy="587827"/>
+          </a:xfrm>
+          <a:prstGeom prst="curvedConnector3">
+            <a:avLst/>
+          </a:prstGeom>
+          <a:ln w="38100">
+            <a:tailEnd type="triangle"/>
+          </a:ln>
+        </p:spPr>
+        <p:style>
+          <a:lnRef idx="2">
+            <a:schemeClr val="dk1"/>
+          </a:lnRef>
+          <a:fillRef idx="0">
+            <a:schemeClr val="dk1"/>
+          </a:fillRef>
+          <a:effectRef idx="1">
+            <a:schemeClr val="dk1"/>
+          </a:effectRef>
+          <a:fontRef idx="minor">
+            <a:schemeClr val="tx1"/>
+          </a:fontRef>
+        </p:style>
+      </p:cxnSp>
+      <p:cxnSp>
+        <p:nvCxnSpPr>
+          <p:cNvPr id="34" name="Curved Connector 33">
+            <a:extLst>
+              <a:ext uri="{FF2B5EF4-FFF2-40B4-BE49-F238E27FC236}">
+                <a16:creationId xmlns:a16="http://schemas.microsoft.com/office/drawing/2014/main" id="{478EBA93-AE9B-92B8-FF73-5E1B539D1080}"/>
+              </a:ext>
+            </a:extLst>
+          </p:cNvPr>
+          <p:cNvCxnSpPr>
+            <a:cxnSpLocks/>
+            <a:stCxn id="4" idx="3"/>
+            <a:endCxn id="9" idx="1"/>
+          </p:cNvCxnSpPr>
+          <p:nvPr/>
+        </p:nvCxnSpPr>
+        <p:spPr>
+          <a:xfrm>
+            <a:off x="7376160" y="4489270"/>
+            <a:ext cx="1210494" cy="596539"/>
+          </a:xfrm>
+          <a:prstGeom prst="curvedConnector3">
+            <a:avLst>
+              <a:gd name="adj1" fmla="val 50000"/>
+            </a:avLst>
+          </a:prstGeom>
+          <a:ln w="38100">
+            <a:tailEnd type="triangle"/>
+          </a:ln>
+        </p:spPr>
+        <p:style>
+          <a:lnRef idx="2">
+            <a:schemeClr val="dk1"/>
+          </a:lnRef>
+          <a:fillRef idx="0">
+            <a:schemeClr val="dk1"/>
+          </a:fillRef>
+          <a:effectRef idx="1">
+            <a:schemeClr val="dk1"/>
+          </a:effectRef>
+          <a:fontRef idx="minor">
+            <a:schemeClr val="tx1"/>
+          </a:fontRef>
+        </p:style>
+      </p:cxnSp>
+      <p:cxnSp>
+        <p:nvCxnSpPr>
+          <p:cNvPr id="37" name="Curved Connector 36">
+            <a:extLst>
+              <a:ext uri="{FF2B5EF4-FFF2-40B4-BE49-F238E27FC236}">
+                <a16:creationId xmlns:a16="http://schemas.microsoft.com/office/drawing/2014/main" id="{A9E1F7AD-CEDF-6F39-0220-9638CE18CBE9}"/>
+              </a:ext>
+            </a:extLst>
+          </p:cNvPr>
+          <p:cNvCxnSpPr>
+            <a:cxnSpLocks/>
+            <a:stCxn id="5" idx="3"/>
+            <a:endCxn id="9" idx="1"/>
+          </p:cNvCxnSpPr>
+          <p:nvPr/>
+        </p:nvCxnSpPr>
+        <p:spPr>
+          <a:xfrm flipV="1">
+            <a:off x="7376160" y="5085809"/>
+            <a:ext cx="1210494" cy="596535"/>
+          </a:xfrm>
+          <a:prstGeom prst="curvedConnector3">
+            <a:avLst>
+              <a:gd name="adj1" fmla="val 50000"/>
+            </a:avLst>
+          </a:prstGeom>
+          <a:ln w="38100">
+            <a:tailEnd type="triangle"/>
+          </a:ln>
+        </p:spPr>
+        <p:style>
+          <a:lnRef idx="2">
+            <a:schemeClr val="dk1"/>
+          </a:lnRef>
+          <a:fillRef idx="0">
+            <a:schemeClr val="dk1"/>
+          </a:fillRef>
+          <a:effectRef idx="1">
+            <a:schemeClr val="dk1"/>
+          </a:effectRef>
+          <a:fontRef idx="minor">
+            <a:schemeClr val="tx1"/>
+          </a:fontRef>
+        </p:style>
+      </p:cxnSp>
+    </p:spTree>
+    <p:extLst>
+      <p:ext uri="{BB962C8B-B14F-4D97-AF65-F5344CB8AC3E}">
+        <p14:creationId xmlns:p14="http://schemas.microsoft.com/office/powerpoint/2010/main" val="3331200067"/>
       </p:ext>
     </p:extLst>
   </p:cSld>
